--- a/USA Housing Price Prediction.pptx
+++ b/USA Housing Price Prediction.pptx
@@ -140,7 +140,7 @@
   <pc:docChgLst>
     <pc:chgData name="Moshe Gamerberg" userId="228a2debde6e8a43" providerId="LiveId" clId="{DD06BFFE-EF92-42D8-8938-17D2CE8C3C45}"/>
     <pc:docChg chg="custSel addSld delSld modSld">
-      <pc:chgData name="Moshe Gamerberg" userId="228a2debde6e8a43" providerId="LiveId" clId="{DD06BFFE-EF92-42D8-8938-17D2CE8C3C45}" dt="2021-12-08T03:14:52.199" v="6006" actId="20577"/>
+      <pc:chgData name="Moshe Gamerberg" userId="228a2debde6e8a43" providerId="LiveId" clId="{DD06BFFE-EF92-42D8-8938-17D2CE8C3C45}" dt="2021-12-09T23:11:26.065" v="6050" actId="20577"/>
       <pc:docMkLst>
         <pc:docMk/>
       </pc:docMkLst>
@@ -579,7 +579,7 @@
         </pc:picChg>
       </pc:sldChg>
       <pc:sldChg chg="modSp new mod">
-        <pc:chgData name="Moshe Gamerberg" userId="228a2debde6e8a43" providerId="LiveId" clId="{DD06BFFE-EF92-42D8-8938-17D2CE8C3C45}" dt="2021-12-08T03:14:52.199" v="6006" actId="20577"/>
+        <pc:chgData name="Moshe Gamerberg" userId="228a2debde6e8a43" providerId="LiveId" clId="{DD06BFFE-EF92-42D8-8938-17D2CE8C3C45}" dt="2021-12-09T23:11:26.065" v="6050" actId="20577"/>
         <pc:sldMkLst>
           <pc:docMk/>
           <pc:sldMk cId="2024379099" sldId="272"/>
@@ -593,7 +593,7 @@
           </ac:spMkLst>
         </pc:spChg>
         <pc:spChg chg="mod">
-          <ac:chgData name="Moshe Gamerberg" userId="228a2debde6e8a43" providerId="LiveId" clId="{DD06BFFE-EF92-42D8-8938-17D2CE8C3C45}" dt="2021-12-08T03:14:52.199" v="6006" actId="20577"/>
+          <ac:chgData name="Moshe Gamerberg" userId="228a2debde6e8a43" providerId="LiveId" clId="{DD06BFFE-EF92-42D8-8938-17D2CE8C3C45}" dt="2021-12-09T23:11:26.065" v="6050" actId="20577"/>
           <ac:spMkLst>
             <pc:docMk/>
             <pc:sldMk cId="2024379099" sldId="272"/>
@@ -656,7 +656,7 @@
           <a:noFill/>
           <a:extLst>
             <a:ext uri="{909E8E84-426E-40dd-AFC4-6F175D3DCCD1}">
-              <a14:hiddenFill xmlns="" xmlns:a14="http://schemas.microsoft.com/office/drawing/2010/main">
+              <a14:hiddenFill xmlns:a14="http://schemas.microsoft.com/office/drawing/2010/main" xmlns="">
                 <a:solidFill>
                   <a:srgbClr val="FFFFFF"/>
                 </a:solidFill>
@@ -716,7 +716,7 @@
             </a:ln>
             <a:extLst>
               <a:ext uri="{91240B29-F687-4f45-9708-019B960494DF}">
-                <a14:hiddenLine xmlns="" xmlns:a14="http://schemas.microsoft.com/office/drawing/2010/main" w="9525">
+                <a14:hiddenLine xmlns:a14="http://schemas.microsoft.com/office/drawing/2010/main" xmlns="" w="9525">
                   <a:solidFill>
                     <a:srgbClr val="000000"/>
                   </a:solidFill>
@@ -806,7 +806,7 @@
             </a:ln>
             <a:extLst>
               <a:ext uri="{91240B29-F687-4f45-9708-019B960494DF}">
-                <a14:hiddenLine xmlns="" xmlns:a14="http://schemas.microsoft.com/office/drawing/2010/main" w="9525">
+                <a14:hiddenLine xmlns:a14="http://schemas.microsoft.com/office/drawing/2010/main" xmlns="" w="9525">
                   <a:solidFill>
                     <a:srgbClr val="000000"/>
                   </a:solidFill>
@@ -896,7 +896,7 @@
             </a:ln>
             <a:extLst>
               <a:ext uri="{91240B29-F687-4f45-9708-019B960494DF}">
-                <a14:hiddenLine xmlns="" xmlns:a14="http://schemas.microsoft.com/office/drawing/2010/main" w="9525">
+                <a14:hiddenLine xmlns:a14="http://schemas.microsoft.com/office/drawing/2010/main" xmlns="" w="9525">
                   <a:solidFill>
                     <a:srgbClr val="000000"/>
                   </a:solidFill>
@@ -930,7 +930,7 @@
             </a:ln>
             <a:extLst>
               <a:ext uri="{91240B29-F687-4f45-9708-019B960494DF}">
-                <a14:hiddenLine xmlns="" xmlns:a14="http://schemas.microsoft.com/office/drawing/2010/main" w="9525">
+                <a14:hiddenLine xmlns:a14="http://schemas.microsoft.com/office/drawing/2010/main" xmlns="" w="9525">
                   <a:solidFill>
                     <a:srgbClr val="000000"/>
                   </a:solidFill>
@@ -1020,7 +1020,7 @@
             </a:ln>
             <a:extLst>
               <a:ext uri="{91240B29-F687-4f45-9708-019B960494DF}">
-                <a14:hiddenLine xmlns="" xmlns:a14="http://schemas.microsoft.com/office/drawing/2010/main" w="9525">
+                <a14:hiddenLine xmlns:a14="http://schemas.microsoft.com/office/drawing/2010/main" xmlns="" w="9525">
                   <a:solidFill>
                     <a:srgbClr val="000000"/>
                   </a:solidFill>
@@ -1082,7 +1082,7 @@
             </a:ln>
             <a:extLst>
               <a:ext uri="{91240B29-F687-4f45-9708-019B960494DF}">
-                <a14:hiddenLine xmlns="" xmlns:a14="http://schemas.microsoft.com/office/drawing/2010/main" w="9525">
+                <a14:hiddenLine xmlns:a14="http://schemas.microsoft.com/office/drawing/2010/main" xmlns="" w="9525">
                   <a:solidFill>
                     <a:srgbClr val="000000"/>
                   </a:solidFill>
@@ -1144,7 +1144,7 @@
             </a:ln>
             <a:extLst>
               <a:ext uri="{91240B29-F687-4f45-9708-019B960494DF}">
-                <a14:hiddenLine xmlns="" xmlns:a14="http://schemas.microsoft.com/office/drawing/2010/main" w="9525">
+                <a14:hiddenLine xmlns:a14="http://schemas.microsoft.com/office/drawing/2010/main" xmlns="" w="9525">
                   <a:solidFill>
                     <a:srgbClr val="000000"/>
                   </a:solidFill>
@@ -1234,7 +1234,7 @@
             </a:ln>
             <a:extLst>
               <a:ext uri="{91240B29-F687-4f45-9708-019B960494DF}">
-                <a14:hiddenLine xmlns="" xmlns:a14="http://schemas.microsoft.com/office/drawing/2010/main" w="9525">
+                <a14:hiddenLine xmlns:a14="http://schemas.microsoft.com/office/drawing/2010/main" xmlns="" w="9525">
                   <a:solidFill>
                     <a:srgbClr val="000000"/>
                   </a:solidFill>
@@ -1296,7 +1296,7 @@
             </a:ln>
             <a:extLst>
               <a:ext uri="{91240B29-F687-4f45-9708-019B960494DF}">
-                <a14:hiddenLine xmlns="" xmlns:a14="http://schemas.microsoft.com/office/drawing/2010/main" w="9525">
+                <a14:hiddenLine xmlns:a14="http://schemas.microsoft.com/office/drawing/2010/main" xmlns="" w="9525">
                   <a:solidFill>
                     <a:srgbClr val="000000"/>
                   </a:solidFill>
@@ -1358,7 +1358,7 @@
             </a:ln>
             <a:extLst>
               <a:ext uri="{91240B29-F687-4f45-9708-019B960494DF}">
-                <a14:hiddenLine xmlns="" xmlns:a14="http://schemas.microsoft.com/office/drawing/2010/main" w="9525">
+                <a14:hiddenLine xmlns:a14="http://schemas.microsoft.com/office/drawing/2010/main" xmlns="" w="9525">
                   <a:solidFill>
                     <a:srgbClr val="000000"/>
                   </a:solidFill>
@@ -1448,7 +1448,7 @@
             </a:ln>
             <a:extLst>
               <a:ext uri="{91240B29-F687-4f45-9708-019B960494DF}">
-                <a14:hiddenLine xmlns="" xmlns:a14="http://schemas.microsoft.com/office/drawing/2010/main" w="9525">
+                <a14:hiddenLine xmlns:a14="http://schemas.microsoft.com/office/drawing/2010/main" xmlns="" w="9525">
                   <a:solidFill>
                     <a:srgbClr val="000000"/>
                   </a:solidFill>
@@ -1538,7 +1538,7 @@
             </a:ln>
             <a:extLst>
               <a:ext uri="{91240B29-F687-4f45-9708-019B960494DF}">
-                <a14:hiddenLine xmlns="" xmlns:a14="http://schemas.microsoft.com/office/drawing/2010/main" w="9525">
+                <a14:hiddenLine xmlns:a14="http://schemas.microsoft.com/office/drawing/2010/main" xmlns="" w="9525">
                   <a:solidFill>
                     <a:srgbClr val="000000"/>
                   </a:solidFill>
@@ -1600,7 +1600,7 @@
             </a:ln>
             <a:extLst>
               <a:ext uri="{91240B29-F687-4f45-9708-019B960494DF}">
-                <a14:hiddenLine xmlns="" xmlns:a14="http://schemas.microsoft.com/office/drawing/2010/main" w="9525">
+                <a14:hiddenLine xmlns:a14="http://schemas.microsoft.com/office/drawing/2010/main" xmlns="" w="9525">
                   <a:solidFill>
                     <a:srgbClr val="000000"/>
                   </a:solidFill>
@@ -1710,7 +1710,7 @@
             </a:ln>
             <a:extLst>
               <a:ext uri="{91240B29-F687-4f45-9708-019B960494DF}">
-                <a14:hiddenLine xmlns="" xmlns:a14="http://schemas.microsoft.com/office/drawing/2010/main" w="9525">
+                <a14:hiddenLine xmlns:a14="http://schemas.microsoft.com/office/drawing/2010/main" xmlns="" w="9525">
                   <a:solidFill>
                     <a:srgbClr val="000000"/>
                   </a:solidFill>
@@ -1772,7 +1772,7 @@
             </a:ln>
             <a:extLst>
               <a:ext uri="{91240B29-F687-4f45-9708-019B960494DF}">
-                <a14:hiddenLine xmlns="" xmlns:a14="http://schemas.microsoft.com/office/drawing/2010/main" w="9525">
+                <a14:hiddenLine xmlns:a14="http://schemas.microsoft.com/office/drawing/2010/main" xmlns="" w="9525">
                   <a:solidFill>
                     <a:srgbClr val="000000"/>
                   </a:solidFill>
@@ -1862,7 +1862,7 @@
             </a:ln>
             <a:extLst>
               <a:ext uri="{91240B29-F687-4f45-9708-019B960494DF}">
-                <a14:hiddenLine xmlns="" xmlns:a14="http://schemas.microsoft.com/office/drawing/2010/main" w="9525">
+                <a14:hiddenLine xmlns:a14="http://schemas.microsoft.com/office/drawing/2010/main" xmlns="" w="9525">
                   <a:solidFill>
                     <a:srgbClr val="000000"/>
                   </a:solidFill>
@@ -1952,7 +1952,7 @@
             </a:ln>
             <a:extLst>
               <a:ext uri="{91240B29-F687-4f45-9708-019B960494DF}">
-                <a14:hiddenLine xmlns="" xmlns:a14="http://schemas.microsoft.com/office/drawing/2010/main" w="9525">
+                <a14:hiddenLine xmlns:a14="http://schemas.microsoft.com/office/drawing/2010/main" xmlns="" w="9525">
                   <a:solidFill>
                     <a:srgbClr val="000000"/>
                   </a:solidFill>
@@ -2014,7 +2014,7 @@
             </a:ln>
             <a:extLst>
               <a:ext uri="{91240B29-F687-4f45-9708-019B960494DF}">
-                <a14:hiddenLine xmlns="" xmlns:a14="http://schemas.microsoft.com/office/drawing/2010/main" w="9525">
+                <a14:hiddenLine xmlns:a14="http://schemas.microsoft.com/office/drawing/2010/main" xmlns="" w="9525">
                   <a:solidFill>
                     <a:srgbClr val="000000"/>
                   </a:solidFill>
@@ -2104,7 +2104,7 @@
             </a:ln>
             <a:extLst>
               <a:ext uri="{91240B29-F687-4f45-9708-019B960494DF}">
-                <a14:hiddenLine xmlns="" xmlns:a14="http://schemas.microsoft.com/office/drawing/2010/main" w="9525">
+                <a14:hiddenLine xmlns:a14="http://schemas.microsoft.com/office/drawing/2010/main" xmlns="" w="9525">
                   <a:solidFill>
                     <a:srgbClr val="000000"/>
                   </a:solidFill>
@@ -2194,7 +2194,7 @@
             </a:ln>
             <a:extLst>
               <a:ext uri="{91240B29-F687-4f45-9708-019B960494DF}">
-                <a14:hiddenLine xmlns="" xmlns:a14="http://schemas.microsoft.com/office/drawing/2010/main" w="9525">
+                <a14:hiddenLine xmlns:a14="http://schemas.microsoft.com/office/drawing/2010/main" xmlns="" w="9525">
                   <a:solidFill>
                     <a:srgbClr val="000000"/>
                   </a:solidFill>
@@ -2250,7 +2250,7 @@
             </a:ln>
             <a:extLst>
               <a:ext uri="{91240B29-F687-4f45-9708-019B960494DF}">
-                <a14:hiddenLine xmlns="" xmlns:a14="http://schemas.microsoft.com/office/drawing/2010/main" w="9525">
+                <a14:hiddenLine xmlns:a14="http://schemas.microsoft.com/office/drawing/2010/main" xmlns="" w="9525">
                   <a:solidFill>
                     <a:srgbClr val="000000"/>
                   </a:solidFill>
@@ -2340,7 +2340,7 @@
             </a:ln>
             <a:extLst>
               <a:ext uri="{91240B29-F687-4f45-9708-019B960494DF}">
-                <a14:hiddenLine xmlns="" xmlns:a14="http://schemas.microsoft.com/office/drawing/2010/main" w="9525">
+                <a14:hiddenLine xmlns:a14="http://schemas.microsoft.com/office/drawing/2010/main" xmlns="" w="9525">
                   <a:solidFill>
                     <a:srgbClr val="000000"/>
                   </a:solidFill>
@@ -2396,7 +2396,7 @@
             </a:ln>
             <a:extLst>
               <a:ext uri="{91240B29-F687-4f45-9708-019B960494DF}">
-                <a14:hiddenLine xmlns="" xmlns:a14="http://schemas.microsoft.com/office/drawing/2010/main" w="9525">
+                <a14:hiddenLine xmlns:a14="http://schemas.microsoft.com/office/drawing/2010/main" xmlns="" w="9525">
                   <a:solidFill>
                     <a:srgbClr val="000000"/>
                   </a:solidFill>
@@ -2486,7 +2486,7 @@
             </a:ln>
             <a:extLst>
               <a:ext uri="{91240B29-F687-4f45-9708-019B960494DF}">
-                <a14:hiddenLine xmlns="" xmlns:a14="http://schemas.microsoft.com/office/drawing/2010/main" w="9525">
+                <a14:hiddenLine xmlns:a14="http://schemas.microsoft.com/office/drawing/2010/main" xmlns="" w="9525">
                   <a:solidFill>
                     <a:srgbClr val="000000"/>
                   </a:solidFill>
@@ -2554,7 +2554,7 @@
             </a:ln>
             <a:extLst>
               <a:ext uri="{91240B29-F687-4f45-9708-019B960494DF}">
-                <a14:hiddenLine xmlns="" xmlns:a14="http://schemas.microsoft.com/office/drawing/2010/main" w="9525">
+                <a14:hiddenLine xmlns:a14="http://schemas.microsoft.com/office/drawing/2010/main" xmlns="" w="9525">
                   <a:solidFill>
                     <a:srgbClr val="000000"/>
                   </a:solidFill>
@@ -2644,7 +2644,7 @@
             </a:ln>
             <a:extLst>
               <a:ext uri="{91240B29-F687-4f45-9708-019B960494DF}">
-                <a14:hiddenLine xmlns="" xmlns:a14="http://schemas.microsoft.com/office/drawing/2010/main" w="9525">
+                <a14:hiddenLine xmlns:a14="http://schemas.microsoft.com/office/drawing/2010/main" xmlns="" w="9525">
                   <a:solidFill>
                     <a:srgbClr val="000000"/>
                   </a:solidFill>
@@ -2712,7 +2712,7 @@
             </a:ln>
             <a:extLst>
               <a:ext uri="{91240B29-F687-4f45-9708-019B960494DF}">
-                <a14:hiddenLine xmlns="" xmlns:a14="http://schemas.microsoft.com/office/drawing/2010/main" w="9525">
+                <a14:hiddenLine xmlns:a14="http://schemas.microsoft.com/office/drawing/2010/main" xmlns="" w="9525">
                   <a:solidFill>
                     <a:srgbClr val="000000"/>
                   </a:solidFill>
@@ -2802,7 +2802,7 @@
             </a:ln>
             <a:extLst>
               <a:ext uri="{91240B29-F687-4f45-9708-019B960494DF}">
-                <a14:hiddenLine xmlns="" xmlns:a14="http://schemas.microsoft.com/office/drawing/2010/main" w="9525">
+                <a14:hiddenLine xmlns:a14="http://schemas.microsoft.com/office/drawing/2010/main" xmlns="" w="9525">
                   <a:solidFill>
                     <a:srgbClr val="000000"/>
                   </a:solidFill>
@@ -2836,7 +2836,7 @@
             </a:ln>
             <a:extLst>
               <a:ext uri="{91240B29-F687-4f45-9708-019B960494DF}">
-                <a14:hiddenLine xmlns="" xmlns:a14="http://schemas.microsoft.com/office/drawing/2010/main" w="9525">
+                <a14:hiddenLine xmlns:a14="http://schemas.microsoft.com/office/drawing/2010/main" xmlns="" w="9525">
                   <a:solidFill>
                     <a:srgbClr val="000000"/>
                   </a:solidFill>
@@ -2926,7 +2926,7 @@
             </a:ln>
             <a:extLst>
               <a:ext uri="{91240B29-F687-4f45-9708-019B960494DF}">
-                <a14:hiddenLine xmlns="" xmlns:a14="http://schemas.microsoft.com/office/drawing/2010/main" w="9525">
+                <a14:hiddenLine xmlns:a14="http://schemas.microsoft.com/office/drawing/2010/main" xmlns="" w="9525">
                   <a:solidFill>
                     <a:srgbClr val="000000"/>
                   </a:solidFill>
@@ -2988,7 +2988,7 @@
             </a:ln>
             <a:extLst>
               <a:ext uri="{91240B29-F687-4f45-9708-019B960494DF}">
-                <a14:hiddenLine xmlns="" xmlns:a14="http://schemas.microsoft.com/office/drawing/2010/main" w="9525">
+                <a14:hiddenLine xmlns:a14="http://schemas.microsoft.com/office/drawing/2010/main" xmlns="" w="9525">
                   <a:solidFill>
                     <a:srgbClr val="000000"/>
                   </a:solidFill>
@@ -3050,7 +3050,7 @@
             </a:ln>
             <a:extLst>
               <a:ext uri="{91240B29-F687-4f45-9708-019B960494DF}">
-                <a14:hiddenLine xmlns="" xmlns:a14="http://schemas.microsoft.com/office/drawing/2010/main" w="9525">
+                <a14:hiddenLine xmlns:a14="http://schemas.microsoft.com/office/drawing/2010/main" xmlns="" w="9525">
                   <a:solidFill>
                     <a:srgbClr val="000000"/>
                   </a:solidFill>
@@ -3140,7 +3140,7 @@
             </a:ln>
             <a:extLst>
               <a:ext uri="{91240B29-F687-4f45-9708-019B960494DF}">
-                <a14:hiddenLine xmlns="" xmlns:a14="http://schemas.microsoft.com/office/drawing/2010/main" w="9525">
+                <a14:hiddenLine xmlns:a14="http://schemas.microsoft.com/office/drawing/2010/main" xmlns="" w="9525">
                   <a:solidFill>
                     <a:srgbClr val="000000"/>
                   </a:solidFill>
@@ -3208,7 +3208,7 @@
             </a:ln>
             <a:extLst>
               <a:ext uri="{91240B29-F687-4f45-9708-019B960494DF}">
-                <a14:hiddenLine xmlns="" xmlns:a14="http://schemas.microsoft.com/office/drawing/2010/main" w="9525">
+                <a14:hiddenLine xmlns:a14="http://schemas.microsoft.com/office/drawing/2010/main" xmlns="" w="9525">
                   <a:solidFill>
                     <a:srgbClr val="000000"/>
                   </a:solidFill>
@@ -3270,7 +3270,7 @@
             </a:ln>
             <a:extLst>
               <a:ext uri="{91240B29-F687-4f45-9708-019B960494DF}">
-                <a14:hiddenLine xmlns="" xmlns:a14="http://schemas.microsoft.com/office/drawing/2010/main" w="9525">
+                <a14:hiddenLine xmlns:a14="http://schemas.microsoft.com/office/drawing/2010/main" xmlns="" w="9525">
                   <a:solidFill>
                     <a:srgbClr val="000000"/>
                   </a:solidFill>
@@ -3360,7 +3360,7 @@
             </a:ln>
             <a:extLst>
               <a:ext uri="{91240B29-F687-4f45-9708-019B960494DF}">
-                <a14:hiddenLine xmlns="" xmlns:a14="http://schemas.microsoft.com/office/drawing/2010/main" w="9525">
+                <a14:hiddenLine xmlns:a14="http://schemas.microsoft.com/office/drawing/2010/main" xmlns="" w="9525">
                   <a:solidFill>
                     <a:srgbClr val="000000"/>
                   </a:solidFill>
@@ -3422,7 +3422,7 @@
             </a:ln>
             <a:extLst>
               <a:ext uri="{91240B29-F687-4f45-9708-019B960494DF}">
-                <a14:hiddenLine xmlns="" xmlns:a14="http://schemas.microsoft.com/office/drawing/2010/main" w="9525">
+                <a14:hiddenLine xmlns:a14="http://schemas.microsoft.com/office/drawing/2010/main" xmlns="" w="9525">
                   <a:solidFill>
                     <a:srgbClr val="000000"/>
                   </a:solidFill>
@@ -3512,7 +3512,7 @@
             </a:ln>
             <a:extLst>
               <a:ext uri="{91240B29-F687-4f45-9708-019B960494DF}">
-                <a14:hiddenLine xmlns="" xmlns:a14="http://schemas.microsoft.com/office/drawing/2010/main" w="9525">
+                <a14:hiddenLine xmlns:a14="http://schemas.microsoft.com/office/drawing/2010/main" xmlns="" w="9525">
                   <a:solidFill>
                     <a:srgbClr val="000000"/>
                   </a:solidFill>
@@ -3574,7 +3574,7 @@
             </a:ln>
             <a:extLst>
               <a:ext uri="{91240B29-F687-4f45-9708-019B960494DF}">
-                <a14:hiddenLine xmlns="" xmlns:a14="http://schemas.microsoft.com/office/drawing/2010/main" w="9525">
+                <a14:hiddenLine xmlns:a14="http://schemas.microsoft.com/office/drawing/2010/main" xmlns="" w="9525">
                   <a:solidFill>
                     <a:srgbClr val="000000"/>
                   </a:solidFill>
@@ -3664,7 +3664,7 @@
             </a:ln>
             <a:extLst>
               <a:ext uri="{91240B29-F687-4f45-9708-019B960494DF}">
-                <a14:hiddenLine xmlns="" xmlns:a14="http://schemas.microsoft.com/office/drawing/2010/main" w="9525">
+                <a14:hiddenLine xmlns:a14="http://schemas.microsoft.com/office/drawing/2010/main" xmlns="" w="9525">
                   <a:solidFill>
                     <a:srgbClr val="000000"/>
                   </a:solidFill>
@@ -3698,7 +3698,7 @@
             </a:ln>
             <a:extLst>
               <a:ext uri="{91240B29-F687-4f45-9708-019B960494DF}">
-                <a14:hiddenLine xmlns="" xmlns:a14="http://schemas.microsoft.com/office/drawing/2010/main" w="9525">
+                <a14:hiddenLine xmlns:a14="http://schemas.microsoft.com/office/drawing/2010/main" xmlns="" w="9525">
                   <a:solidFill>
                     <a:srgbClr val="000000"/>
                   </a:solidFill>
@@ -3763,7 +3763,7 @@
             </a:ln>
             <a:extLst>
               <a:ext uri="{91240B29-F687-4f45-9708-019B960494DF}">
-                <a14:hiddenLine xmlns="" xmlns:a14="http://schemas.microsoft.com/office/drawing/2010/main" w="9525">
+                <a14:hiddenLine xmlns:a14="http://schemas.microsoft.com/office/drawing/2010/main" xmlns="" w="9525">
                   <a:solidFill>
                     <a:srgbClr val="000000"/>
                   </a:solidFill>
@@ -3853,7 +3853,7 @@
             </a:ln>
             <a:extLst>
               <a:ext uri="{91240B29-F687-4f45-9708-019B960494DF}">
-                <a14:hiddenLine xmlns="" xmlns:a14="http://schemas.microsoft.com/office/drawing/2010/main" w="9525">
+                <a14:hiddenLine xmlns:a14="http://schemas.microsoft.com/office/drawing/2010/main" xmlns="" w="9525">
                   <a:solidFill>
                     <a:srgbClr val="000000"/>
                   </a:solidFill>
@@ -3915,7 +3915,7 @@
             </a:ln>
             <a:extLst>
               <a:ext uri="{91240B29-F687-4f45-9708-019B960494DF}">
-                <a14:hiddenLine xmlns="" xmlns:a14="http://schemas.microsoft.com/office/drawing/2010/main" w="9525">
+                <a14:hiddenLine xmlns:a14="http://schemas.microsoft.com/office/drawing/2010/main" xmlns="" w="9525">
                   <a:solidFill>
                     <a:srgbClr val="000000"/>
                   </a:solidFill>
@@ -4005,7 +4005,7 @@
             </a:ln>
             <a:extLst>
               <a:ext uri="{91240B29-F687-4f45-9708-019B960494DF}">
-                <a14:hiddenLine xmlns="" xmlns:a14="http://schemas.microsoft.com/office/drawing/2010/main" w="9525">
+                <a14:hiddenLine xmlns:a14="http://schemas.microsoft.com/office/drawing/2010/main" xmlns="" w="9525">
                   <a:solidFill>
                     <a:srgbClr val="000000"/>
                   </a:solidFill>
@@ -4095,7 +4095,7 @@
             </a:ln>
             <a:extLst>
               <a:ext uri="{91240B29-F687-4f45-9708-019B960494DF}">
-                <a14:hiddenLine xmlns="" xmlns:a14="http://schemas.microsoft.com/office/drawing/2010/main" w="9525">
+                <a14:hiddenLine xmlns:a14="http://schemas.microsoft.com/office/drawing/2010/main" xmlns="" w="9525">
                   <a:solidFill>
                     <a:srgbClr val="000000"/>
                   </a:solidFill>
@@ -4160,7 +4160,7 @@
             </a:ln>
             <a:extLst>
               <a:ext uri="{91240B29-F687-4f45-9708-019B960494DF}">
-                <a14:hiddenLine xmlns="" xmlns:a14="http://schemas.microsoft.com/office/drawing/2010/main" w="9525">
+                <a14:hiddenLine xmlns:a14="http://schemas.microsoft.com/office/drawing/2010/main" xmlns="" w="9525">
                   <a:solidFill>
                     <a:srgbClr val="000000"/>
                   </a:solidFill>
@@ -4222,7 +4222,7 @@
             </a:ln>
             <a:extLst>
               <a:ext uri="{91240B29-F687-4f45-9708-019B960494DF}">
-                <a14:hiddenLine xmlns="" xmlns:a14="http://schemas.microsoft.com/office/drawing/2010/main" w="9525">
+                <a14:hiddenLine xmlns:a14="http://schemas.microsoft.com/office/drawing/2010/main" xmlns="" w="9525">
                   <a:solidFill>
                     <a:srgbClr val="000000"/>
                   </a:solidFill>
@@ -4312,7 +4312,7 @@
             </a:ln>
             <a:extLst>
               <a:ext uri="{91240B29-F687-4f45-9708-019B960494DF}">
-                <a14:hiddenLine xmlns="" xmlns:a14="http://schemas.microsoft.com/office/drawing/2010/main" w="9525">
+                <a14:hiddenLine xmlns:a14="http://schemas.microsoft.com/office/drawing/2010/main" xmlns="" w="9525">
                   <a:solidFill>
                     <a:srgbClr val="000000"/>
                   </a:solidFill>
@@ -4402,7 +4402,7 @@
             </a:ln>
             <a:extLst>
               <a:ext uri="{91240B29-F687-4f45-9708-019B960494DF}">
-                <a14:hiddenLine xmlns="" xmlns:a14="http://schemas.microsoft.com/office/drawing/2010/main" w="9525">
+                <a14:hiddenLine xmlns:a14="http://schemas.microsoft.com/office/drawing/2010/main" xmlns="" w="9525">
                   <a:solidFill>
                     <a:srgbClr val="000000"/>
                   </a:solidFill>
@@ -4464,7 +4464,7 @@
             </a:ln>
             <a:extLst>
               <a:ext uri="{91240B29-F687-4f45-9708-019B960494DF}">
-                <a14:hiddenLine xmlns="" xmlns:a14="http://schemas.microsoft.com/office/drawing/2010/main" w="9525">
+                <a14:hiddenLine xmlns:a14="http://schemas.microsoft.com/office/drawing/2010/main" xmlns="" w="9525">
                   <a:solidFill>
                     <a:srgbClr val="000000"/>
                   </a:solidFill>
@@ -4584,7 +4584,7 @@
             </a:ln>
             <a:extLst>
               <a:ext uri="{91240B29-F687-4f45-9708-019B960494DF}">
-                <a14:hiddenLine xmlns="" xmlns:a14="http://schemas.microsoft.com/office/drawing/2010/main" w="9525">
+                <a14:hiddenLine xmlns:a14="http://schemas.microsoft.com/office/drawing/2010/main" xmlns="" w="9525">
                   <a:solidFill>
                     <a:srgbClr val="000000"/>
                   </a:solidFill>
@@ -4652,7 +4652,7 @@
             </a:ln>
             <a:extLst>
               <a:ext uri="{91240B29-F687-4f45-9708-019B960494DF}">
-                <a14:hiddenLine xmlns="" xmlns:a14="http://schemas.microsoft.com/office/drawing/2010/main" w="9525">
+                <a14:hiddenLine xmlns:a14="http://schemas.microsoft.com/office/drawing/2010/main" xmlns="" w="9525">
                   <a:solidFill>
                     <a:srgbClr val="000000"/>
                   </a:solidFill>
@@ -4742,7 +4742,7 @@
             </a:ln>
             <a:extLst>
               <a:ext uri="{91240B29-F687-4f45-9708-019B960494DF}">
-                <a14:hiddenLine xmlns="" xmlns:a14="http://schemas.microsoft.com/office/drawing/2010/main" w="9525">
+                <a14:hiddenLine xmlns:a14="http://schemas.microsoft.com/office/drawing/2010/main" xmlns="" w="9525">
                   <a:solidFill>
                     <a:srgbClr val="000000"/>
                   </a:solidFill>
@@ -4882,7 +4882,7 @@
           <a:p>
             <a:fld id="{48A87A34-81AB-432B-8DAE-1953F412C126}" type="datetimeFigureOut">
               <a:rPr lang="en-US" dirty="0"/>
-              <a:t>12/7/2021</a:t>
+              <a:t>12/9/2021</a:t>
             </a:fld>
             <a:endParaRPr lang="en-US" dirty="0"/>
           </a:p>
@@ -5144,7 +5144,7 @@
           <a:p>
             <a:fld id="{48A87A34-81AB-432B-8DAE-1953F412C126}" type="datetimeFigureOut">
               <a:rPr lang="en-US" dirty="0"/>
-              <a:t>12/7/2021</a:t>
+              <a:t>12/9/2021</a:t>
             </a:fld>
             <a:endParaRPr lang="en-US" dirty="0"/>
           </a:p>
@@ -5335,7 +5335,7 @@
           <a:p>
             <a:fld id="{48A87A34-81AB-432B-8DAE-1953F412C126}" type="datetimeFigureOut">
               <a:rPr lang="en-US" dirty="0"/>
-              <a:t>12/7/2021</a:t>
+              <a:t>12/9/2021</a:t>
             </a:fld>
             <a:endParaRPr lang="en-US" dirty="0"/>
           </a:p>
@@ -5593,7 +5593,7 @@
           <a:p>
             <a:fld id="{48A87A34-81AB-432B-8DAE-1953F412C126}" type="datetimeFigureOut">
               <a:rPr lang="en-US" dirty="0"/>
-              <a:t>12/7/2021</a:t>
+              <a:t>12/9/2021</a:t>
             </a:fld>
             <a:endParaRPr lang="en-US" dirty="0"/>
           </a:p>
@@ -6022,7 +6022,7 @@
           <a:p>
             <a:fld id="{48A87A34-81AB-432B-8DAE-1953F412C126}" type="datetimeFigureOut">
               <a:rPr lang="en-US" dirty="0"/>
-              <a:t>12/7/2021</a:t>
+              <a:t>12/9/2021</a:t>
             </a:fld>
             <a:endParaRPr lang="en-US" dirty="0"/>
           </a:p>
@@ -6563,7 +6563,7 @@
           <a:p>
             <a:fld id="{48A87A34-81AB-432B-8DAE-1953F412C126}" type="datetimeFigureOut">
               <a:rPr lang="en-US" dirty="0"/>
-              <a:t>12/7/2021</a:t>
+              <a:t>12/9/2021</a:t>
             </a:fld>
             <a:endParaRPr lang="en-US" dirty="0"/>
           </a:p>
@@ -7278,7 +7278,7 @@
           <a:p>
             <a:fld id="{48A87A34-81AB-432B-8DAE-1953F412C126}" type="datetimeFigureOut">
               <a:rPr lang="en-US" dirty="0"/>
-              <a:t>12/7/2021</a:t>
+              <a:t>12/9/2021</a:t>
             </a:fld>
             <a:endParaRPr lang="en-US" dirty="0"/>
           </a:p>
@@ -7443,7 +7443,7 @@
           <a:p>
             <a:fld id="{48A87A34-81AB-432B-8DAE-1953F412C126}" type="datetimeFigureOut">
               <a:rPr lang="en-US" dirty="0"/>
-              <a:t>12/7/2021</a:t>
+              <a:t>12/9/2021</a:t>
             </a:fld>
             <a:endParaRPr lang="en-US" dirty="0"/>
           </a:p>
@@ -7618,7 +7618,7 @@
           <a:p>
             <a:fld id="{48A87A34-81AB-432B-8DAE-1953F412C126}" type="datetimeFigureOut">
               <a:rPr lang="en-US" dirty="0"/>
-              <a:t>12/7/2021</a:t>
+              <a:t>12/9/2021</a:t>
             </a:fld>
             <a:endParaRPr lang="en-US" dirty="0"/>
           </a:p>
@@ -7783,7 +7783,7 @@
           <a:p>
             <a:fld id="{48A87A34-81AB-432B-8DAE-1953F412C126}" type="datetimeFigureOut">
               <a:rPr lang="en-US" dirty="0"/>
-              <a:t>12/7/2021</a:t>
+              <a:t>12/9/2021</a:t>
             </a:fld>
             <a:endParaRPr lang="en-US" dirty="0"/>
           </a:p>
@@ -8028,7 +8028,7 @@
           <a:p>
             <a:fld id="{48A87A34-81AB-432B-8DAE-1953F412C126}" type="datetimeFigureOut">
               <a:rPr lang="en-US" dirty="0"/>
-              <a:t>12/7/2021</a:t>
+              <a:t>12/9/2021</a:t>
             </a:fld>
             <a:endParaRPr lang="en-US" dirty="0"/>
           </a:p>
@@ -8255,7 +8255,7 @@
           <a:p>
             <a:fld id="{48A87A34-81AB-432B-8DAE-1953F412C126}" type="datetimeFigureOut">
               <a:rPr lang="en-US" dirty="0"/>
-              <a:t>12/7/2021</a:t>
+              <a:t>12/9/2021</a:t>
             </a:fld>
             <a:endParaRPr lang="en-US" dirty="0"/>
           </a:p>
@@ -8631,7 +8631,7 @@
           <a:p>
             <a:fld id="{48A87A34-81AB-432B-8DAE-1953F412C126}" type="datetimeFigureOut">
               <a:rPr lang="en-US" dirty="0"/>
-              <a:t>12/7/2021</a:t>
+              <a:t>12/9/2021</a:t>
             </a:fld>
             <a:endParaRPr lang="en-US" dirty="0"/>
           </a:p>
@@ -8744,7 +8744,7 @@
           <a:p>
             <a:fld id="{48A87A34-81AB-432B-8DAE-1953F412C126}" type="datetimeFigureOut">
               <a:rPr lang="en-US" dirty="0"/>
-              <a:t>12/7/2021</a:t>
+              <a:t>12/9/2021</a:t>
             </a:fld>
             <a:endParaRPr lang="en-US" dirty="0"/>
           </a:p>
@@ -8834,7 +8834,7 @@
           <a:p>
             <a:fld id="{48A87A34-81AB-432B-8DAE-1953F412C126}" type="datetimeFigureOut">
               <a:rPr lang="en-US" dirty="0"/>
-              <a:t>12/7/2021</a:t>
+              <a:t>12/9/2021</a:t>
             </a:fld>
             <a:endParaRPr lang="en-US" dirty="0"/>
           </a:p>
@@ -9078,7 +9078,7 @@
           <a:p>
             <a:fld id="{48A87A34-81AB-432B-8DAE-1953F412C126}" type="datetimeFigureOut">
               <a:rPr lang="en-US" dirty="0"/>
-              <a:t>12/7/2021</a:t>
+              <a:t>12/9/2021</a:t>
             </a:fld>
             <a:endParaRPr lang="en-US" dirty="0"/>
           </a:p>
@@ -9353,7 +9353,7 @@
           <a:p>
             <a:fld id="{48A87A34-81AB-432B-8DAE-1953F412C126}" type="datetimeFigureOut">
               <a:rPr lang="en-US" dirty="0"/>
-              <a:t>12/7/2021</a:t>
+              <a:t>12/9/2021</a:t>
             </a:fld>
             <a:endParaRPr lang="en-US" dirty="0"/>
           </a:p>
@@ -9464,7 +9464,7 @@
           <a:noFill/>
           <a:extLst>
             <a:ext uri="{909E8E84-426E-40dd-AFC4-6F175D3DCCD1}">
-              <a14:hiddenFill xmlns="" xmlns:a14="http://schemas.microsoft.com/office/drawing/2010/main">
+              <a14:hiddenFill xmlns:a14="http://schemas.microsoft.com/office/drawing/2010/main" xmlns="">
                 <a:solidFill>
                   <a:srgbClr val="FFFFFF"/>
                 </a:solidFill>
@@ -9538,7 +9538,7 @@
               </a:ln>
               <a:extLst>
                 <a:ext uri="{91240B29-F687-4f45-9708-019B960494DF}">
-                  <a14:hiddenLine xmlns="" xmlns:a14="http://schemas.microsoft.com/office/drawing/2010/main" w="9525">
+                  <a14:hiddenLine xmlns:a14="http://schemas.microsoft.com/office/drawing/2010/main" xmlns="" w="9525">
                     <a:solidFill>
                       <a:srgbClr val="000000"/>
                     </a:solidFill>
@@ -9628,7 +9628,7 @@
               </a:ln>
               <a:extLst>
                 <a:ext uri="{91240B29-F687-4f45-9708-019B960494DF}">
-                  <a14:hiddenLine xmlns="" xmlns:a14="http://schemas.microsoft.com/office/drawing/2010/main" w="9525">
+                  <a14:hiddenLine xmlns:a14="http://schemas.microsoft.com/office/drawing/2010/main" xmlns="" w="9525">
                     <a:solidFill>
                       <a:srgbClr val="000000"/>
                     </a:solidFill>
@@ -9718,7 +9718,7 @@
               </a:ln>
               <a:extLst>
                 <a:ext uri="{91240B29-F687-4f45-9708-019B960494DF}">
-                  <a14:hiddenLine xmlns="" xmlns:a14="http://schemas.microsoft.com/office/drawing/2010/main" w="9525">
+                  <a14:hiddenLine xmlns:a14="http://schemas.microsoft.com/office/drawing/2010/main" xmlns="" w="9525">
                     <a:solidFill>
                       <a:srgbClr val="000000"/>
                     </a:solidFill>
@@ -9780,7 +9780,7 @@
               </a:ln>
               <a:extLst>
                 <a:ext uri="{91240B29-F687-4f45-9708-019B960494DF}">
-                  <a14:hiddenLine xmlns="" xmlns:a14="http://schemas.microsoft.com/office/drawing/2010/main" w="9525">
+                  <a14:hiddenLine xmlns:a14="http://schemas.microsoft.com/office/drawing/2010/main" xmlns="" w="9525">
                     <a:solidFill>
                       <a:srgbClr val="000000"/>
                     </a:solidFill>
@@ -9870,7 +9870,7 @@
               </a:ln>
               <a:extLst>
                 <a:ext uri="{91240B29-F687-4f45-9708-019B960494DF}">
-                  <a14:hiddenLine xmlns="" xmlns:a14="http://schemas.microsoft.com/office/drawing/2010/main" w="9525">
+                  <a14:hiddenLine xmlns:a14="http://schemas.microsoft.com/office/drawing/2010/main" xmlns="" w="9525">
                     <a:solidFill>
                       <a:srgbClr val="000000"/>
                     </a:solidFill>
@@ -9932,7 +9932,7 @@
               </a:ln>
               <a:extLst>
                 <a:ext uri="{91240B29-F687-4f45-9708-019B960494DF}">
-                  <a14:hiddenLine xmlns="" xmlns:a14="http://schemas.microsoft.com/office/drawing/2010/main" w="9525">
+                  <a14:hiddenLine xmlns:a14="http://schemas.microsoft.com/office/drawing/2010/main" xmlns="" w="9525">
                     <a:solidFill>
                       <a:srgbClr val="000000"/>
                     </a:solidFill>
@@ -9994,7 +9994,7 @@
               </a:ln>
               <a:extLst>
                 <a:ext uri="{91240B29-F687-4f45-9708-019B960494DF}">
-                  <a14:hiddenLine xmlns="" xmlns:a14="http://schemas.microsoft.com/office/drawing/2010/main" w="9525">
+                  <a14:hiddenLine xmlns:a14="http://schemas.microsoft.com/office/drawing/2010/main" xmlns="" w="9525">
                     <a:solidFill>
                       <a:srgbClr val="000000"/>
                     </a:solidFill>
@@ -10084,7 +10084,7 @@
               </a:ln>
               <a:extLst>
                 <a:ext uri="{91240B29-F687-4f45-9708-019B960494DF}">
-                  <a14:hiddenLine xmlns="" xmlns:a14="http://schemas.microsoft.com/office/drawing/2010/main" w="9525">
+                  <a14:hiddenLine xmlns:a14="http://schemas.microsoft.com/office/drawing/2010/main" xmlns="" w="9525">
                     <a:solidFill>
                       <a:srgbClr val="000000"/>
                     </a:solidFill>
@@ -10174,7 +10174,7 @@
               </a:ln>
               <a:extLst>
                 <a:ext uri="{91240B29-F687-4f45-9708-019B960494DF}">
-                  <a14:hiddenLine xmlns="" xmlns:a14="http://schemas.microsoft.com/office/drawing/2010/main" w="9525">
+                  <a14:hiddenLine xmlns:a14="http://schemas.microsoft.com/office/drawing/2010/main" xmlns="" w="9525">
                     <a:solidFill>
                       <a:srgbClr val="000000"/>
                     </a:solidFill>
@@ -10236,7 +10236,7 @@
               </a:ln>
               <a:extLst>
                 <a:ext uri="{91240B29-F687-4f45-9708-019B960494DF}">
-                  <a14:hiddenLine xmlns="" xmlns:a14="http://schemas.microsoft.com/office/drawing/2010/main" w="9525">
+                  <a14:hiddenLine xmlns:a14="http://schemas.microsoft.com/office/drawing/2010/main" xmlns="" w="9525">
                     <a:solidFill>
                       <a:srgbClr val="000000"/>
                     </a:solidFill>
@@ -10346,7 +10346,7 @@
               </a:ln>
               <a:extLst>
                 <a:ext uri="{91240B29-F687-4f45-9708-019B960494DF}">
-                  <a14:hiddenLine xmlns="" xmlns:a14="http://schemas.microsoft.com/office/drawing/2010/main" w="9525">
+                  <a14:hiddenLine xmlns:a14="http://schemas.microsoft.com/office/drawing/2010/main" xmlns="" w="9525">
                     <a:solidFill>
                       <a:srgbClr val="000000"/>
                     </a:solidFill>
@@ -10430,7 +10430,7 @@
               </a:ln>
               <a:extLst>
                 <a:ext uri="{91240B29-F687-4f45-9708-019B960494DF}">
-                  <a14:hiddenLine xmlns="" xmlns:a14="http://schemas.microsoft.com/office/drawing/2010/main" w="9525">
+                  <a14:hiddenLine xmlns:a14="http://schemas.microsoft.com/office/drawing/2010/main" xmlns="" w="9525">
                     <a:solidFill>
                       <a:srgbClr val="000000"/>
                     </a:solidFill>
@@ -10492,7 +10492,7 @@
               </a:ln>
               <a:extLst>
                 <a:ext uri="{91240B29-F687-4f45-9708-019B960494DF}">
-                  <a14:hiddenLine xmlns="" xmlns:a14="http://schemas.microsoft.com/office/drawing/2010/main" w="9525">
+                  <a14:hiddenLine xmlns:a14="http://schemas.microsoft.com/office/drawing/2010/main" xmlns="" w="9525">
                     <a:solidFill>
                       <a:srgbClr val="000000"/>
                     </a:solidFill>
@@ -10554,7 +10554,7 @@
               </a:ln>
               <a:extLst>
                 <a:ext uri="{91240B29-F687-4f45-9708-019B960494DF}">
-                  <a14:hiddenLine xmlns="" xmlns:a14="http://schemas.microsoft.com/office/drawing/2010/main" w="9525">
+                  <a14:hiddenLine xmlns:a14="http://schemas.microsoft.com/office/drawing/2010/main" xmlns="" w="9525">
                     <a:solidFill>
                       <a:srgbClr val="000000"/>
                     </a:solidFill>
@@ -10644,7 +10644,7 @@
               </a:ln>
               <a:extLst>
                 <a:ext uri="{91240B29-F687-4f45-9708-019B960494DF}">
-                  <a14:hiddenLine xmlns="" xmlns:a14="http://schemas.microsoft.com/office/drawing/2010/main" w="9525">
+                  <a14:hiddenLine xmlns:a14="http://schemas.microsoft.com/office/drawing/2010/main" xmlns="" w="9525">
                     <a:solidFill>
                       <a:srgbClr val="000000"/>
                     </a:solidFill>
@@ -10678,7 +10678,7 @@
               </a:ln>
               <a:extLst>
                 <a:ext uri="{91240B29-F687-4f45-9708-019B960494DF}">
-                  <a14:hiddenLine xmlns="" xmlns:a14="http://schemas.microsoft.com/office/drawing/2010/main" w="9525">
+                  <a14:hiddenLine xmlns:a14="http://schemas.microsoft.com/office/drawing/2010/main" xmlns="" w="9525">
                     <a:solidFill>
                       <a:srgbClr val="000000"/>
                     </a:solidFill>
@@ -10743,7 +10743,7 @@
               </a:ln>
               <a:extLst>
                 <a:ext uri="{91240B29-F687-4f45-9708-019B960494DF}">
-                  <a14:hiddenLine xmlns="" xmlns:a14="http://schemas.microsoft.com/office/drawing/2010/main" w="9525">
+                  <a14:hiddenLine xmlns:a14="http://schemas.microsoft.com/office/drawing/2010/main" xmlns="" w="9525">
                     <a:solidFill>
                       <a:srgbClr val="000000"/>
                     </a:solidFill>
@@ -10833,7 +10833,7 @@
               </a:ln>
               <a:extLst>
                 <a:ext uri="{91240B29-F687-4f45-9708-019B960494DF}">
-                  <a14:hiddenLine xmlns="" xmlns:a14="http://schemas.microsoft.com/office/drawing/2010/main" w="9525">
+                  <a14:hiddenLine xmlns:a14="http://schemas.microsoft.com/office/drawing/2010/main" xmlns="" w="9525">
                     <a:solidFill>
                       <a:srgbClr val="000000"/>
                     </a:solidFill>
@@ -10895,7 +10895,7 @@
               </a:ln>
               <a:extLst>
                 <a:ext uri="{91240B29-F687-4f45-9708-019B960494DF}">
-                  <a14:hiddenLine xmlns="" xmlns:a14="http://schemas.microsoft.com/office/drawing/2010/main" w="9525">
+                  <a14:hiddenLine xmlns:a14="http://schemas.microsoft.com/office/drawing/2010/main" xmlns="" w="9525">
                     <a:solidFill>
                       <a:srgbClr val="000000"/>
                     </a:solidFill>
@@ -10985,7 +10985,7 @@
               </a:ln>
               <a:extLst>
                 <a:ext uri="{91240B29-F687-4f45-9708-019B960494DF}">
-                  <a14:hiddenLine xmlns="" xmlns:a14="http://schemas.microsoft.com/office/drawing/2010/main" w="9525">
+                  <a14:hiddenLine xmlns:a14="http://schemas.microsoft.com/office/drawing/2010/main" xmlns="" w="9525">
                     <a:solidFill>
                       <a:srgbClr val="000000"/>
                     </a:solidFill>
@@ -11050,7 +11050,7 @@
               </a:ln>
               <a:extLst>
                 <a:ext uri="{91240B29-F687-4f45-9708-019B960494DF}">
-                  <a14:hiddenLine xmlns="" xmlns:a14="http://schemas.microsoft.com/office/drawing/2010/main" w="9525">
+                  <a14:hiddenLine xmlns:a14="http://schemas.microsoft.com/office/drawing/2010/main" xmlns="" w="9525">
                     <a:solidFill>
                       <a:srgbClr val="000000"/>
                     </a:solidFill>
@@ -11112,7 +11112,7 @@
               </a:ln>
               <a:extLst>
                 <a:ext uri="{91240B29-F687-4f45-9708-019B960494DF}">
-                  <a14:hiddenLine xmlns="" xmlns:a14="http://schemas.microsoft.com/office/drawing/2010/main" w="9525">
+                  <a14:hiddenLine xmlns:a14="http://schemas.microsoft.com/office/drawing/2010/main" xmlns="" w="9525">
                     <a:solidFill>
                       <a:srgbClr val="000000"/>
                     </a:solidFill>
@@ -11202,7 +11202,7 @@
               </a:ln>
               <a:extLst>
                 <a:ext uri="{91240B29-F687-4f45-9708-019B960494DF}">
-                  <a14:hiddenLine xmlns="" xmlns:a14="http://schemas.microsoft.com/office/drawing/2010/main" w="9525">
+                  <a14:hiddenLine xmlns:a14="http://schemas.microsoft.com/office/drawing/2010/main" xmlns="" w="9525">
                     <a:solidFill>
                       <a:srgbClr val="000000"/>
                     </a:solidFill>
@@ -11292,7 +11292,7 @@
               </a:ln>
               <a:extLst>
                 <a:ext uri="{91240B29-F687-4f45-9708-019B960494DF}">
-                  <a14:hiddenLine xmlns="" xmlns:a14="http://schemas.microsoft.com/office/drawing/2010/main" w="9525">
+                  <a14:hiddenLine xmlns:a14="http://schemas.microsoft.com/office/drawing/2010/main" xmlns="" w="9525">
                     <a:solidFill>
                       <a:srgbClr val="000000"/>
                     </a:solidFill>
@@ -11357,7 +11357,7 @@
               </a:ln>
               <a:extLst>
                 <a:ext uri="{91240B29-F687-4f45-9708-019B960494DF}">
-                  <a14:hiddenLine xmlns="" xmlns:a14="http://schemas.microsoft.com/office/drawing/2010/main" w="9525">
+                  <a14:hiddenLine xmlns:a14="http://schemas.microsoft.com/office/drawing/2010/main" xmlns="" w="9525">
                     <a:solidFill>
                       <a:srgbClr val="000000"/>
                     </a:solidFill>
@@ -11477,7 +11477,7 @@
               </a:ln>
               <a:extLst>
                 <a:ext uri="{91240B29-F687-4f45-9708-019B960494DF}">
-                  <a14:hiddenLine xmlns="" xmlns:a14="http://schemas.microsoft.com/office/drawing/2010/main" w="9525">
+                  <a14:hiddenLine xmlns:a14="http://schemas.microsoft.com/office/drawing/2010/main" xmlns="" w="9525">
                     <a:solidFill>
                       <a:srgbClr val="000000"/>
                     </a:solidFill>
@@ -11575,7 +11575,7 @@
               </a:ln>
               <a:extLst>
                 <a:ext uri="{91240B29-F687-4f45-9708-019B960494DF}">
-                  <a14:hiddenLine xmlns="" xmlns:a14="http://schemas.microsoft.com/office/drawing/2010/main" w="9525">
+                  <a14:hiddenLine xmlns:a14="http://schemas.microsoft.com/office/drawing/2010/main" xmlns="" w="9525">
                     <a:solidFill>
                       <a:srgbClr val="000000"/>
                     </a:solidFill>
@@ -11690,7 +11690,7 @@
               </a:ln>
               <a:extLst>
                 <a:ext uri="{91240B29-F687-4f45-9708-019B960494DF}">
-                  <a14:hiddenLine xmlns="" xmlns:a14="http://schemas.microsoft.com/office/drawing/2010/main" w="9525">
+                  <a14:hiddenLine xmlns:a14="http://schemas.microsoft.com/office/drawing/2010/main" xmlns="" w="9525">
                     <a:solidFill>
                       <a:srgbClr val="000000"/>
                     </a:solidFill>
@@ -11780,7 +11780,7 @@
               </a:ln>
               <a:extLst>
                 <a:ext uri="{91240B29-F687-4f45-9708-019B960494DF}">
-                  <a14:hiddenLine xmlns="" xmlns:a14="http://schemas.microsoft.com/office/drawing/2010/main" w="9525">
+                  <a14:hiddenLine xmlns:a14="http://schemas.microsoft.com/office/drawing/2010/main" xmlns="" w="9525">
                     <a:solidFill>
                       <a:srgbClr val="000000"/>
                     </a:solidFill>
@@ -11845,7 +11845,7 @@
               </a:ln>
               <a:extLst>
                 <a:ext uri="{91240B29-F687-4f45-9708-019B960494DF}">
-                  <a14:hiddenLine xmlns="" xmlns:a14="http://schemas.microsoft.com/office/drawing/2010/main" w="9525">
+                  <a14:hiddenLine xmlns:a14="http://schemas.microsoft.com/office/drawing/2010/main" xmlns="" w="9525">
                     <a:solidFill>
                       <a:srgbClr val="000000"/>
                     </a:solidFill>
@@ -11935,7 +11935,7 @@
               </a:ln>
               <a:extLst>
                 <a:ext uri="{91240B29-F687-4f45-9708-019B960494DF}">
-                  <a14:hiddenLine xmlns="" xmlns:a14="http://schemas.microsoft.com/office/drawing/2010/main" w="9525">
+                  <a14:hiddenLine xmlns:a14="http://schemas.microsoft.com/office/drawing/2010/main" xmlns="" w="9525">
                     <a:solidFill>
                       <a:srgbClr val="000000"/>
                     </a:solidFill>
@@ -12003,7 +12003,7 @@
               </a:ln>
               <a:extLst>
                 <a:ext uri="{91240B29-F687-4f45-9708-019B960494DF}">
-                  <a14:hiddenLine xmlns="" xmlns:a14="http://schemas.microsoft.com/office/drawing/2010/main" w="9525">
+                  <a14:hiddenLine xmlns:a14="http://schemas.microsoft.com/office/drawing/2010/main" xmlns="" w="9525">
                     <a:solidFill>
                       <a:srgbClr val="000000"/>
                     </a:solidFill>
@@ -12093,7 +12093,7 @@
               </a:ln>
               <a:extLst>
                 <a:ext uri="{91240B29-F687-4f45-9708-019B960494DF}">
-                  <a14:hiddenLine xmlns="" xmlns:a14="http://schemas.microsoft.com/office/drawing/2010/main" w="9525">
+                  <a14:hiddenLine xmlns:a14="http://schemas.microsoft.com/office/drawing/2010/main" xmlns="" w="9525">
                     <a:solidFill>
                       <a:srgbClr val="000000"/>
                     </a:solidFill>
@@ -12161,7 +12161,7 @@
               </a:ln>
               <a:extLst>
                 <a:ext uri="{91240B29-F687-4f45-9708-019B960494DF}">
-                  <a14:hiddenLine xmlns="" xmlns:a14="http://schemas.microsoft.com/office/drawing/2010/main" w="9525">
+                  <a14:hiddenLine xmlns:a14="http://schemas.microsoft.com/office/drawing/2010/main" xmlns="" w="9525">
                     <a:solidFill>
                       <a:srgbClr val="000000"/>
                     </a:solidFill>
@@ -12251,7 +12251,7 @@
               </a:ln>
               <a:extLst>
                 <a:ext uri="{91240B29-F687-4f45-9708-019B960494DF}">
-                  <a14:hiddenLine xmlns="" xmlns:a14="http://schemas.microsoft.com/office/drawing/2010/main" w="9525">
+                  <a14:hiddenLine xmlns:a14="http://schemas.microsoft.com/office/drawing/2010/main" xmlns="" w="9525">
                     <a:solidFill>
                       <a:srgbClr val="000000"/>
                     </a:solidFill>
@@ -12285,7 +12285,7 @@
               </a:ln>
               <a:extLst>
                 <a:ext uri="{91240B29-F687-4f45-9708-019B960494DF}">
-                  <a14:hiddenLine xmlns="" xmlns:a14="http://schemas.microsoft.com/office/drawing/2010/main" w="9525">
+                  <a14:hiddenLine xmlns:a14="http://schemas.microsoft.com/office/drawing/2010/main" xmlns="" w="9525">
                     <a:solidFill>
                       <a:srgbClr val="000000"/>
                     </a:solidFill>
@@ -12426,7 +12426,7 @@
             <a:fld id="{48A87A34-81AB-432B-8DAE-1953F412C126}" type="datetimeFigureOut">
               <a:rPr lang="en-US" dirty="0"/>
               <a:pPr/>
-              <a:t>12/7/2021</a:t>
+              <a:t>12/9/2021</a:t>
             </a:fld>
             <a:endParaRPr lang="en-US" dirty="0"/>
           </a:p>
@@ -13398,7 +13398,7 @@
           <a:noFill/>
           <a:extLst>
             <a:ext uri="{909E8E84-426E-40dd-AFC4-6F175D3DCCD1}">
-              <a14:hiddenFill xmlns="" xmlns:a16="http://schemas.microsoft.com/office/drawing/2014/main" xmlns:p14="http://schemas.microsoft.com/office/powerpoint/2010/main" xmlns:a14="http://schemas.microsoft.com/office/drawing/2010/main">
+              <a14:hiddenFill xmlns:a14="http://schemas.microsoft.com/office/drawing/2010/main" xmlns:p14="http://schemas.microsoft.com/office/powerpoint/2010/main" xmlns:a16="http://schemas.microsoft.com/office/drawing/2014/main" xmlns="">
                 <a:solidFill>
                   <a:srgbClr val="FFFFFF"/>
                 </a:solidFill>
@@ -13576,7 +13576,7 @@
             </a:ln>
             <a:extLst>
               <a:ext uri="{91240B29-F687-4f45-9708-019B960494DF}">
-                <a14:hiddenLine xmlns="" xmlns:a16="http://schemas.microsoft.com/office/drawing/2014/main" xmlns:p14="http://schemas.microsoft.com/office/powerpoint/2010/main" xmlns:a14="http://schemas.microsoft.com/office/drawing/2010/main" w="9525">
+                <a14:hiddenLine xmlns:a14="http://schemas.microsoft.com/office/drawing/2010/main" xmlns:p14="http://schemas.microsoft.com/office/powerpoint/2010/main" xmlns:a16="http://schemas.microsoft.com/office/drawing/2014/main" xmlns="" w="9525">
                   <a:solidFill>
                     <a:srgbClr val="000000"/>
                   </a:solidFill>
@@ -13681,7 +13681,7 @@
             </a:ln>
             <a:extLst>
               <a:ext uri="{91240B29-F687-4f45-9708-019B960494DF}">
-                <a14:hiddenLine xmlns="" xmlns:a16="http://schemas.microsoft.com/office/drawing/2014/main" xmlns:p14="http://schemas.microsoft.com/office/powerpoint/2010/main" xmlns:a14="http://schemas.microsoft.com/office/drawing/2010/main" w="9525">
+                <a14:hiddenLine xmlns:a14="http://schemas.microsoft.com/office/drawing/2010/main" xmlns:p14="http://schemas.microsoft.com/office/powerpoint/2010/main" xmlns:a16="http://schemas.microsoft.com/office/drawing/2014/main" xmlns="" w="9525">
                   <a:solidFill>
                     <a:srgbClr val="000000"/>
                   </a:solidFill>
@@ -13786,7 +13786,7 @@
             </a:ln>
             <a:extLst>
               <a:ext uri="{91240B29-F687-4f45-9708-019B960494DF}">
-                <a14:hiddenLine xmlns="" xmlns:a16="http://schemas.microsoft.com/office/drawing/2014/main" xmlns:p14="http://schemas.microsoft.com/office/powerpoint/2010/main" xmlns:a14="http://schemas.microsoft.com/office/drawing/2010/main" w="9525">
+                <a14:hiddenLine xmlns:a14="http://schemas.microsoft.com/office/drawing/2010/main" xmlns:p14="http://schemas.microsoft.com/office/powerpoint/2010/main" xmlns:a16="http://schemas.microsoft.com/office/drawing/2014/main" xmlns="" w="9525">
                   <a:solidFill>
                     <a:srgbClr val="000000"/>
                   </a:solidFill>
@@ -13863,7 +13863,7 @@
             </a:ln>
             <a:extLst>
               <a:ext uri="{91240B29-F687-4f45-9708-019B960494DF}">
-                <a14:hiddenLine xmlns="" xmlns:a16="http://schemas.microsoft.com/office/drawing/2014/main" xmlns:p14="http://schemas.microsoft.com/office/powerpoint/2010/main" xmlns:a14="http://schemas.microsoft.com/office/drawing/2010/main" w="9525">
+                <a14:hiddenLine xmlns:a14="http://schemas.microsoft.com/office/drawing/2010/main" xmlns:p14="http://schemas.microsoft.com/office/powerpoint/2010/main" xmlns:a16="http://schemas.microsoft.com/office/drawing/2014/main" xmlns="" w="9525">
                   <a:solidFill>
                     <a:srgbClr val="000000"/>
                   </a:solidFill>
@@ -13968,7 +13968,7 @@
             </a:ln>
             <a:extLst>
               <a:ext uri="{91240B29-F687-4f45-9708-019B960494DF}">
-                <a14:hiddenLine xmlns="" xmlns:a16="http://schemas.microsoft.com/office/drawing/2014/main" xmlns:p14="http://schemas.microsoft.com/office/powerpoint/2010/main" xmlns:a14="http://schemas.microsoft.com/office/drawing/2010/main" w="9525">
+                <a14:hiddenLine xmlns:a14="http://schemas.microsoft.com/office/drawing/2010/main" xmlns:p14="http://schemas.microsoft.com/office/powerpoint/2010/main" xmlns:a16="http://schemas.microsoft.com/office/drawing/2014/main" xmlns="" w="9525">
                   <a:solidFill>
                     <a:srgbClr val="000000"/>
                   </a:solidFill>
@@ -14045,7 +14045,7 @@
             </a:ln>
             <a:extLst>
               <a:ext uri="{91240B29-F687-4f45-9708-019B960494DF}">
-                <a14:hiddenLine xmlns="" xmlns:a16="http://schemas.microsoft.com/office/drawing/2014/main" xmlns:p14="http://schemas.microsoft.com/office/powerpoint/2010/main" xmlns:a14="http://schemas.microsoft.com/office/drawing/2010/main" w="9525">
+                <a14:hiddenLine xmlns:a14="http://schemas.microsoft.com/office/drawing/2010/main" xmlns:p14="http://schemas.microsoft.com/office/powerpoint/2010/main" xmlns:a16="http://schemas.microsoft.com/office/drawing/2014/main" xmlns="" w="9525">
                   <a:solidFill>
                     <a:srgbClr val="000000"/>
                   </a:solidFill>
@@ -14122,7 +14122,7 @@
             </a:ln>
             <a:extLst>
               <a:ext uri="{91240B29-F687-4f45-9708-019B960494DF}">
-                <a14:hiddenLine xmlns="" xmlns:a16="http://schemas.microsoft.com/office/drawing/2014/main" xmlns:p14="http://schemas.microsoft.com/office/powerpoint/2010/main" xmlns:a14="http://schemas.microsoft.com/office/drawing/2010/main" w="9525">
+                <a14:hiddenLine xmlns:a14="http://schemas.microsoft.com/office/drawing/2010/main" xmlns:p14="http://schemas.microsoft.com/office/powerpoint/2010/main" xmlns:a16="http://schemas.microsoft.com/office/drawing/2014/main" xmlns="" w="9525">
                   <a:solidFill>
                     <a:srgbClr val="000000"/>
                   </a:solidFill>
@@ -14227,7 +14227,7 @@
             </a:ln>
             <a:extLst>
               <a:ext uri="{91240B29-F687-4f45-9708-019B960494DF}">
-                <a14:hiddenLine xmlns="" xmlns:a16="http://schemas.microsoft.com/office/drawing/2014/main" xmlns:p14="http://schemas.microsoft.com/office/powerpoint/2010/main" xmlns:a14="http://schemas.microsoft.com/office/drawing/2010/main" w="9525">
+                <a14:hiddenLine xmlns:a14="http://schemas.microsoft.com/office/drawing/2010/main" xmlns:p14="http://schemas.microsoft.com/office/powerpoint/2010/main" xmlns:a16="http://schemas.microsoft.com/office/drawing/2014/main" xmlns="" w="9525">
                   <a:solidFill>
                     <a:srgbClr val="000000"/>
                   </a:solidFill>
@@ -14332,7 +14332,7 @@
             </a:ln>
             <a:extLst>
               <a:ext uri="{91240B29-F687-4f45-9708-019B960494DF}">
-                <a14:hiddenLine xmlns="" xmlns:a16="http://schemas.microsoft.com/office/drawing/2014/main" xmlns:p14="http://schemas.microsoft.com/office/powerpoint/2010/main" xmlns:a14="http://schemas.microsoft.com/office/drawing/2010/main" w="9525">
+                <a14:hiddenLine xmlns:a14="http://schemas.microsoft.com/office/drawing/2010/main" xmlns:p14="http://schemas.microsoft.com/office/powerpoint/2010/main" xmlns:a16="http://schemas.microsoft.com/office/drawing/2014/main" xmlns="" w="9525">
                   <a:solidFill>
                     <a:srgbClr val="000000"/>
                   </a:solidFill>
@@ -14409,7 +14409,7 @@
             </a:ln>
             <a:extLst>
               <a:ext uri="{91240B29-F687-4f45-9708-019B960494DF}">
-                <a14:hiddenLine xmlns="" xmlns:a16="http://schemas.microsoft.com/office/drawing/2014/main" xmlns:p14="http://schemas.microsoft.com/office/powerpoint/2010/main" xmlns:a14="http://schemas.microsoft.com/office/drawing/2010/main" w="9525">
+                <a14:hiddenLine xmlns:a14="http://schemas.microsoft.com/office/drawing/2010/main" xmlns:p14="http://schemas.microsoft.com/office/powerpoint/2010/main" xmlns:a16="http://schemas.microsoft.com/office/drawing/2014/main" xmlns="" w="9525">
                   <a:solidFill>
                     <a:srgbClr val="000000"/>
                   </a:solidFill>
@@ -14534,7 +14534,7 @@
             </a:ln>
             <a:extLst>
               <a:ext uri="{91240B29-F687-4f45-9708-019B960494DF}">
-                <a14:hiddenLine xmlns="" xmlns:a16="http://schemas.microsoft.com/office/drawing/2014/main" xmlns:p14="http://schemas.microsoft.com/office/powerpoint/2010/main" xmlns:a14="http://schemas.microsoft.com/office/drawing/2010/main" w="9525">
+                <a14:hiddenLine xmlns:a14="http://schemas.microsoft.com/office/drawing/2010/main" xmlns:p14="http://schemas.microsoft.com/office/powerpoint/2010/main" xmlns:a16="http://schemas.microsoft.com/office/drawing/2014/main" xmlns="" w="9525">
                   <a:solidFill>
                     <a:srgbClr val="000000"/>
                   </a:solidFill>
@@ -14648,7 +14648,7 @@
             </a:ln>
             <a:extLst>
               <a:ext uri="{91240B29-F687-4f45-9708-019B960494DF}">
-                <a14:hiddenLine xmlns="" xmlns:a16="http://schemas.microsoft.com/office/drawing/2014/main" xmlns:p14="http://schemas.microsoft.com/office/powerpoint/2010/main" xmlns:a14="http://schemas.microsoft.com/office/drawing/2010/main" w="9525">
+                <a14:hiddenLine xmlns:a14="http://schemas.microsoft.com/office/drawing/2010/main" xmlns:p14="http://schemas.microsoft.com/office/powerpoint/2010/main" xmlns:a16="http://schemas.microsoft.com/office/drawing/2014/main" xmlns="" w="9525">
                   <a:solidFill>
                     <a:srgbClr val="000000"/>
                   </a:solidFill>
@@ -14725,7 +14725,7 @@
             </a:ln>
             <a:extLst>
               <a:ext uri="{91240B29-F687-4f45-9708-019B960494DF}">
-                <a14:hiddenLine xmlns="" xmlns:a16="http://schemas.microsoft.com/office/drawing/2014/main" xmlns:p14="http://schemas.microsoft.com/office/powerpoint/2010/main" xmlns:a14="http://schemas.microsoft.com/office/drawing/2010/main" w="9525">
+                <a14:hiddenLine xmlns:a14="http://schemas.microsoft.com/office/drawing/2010/main" xmlns:p14="http://schemas.microsoft.com/office/powerpoint/2010/main" xmlns:a16="http://schemas.microsoft.com/office/drawing/2014/main" xmlns="" w="9525">
                   <a:solidFill>
                     <a:srgbClr val="000000"/>
                   </a:solidFill>
@@ -14802,7 +14802,7 @@
             </a:ln>
             <a:extLst>
               <a:ext uri="{91240B29-F687-4f45-9708-019B960494DF}">
-                <a14:hiddenLine xmlns="" xmlns:a16="http://schemas.microsoft.com/office/drawing/2014/main" xmlns:p14="http://schemas.microsoft.com/office/powerpoint/2010/main" xmlns:a14="http://schemas.microsoft.com/office/drawing/2010/main" w="9525">
+                <a14:hiddenLine xmlns:a14="http://schemas.microsoft.com/office/drawing/2010/main" xmlns:p14="http://schemas.microsoft.com/office/powerpoint/2010/main" xmlns:a16="http://schemas.microsoft.com/office/drawing/2014/main" xmlns="" w="9525">
                   <a:solidFill>
                     <a:srgbClr val="000000"/>
                   </a:solidFill>
@@ -14907,7 +14907,7 @@
             </a:ln>
             <a:extLst>
               <a:ext uri="{91240B29-F687-4f45-9708-019B960494DF}">
-                <a14:hiddenLine xmlns="" xmlns:a16="http://schemas.microsoft.com/office/drawing/2014/main" xmlns:p14="http://schemas.microsoft.com/office/powerpoint/2010/main" xmlns:a14="http://schemas.microsoft.com/office/drawing/2010/main" w="9525">
+                <a14:hiddenLine xmlns:a14="http://schemas.microsoft.com/office/drawing/2010/main" xmlns:p14="http://schemas.microsoft.com/office/powerpoint/2010/main" xmlns:a16="http://schemas.microsoft.com/office/drawing/2014/main" xmlns="" w="9525">
                   <a:solidFill>
                     <a:srgbClr val="000000"/>
                   </a:solidFill>
@@ -14956,7 +14956,7 @@
             </a:ln>
             <a:extLst>
               <a:ext uri="{91240B29-F687-4f45-9708-019B960494DF}">
-                <a14:hiddenLine xmlns="" xmlns:a16="http://schemas.microsoft.com/office/drawing/2014/main" xmlns:p14="http://schemas.microsoft.com/office/powerpoint/2010/main" xmlns:a14="http://schemas.microsoft.com/office/drawing/2010/main" w="9525">
+                <a14:hiddenLine xmlns:a14="http://schemas.microsoft.com/office/drawing/2010/main" xmlns:p14="http://schemas.microsoft.com/office/powerpoint/2010/main" xmlns:a16="http://schemas.microsoft.com/office/drawing/2014/main" xmlns="" w="9525">
                   <a:solidFill>
                     <a:srgbClr val="000000"/>
                   </a:solidFill>
@@ -15036,7 +15036,7 @@
             </a:ln>
             <a:extLst>
               <a:ext uri="{91240B29-F687-4f45-9708-019B960494DF}">
-                <a14:hiddenLine xmlns="" xmlns:a16="http://schemas.microsoft.com/office/drawing/2014/main" xmlns:p14="http://schemas.microsoft.com/office/powerpoint/2010/main" xmlns:a14="http://schemas.microsoft.com/office/drawing/2010/main" w="9525">
+                <a14:hiddenLine xmlns:a14="http://schemas.microsoft.com/office/drawing/2010/main" xmlns:p14="http://schemas.microsoft.com/office/powerpoint/2010/main" xmlns:a16="http://schemas.microsoft.com/office/drawing/2014/main" xmlns="" w="9525">
                   <a:solidFill>
                     <a:srgbClr val="000000"/>
                   </a:solidFill>
@@ -15141,7 +15141,7 @@
             </a:ln>
             <a:extLst>
               <a:ext uri="{91240B29-F687-4f45-9708-019B960494DF}">
-                <a14:hiddenLine xmlns="" xmlns:a16="http://schemas.microsoft.com/office/drawing/2014/main" xmlns:p14="http://schemas.microsoft.com/office/powerpoint/2010/main" xmlns:a14="http://schemas.microsoft.com/office/drawing/2010/main" w="9525">
+                <a14:hiddenLine xmlns:a14="http://schemas.microsoft.com/office/drawing/2010/main" xmlns:p14="http://schemas.microsoft.com/office/powerpoint/2010/main" xmlns:a16="http://schemas.microsoft.com/office/drawing/2014/main" xmlns="" w="9525">
                   <a:solidFill>
                     <a:srgbClr val="000000"/>
                   </a:solidFill>
@@ -15218,7 +15218,7 @@
             </a:ln>
             <a:extLst>
               <a:ext uri="{91240B29-F687-4f45-9708-019B960494DF}">
-                <a14:hiddenLine xmlns="" xmlns:a16="http://schemas.microsoft.com/office/drawing/2014/main" xmlns:p14="http://schemas.microsoft.com/office/powerpoint/2010/main" xmlns:a14="http://schemas.microsoft.com/office/drawing/2010/main" w="9525">
+                <a14:hiddenLine xmlns:a14="http://schemas.microsoft.com/office/drawing/2010/main" xmlns:p14="http://schemas.microsoft.com/office/powerpoint/2010/main" xmlns:a16="http://schemas.microsoft.com/office/drawing/2014/main" xmlns="" w="9525">
                   <a:solidFill>
                     <a:srgbClr val="000000"/>
                   </a:solidFill>
@@ -15323,7 +15323,7 @@
             </a:ln>
             <a:extLst>
               <a:ext uri="{91240B29-F687-4f45-9708-019B960494DF}">
-                <a14:hiddenLine xmlns="" xmlns:a16="http://schemas.microsoft.com/office/drawing/2014/main" xmlns:p14="http://schemas.microsoft.com/office/powerpoint/2010/main" xmlns:a14="http://schemas.microsoft.com/office/drawing/2010/main" w="9525">
+                <a14:hiddenLine xmlns:a14="http://schemas.microsoft.com/office/drawing/2010/main" xmlns:p14="http://schemas.microsoft.com/office/powerpoint/2010/main" xmlns:a16="http://schemas.microsoft.com/office/drawing/2014/main" xmlns="" w="9525">
                   <a:solidFill>
                     <a:srgbClr val="000000"/>
                   </a:solidFill>
@@ -15403,7 +15403,7 @@
             </a:ln>
             <a:extLst>
               <a:ext uri="{91240B29-F687-4f45-9708-019B960494DF}">
-                <a14:hiddenLine xmlns="" xmlns:a16="http://schemas.microsoft.com/office/drawing/2014/main" xmlns:p14="http://schemas.microsoft.com/office/powerpoint/2010/main" xmlns:a14="http://schemas.microsoft.com/office/drawing/2010/main" w="9525">
+                <a14:hiddenLine xmlns:a14="http://schemas.microsoft.com/office/drawing/2010/main" xmlns:p14="http://schemas.microsoft.com/office/powerpoint/2010/main" xmlns:a16="http://schemas.microsoft.com/office/drawing/2014/main" xmlns="" w="9525">
                   <a:solidFill>
                     <a:srgbClr val="000000"/>
                   </a:solidFill>
@@ -15480,7 +15480,7 @@
             </a:ln>
             <a:extLst>
               <a:ext uri="{91240B29-F687-4f45-9708-019B960494DF}">
-                <a14:hiddenLine xmlns="" xmlns:a16="http://schemas.microsoft.com/office/drawing/2014/main" xmlns:p14="http://schemas.microsoft.com/office/powerpoint/2010/main" xmlns:a14="http://schemas.microsoft.com/office/drawing/2010/main" w="9525">
+                <a14:hiddenLine xmlns:a14="http://schemas.microsoft.com/office/drawing/2010/main" xmlns:p14="http://schemas.microsoft.com/office/powerpoint/2010/main" xmlns:a16="http://schemas.microsoft.com/office/drawing/2014/main" xmlns="" w="9525">
                   <a:solidFill>
                     <a:srgbClr val="000000"/>
                   </a:solidFill>
@@ -15585,7 +15585,7 @@
             </a:ln>
             <a:extLst>
               <a:ext uri="{91240B29-F687-4f45-9708-019B960494DF}">
-                <a14:hiddenLine xmlns="" xmlns:a16="http://schemas.microsoft.com/office/drawing/2014/main" xmlns:p14="http://schemas.microsoft.com/office/powerpoint/2010/main" xmlns:a14="http://schemas.microsoft.com/office/drawing/2010/main" w="9525">
+                <a14:hiddenLine xmlns:a14="http://schemas.microsoft.com/office/drawing/2010/main" xmlns:p14="http://schemas.microsoft.com/office/powerpoint/2010/main" xmlns:a16="http://schemas.microsoft.com/office/drawing/2014/main" xmlns="" w="9525">
                   <a:solidFill>
                     <a:srgbClr val="000000"/>
                   </a:solidFill>
@@ -15690,7 +15690,7 @@
             </a:ln>
             <a:extLst>
               <a:ext uri="{91240B29-F687-4f45-9708-019B960494DF}">
-                <a14:hiddenLine xmlns="" xmlns:a16="http://schemas.microsoft.com/office/drawing/2014/main" xmlns:p14="http://schemas.microsoft.com/office/powerpoint/2010/main" xmlns:a14="http://schemas.microsoft.com/office/drawing/2010/main" w="9525">
+                <a14:hiddenLine xmlns:a14="http://schemas.microsoft.com/office/drawing/2010/main" xmlns:p14="http://schemas.microsoft.com/office/powerpoint/2010/main" xmlns:a16="http://schemas.microsoft.com/office/drawing/2014/main" xmlns="" w="9525">
                   <a:solidFill>
                     <a:srgbClr val="000000"/>
                   </a:solidFill>
@@ -15770,7 +15770,7 @@
             </a:ln>
             <a:extLst>
               <a:ext uri="{91240B29-F687-4f45-9708-019B960494DF}">
-                <a14:hiddenLine xmlns="" xmlns:a16="http://schemas.microsoft.com/office/drawing/2014/main" xmlns:p14="http://schemas.microsoft.com/office/powerpoint/2010/main" xmlns:a14="http://schemas.microsoft.com/office/drawing/2010/main" w="9525">
+                <a14:hiddenLine xmlns:a14="http://schemas.microsoft.com/office/drawing/2010/main" xmlns:p14="http://schemas.microsoft.com/office/powerpoint/2010/main" xmlns:a16="http://schemas.microsoft.com/office/drawing/2014/main" xmlns="" w="9525">
                   <a:solidFill>
                     <a:srgbClr val="000000"/>
                   </a:solidFill>
@@ -15905,7 +15905,7 @@
             </a:ln>
             <a:extLst>
               <a:ext uri="{91240B29-F687-4f45-9708-019B960494DF}">
-                <a14:hiddenLine xmlns="" xmlns:a16="http://schemas.microsoft.com/office/drawing/2014/main" xmlns:p14="http://schemas.microsoft.com/office/powerpoint/2010/main" xmlns:a14="http://schemas.microsoft.com/office/drawing/2010/main" w="9525">
+                <a14:hiddenLine xmlns:a14="http://schemas.microsoft.com/office/drawing/2010/main" xmlns:p14="http://schemas.microsoft.com/office/powerpoint/2010/main" xmlns:a16="http://schemas.microsoft.com/office/drawing/2014/main" xmlns="" w="9525">
                   <a:solidFill>
                     <a:srgbClr val="000000"/>
                   </a:solidFill>
@@ -16328,7 +16328,7 @@
           <a:noFill/>
           <a:extLst>
             <a:ext uri="{909E8E84-426E-40dd-AFC4-6F175D3DCCD1}">
-              <a14:hiddenFill xmlns="" xmlns:a16="http://schemas.microsoft.com/office/drawing/2014/main" xmlns:p14="http://schemas.microsoft.com/office/powerpoint/2010/main" xmlns:a14="http://schemas.microsoft.com/office/drawing/2010/main">
+              <a14:hiddenFill xmlns:a14="http://schemas.microsoft.com/office/drawing/2010/main" xmlns:p14="http://schemas.microsoft.com/office/powerpoint/2010/main" xmlns:a16="http://schemas.microsoft.com/office/drawing/2014/main" xmlns="">
                 <a:solidFill>
                   <a:srgbClr val="FFFFFF"/>
                 </a:solidFill>
@@ -16506,7 +16506,7 @@
             </a:ln>
             <a:extLst>
               <a:ext uri="{91240B29-F687-4f45-9708-019B960494DF}">
-                <a14:hiddenLine xmlns="" xmlns:a16="http://schemas.microsoft.com/office/drawing/2014/main" xmlns:p14="http://schemas.microsoft.com/office/powerpoint/2010/main" xmlns:a14="http://schemas.microsoft.com/office/drawing/2010/main" w="9525">
+                <a14:hiddenLine xmlns:a14="http://schemas.microsoft.com/office/drawing/2010/main" xmlns:p14="http://schemas.microsoft.com/office/powerpoint/2010/main" xmlns:a16="http://schemas.microsoft.com/office/drawing/2014/main" xmlns="" w="9525">
                   <a:solidFill>
                     <a:srgbClr val="000000"/>
                   </a:solidFill>
@@ -16611,7 +16611,7 @@
             </a:ln>
             <a:extLst>
               <a:ext uri="{91240B29-F687-4f45-9708-019B960494DF}">
-                <a14:hiddenLine xmlns="" xmlns:a16="http://schemas.microsoft.com/office/drawing/2014/main" xmlns:p14="http://schemas.microsoft.com/office/powerpoint/2010/main" xmlns:a14="http://schemas.microsoft.com/office/drawing/2010/main" w="9525">
+                <a14:hiddenLine xmlns:a14="http://schemas.microsoft.com/office/drawing/2010/main" xmlns:p14="http://schemas.microsoft.com/office/powerpoint/2010/main" xmlns:a16="http://schemas.microsoft.com/office/drawing/2014/main" xmlns="" w="9525">
                   <a:solidFill>
                     <a:srgbClr val="000000"/>
                   </a:solidFill>
@@ -16716,7 +16716,7 @@
             </a:ln>
             <a:extLst>
               <a:ext uri="{91240B29-F687-4f45-9708-019B960494DF}">
-                <a14:hiddenLine xmlns="" xmlns:a16="http://schemas.microsoft.com/office/drawing/2014/main" xmlns:p14="http://schemas.microsoft.com/office/powerpoint/2010/main" xmlns:a14="http://schemas.microsoft.com/office/drawing/2010/main" w="9525">
+                <a14:hiddenLine xmlns:a14="http://schemas.microsoft.com/office/drawing/2010/main" xmlns:p14="http://schemas.microsoft.com/office/powerpoint/2010/main" xmlns:a16="http://schemas.microsoft.com/office/drawing/2014/main" xmlns="" w="9525">
                   <a:solidFill>
                     <a:srgbClr val="000000"/>
                   </a:solidFill>
@@ -16793,7 +16793,7 @@
             </a:ln>
             <a:extLst>
               <a:ext uri="{91240B29-F687-4f45-9708-019B960494DF}">
-                <a14:hiddenLine xmlns="" xmlns:a16="http://schemas.microsoft.com/office/drawing/2014/main" xmlns:p14="http://schemas.microsoft.com/office/powerpoint/2010/main" xmlns:a14="http://schemas.microsoft.com/office/drawing/2010/main" w="9525">
+                <a14:hiddenLine xmlns:a14="http://schemas.microsoft.com/office/drawing/2010/main" xmlns:p14="http://schemas.microsoft.com/office/powerpoint/2010/main" xmlns:a16="http://schemas.microsoft.com/office/drawing/2014/main" xmlns="" w="9525">
                   <a:solidFill>
                     <a:srgbClr val="000000"/>
                   </a:solidFill>
@@ -16898,7 +16898,7 @@
             </a:ln>
             <a:extLst>
               <a:ext uri="{91240B29-F687-4f45-9708-019B960494DF}">
-                <a14:hiddenLine xmlns="" xmlns:a16="http://schemas.microsoft.com/office/drawing/2014/main" xmlns:p14="http://schemas.microsoft.com/office/powerpoint/2010/main" xmlns:a14="http://schemas.microsoft.com/office/drawing/2010/main" w="9525">
+                <a14:hiddenLine xmlns:a14="http://schemas.microsoft.com/office/drawing/2010/main" xmlns:p14="http://schemas.microsoft.com/office/powerpoint/2010/main" xmlns:a16="http://schemas.microsoft.com/office/drawing/2014/main" xmlns="" w="9525">
                   <a:solidFill>
                     <a:srgbClr val="000000"/>
                   </a:solidFill>
@@ -16975,7 +16975,7 @@
             </a:ln>
             <a:extLst>
               <a:ext uri="{91240B29-F687-4f45-9708-019B960494DF}">
-                <a14:hiddenLine xmlns="" xmlns:a16="http://schemas.microsoft.com/office/drawing/2014/main" xmlns:p14="http://schemas.microsoft.com/office/powerpoint/2010/main" xmlns:a14="http://schemas.microsoft.com/office/drawing/2010/main" w="9525">
+                <a14:hiddenLine xmlns:a14="http://schemas.microsoft.com/office/drawing/2010/main" xmlns:p14="http://schemas.microsoft.com/office/powerpoint/2010/main" xmlns:a16="http://schemas.microsoft.com/office/drawing/2014/main" xmlns="" w="9525">
                   <a:solidFill>
                     <a:srgbClr val="000000"/>
                   </a:solidFill>
@@ -17052,7 +17052,7 @@
             </a:ln>
             <a:extLst>
               <a:ext uri="{91240B29-F687-4f45-9708-019B960494DF}">
-                <a14:hiddenLine xmlns="" xmlns:a16="http://schemas.microsoft.com/office/drawing/2014/main" xmlns:p14="http://schemas.microsoft.com/office/powerpoint/2010/main" xmlns:a14="http://schemas.microsoft.com/office/drawing/2010/main" w="9525">
+                <a14:hiddenLine xmlns:a14="http://schemas.microsoft.com/office/drawing/2010/main" xmlns:p14="http://schemas.microsoft.com/office/powerpoint/2010/main" xmlns:a16="http://schemas.microsoft.com/office/drawing/2014/main" xmlns="" w="9525">
                   <a:solidFill>
                     <a:srgbClr val="000000"/>
                   </a:solidFill>
@@ -17157,7 +17157,7 @@
             </a:ln>
             <a:extLst>
               <a:ext uri="{91240B29-F687-4f45-9708-019B960494DF}">
-                <a14:hiddenLine xmlns="" xmlns:a16="http://schemas.microsoft.com/office/drawing/2014/main" xmlns:p14="http://schemas.microsoft.com/office/powerpoint/2010/main" xmlns:a14="http://schemas.microsoft.com/office/drawing/2010/main" w="9525">
+                <a14:hiddenLine xmlns:a14="http://schemas.microsoft.com/office/drawing/2010/main" xmlns:p14="http://schemas.microsoft.com/office/powerpoint/2010/main" xmlns:a16="http://schemas.microsoft.com/office/drawing/2014/main" xmlns="" w="9525">
                   <a:solidFill>
                     <a:srgbClr val="000000"/>
                   </a:solidFill>
@@ -17262,7 +17262,7 @@
             </a:ln>
             <a:extLst>
               <a:ext uri="{91240B29-F687-4f45-9708-019B960494DF}">
-                <a14:hiddenLine xmlns="" xmlns:a16="http://schemas.microsoft.com/office/drawing/2014/main" xmlns:p14="http://schemas.microsoft.com/office/powerpoint/2010/main" xmlns:a14="http://schemas.microsoft.com/office/drawing/2010/main" w="9525">
+                <a14:hiddenLine xmlns:a14="http://schemas.microsoft.com/office/drawing/2010/main" xmlns:p14="http://schemas.microsoft.com/office/powerpoint/2010/main" xmlns:a16="http://schemas.microsoft.com/office/drawing/2014/main" xmlns="" w="9525">
                   <a:solidFill>
                     <a:srgbClr val="000000"/>
                   </a:solidFill>
@@ -17339,7 +17339,7 @@
             </a:ln>
             <a:extLst>
               <a:ext uri="{91240B29-F687-4f45-9708-019B960494DF}">
-                <a14:hiddenLine xmlns="" xmlns:a16="http://schemas.microsoft.com/office/drawing/2014/main" xmlns:p14="http://schemas.microsoft.com/office/powerpoint/2010/main" xmlns:a14="http://schemas.microsoft.com/office/drawing/2010/main" w="9525">
+                <a14:hiddenLine xmlns:a14="http://schemas.microsoft.com/office/drawing/2010/main" xmlns:p14="http://schemas.microsoft.com/office/powerpoint/2010/main" xmlns:a16="http://schemas.microsoft.com/office/drawing/2014/main" xmlns="" w="9525">
                   <a:solidFill>
                     <a:srgbClr val="000000"/>
                   </a:solidFill>
@@ -17464,7 +17464,7 @@
             </a:ln>
             <a:extLst>
               <a:ext uri="{91240B29-F687-4f45-9708-019B960494DF}">
-                <a14:hiddenLine xmlns="" xmlns:a16="http://schemas.microsoft.com/office/drawing/2014/main" xmlns:p14="http://schemas.microsoft.com/office/powerpoint/2010/main" xmlns:a14="http://schemas.microsoft.com/office/drawing/2010/main" w="9525">
+                <a14:hiddenLine xmlns:a14="http://schemas.microsoft.com/office/drawing/2010/main" xmlns:p14="http://schemas.microsoft.com/office/powerpoint/2010/main" xmlns:a16="http://schemas.microsoft.com/office/drawing/2014/main" xmlns="" w="9525">
                   <a:solidFill>
                     <a:srgbClr val="000000"/>
                   </a:solidFill>
@@ -17578,7 +17578,7 @@
             </a:ln>
             <a:extLst>
               <a:ext uri="{91240B29-F687-4f45-9708-019B960494DF}">
-                <a14:hiddenLine xmlns="" xmlns:a16="http://schemas.microsoft.com/office/drawing/2014/main" xmlns:p14="http://schemas.microsoft.com/office/powerpoint/2010/main" xmlns:a14="http://schemas.microsoft.com/office/drawing/2010/main" w="9525">
+                <a14:hiddenLine xmlns:a14="http://schemas.microsoft.com/office/drawing/2010/main" xmlns:p14="http://schemas.microsoft.com/office/powerpoint/2010/main" xmlns:a16="http://schemas.microsoft.com/office/drawing/2014/main" xmlns="" w="9525">
                   <a:solidFill>
                     <a:srgbClr val="000000"/>
                   </a:solidFill>
@@ -17655,7 +17655,7 @@
             </a:ln>
             <a:extLst>
               <a:ext uri="{91240B29-F687-4f45-9708-019B960494DF}">
-                <a14:hiddenLine xmlns="" xmlns:a16="http://schemas.microsoft.com/office/drawing/2014/main" xmlns:p14="http://schemas.microsoft.com/office/powerpoint/2010/main" xmlns:a14="http://schemas.microsoft.com/office/drawing/2010/main" w="9525">
+                <a14:hiddenLine xmlns:a14="http://schemas.microsoft.com/office/drawing/2010/main" xmlns:p14="http://schemas.microsoft.com/office/powerpoint/2010/main" xmlns:a16="http://schemas.microsoft.com/office/drawing/2014/main" xmlns="" w="9525">
                   <a:solidFill>
                     <a:srgbClr val="000000"/>
                   </a:solidFill>
@@ -17732,7 +17732,7 @@
             </a:ln>
             <a:extLst>
               <a:ext uri="{91240B29-F687-4f45-9708-019B960494DF}">
-                <a14:hiddenLine xmlns="" xmlns:a16="http://schemas.microsoft.com/office/drawing/2014/main" xmlns:p14="http://schemas.microsoft.com/office/powerpoint/2010/main" xmlns:a14="http://schemas.microsoft.com/office/drawing/2010/main" w="9525">
+                <a14:hiddenLine xmlns:a14="http://schemas.microsoft.com/office/drawing/2010/main" xmlns:p14="http://schemas.microsoft.com/office/powerpoint/2010/main" xmlns:a16="http://schemas.microsoft.com/office/drawing/2014/main" xmlns="" w="9525">
                   <a:solidFill>
                     <a:srgbClr val="000000"/>
                   </a:solidFill>
@@ -17837,7 +17837,7 @@
             </a:ln>
             <a:extLst>
               <a:ext uri="{91240B29-F687-4f45-9708-019B960494DF}">
-                <a14:hiddenLine xmlns="" xmlns:a16="http://schemas.microsoft.com/office/drawing/2014/main" xmlns:p14="http://schemas.microsoft.com/office/powerpoint/2010/main" xmlns:a14="http://schemas.microsoft.com/office/drawing/2010/main" w="9525">
+                <a14:hiddenLine xmlns:a14="http://schemas.microsoft.com/office/drawing/2010/main" xmlns:p14="http://schemas.microsoft.com/office/powerpoint/2010/main" xmlns:a16="http://schemas.microsoft.com/office/drawing/2014/main" xmlns="" w="9525">
                   <a:solidFill>
                     <a:srgbClr val="000000"/>
                   </a:solidFill>
@@ -17886,7 +17886,7 @@
             </a:ln>
             <a:extLst>
               <a:ext uri="{91240B29-F687-4f45-9708-019B960494DF}">
-                <a14:hiddenLine xmlns="" xmlns:a16="http://schemas.microsoft.com/office/drawing/2014/main" xmlns:p14="http://schemas.microsoft.com/office/powerpoint/2010/main" xmlns:a14="http://schemas.microsoft.com/office/drawing/2010/main" w="9525">
+                <a14:hiddenLine xmlns:a14="http://schemas.microsoft.com/office/drawing/2010/main" xmlns:p14="http://schemas.microsoft.com/office/powerpoint/2010/main" xmlns:a16="http://schemas.microsoft.com/office/drawing/2014/main" xmlns="" w="9525">
                   <a:solidFill>
                     <a:srgbClr val="000000"/>
                   </a:solidFill>
@@ -17966,7 +17966,7 @@
             </a:ln>
             <a:extLst>
               <a:ext uri="{91240B29-F687-4f45-9708-019B960494DF}">
-                <a14:hiddenLine xmlns="" xmlns:a16="http://schemas.microsoft.com/office/drawing/2014/main" xmlns:p14="http://schemas.microsoft.com/office/powerpoint/2010/main" xmlns:a14="http://schemas.microsoft.com/office/drawing/2010/main" w="9525">
+                <a14:hiddenLine xmlns:a14="http://schemas.microsoft.com/office/drawing/2010/main" xmlns:p14="http://schemas.microsoft.com/office/powerpoint/2010/main" xmlns:a16="http://schemas.microsoft.com/office/drawing/2014/main" xmlns="" w="9525">
                   <a:solidFill>
                     <a:srgbClr val="000000"/>
                   </a:solidFill>
@@ -18071,7 +18071,7 @@
             </a:ln>
             <a:extLst>
               <a:ext uri="{91240B29-F687-4f45-9708-019B960494DF}">
-                <a14:hiddenLine xmlns="" xmlns:a16="http://schemas.microsoft.com/office/drawing/2014/main" xmlns:p14="http://schemas.microsoft.com/office/powerpoint/2010/main" xmlns:a14="http://schemas.microsoft.com/office/drawing/2010/main" w="9525">
+                <a14:hiddenLine xmlns:a14="http://schemas.microsoft.com/office/drawing/2010/main" xmlns:p14="http://schemas.microsoft.com/office/powerpoint/2010/main" xmlns:a16="http://schemas.microsoft.com/office/drawing/2014/main" xmlns="" w="9525">
                   <a:solidFill>
                     <a:srgbClr val="000000"/>
                   </a:solidFill>
@@ -18148,7 +18148,7 @@
             </a:ln>
             <a:extLst>
               <a:ext uri="{91240B29-F687-4f45-9708-019B960494DF}">
-                <a14:hiddenLine xmlns="" xmlns:a16="http://schemas.microsoft.com/office/drawing/2014/main" xmlns:p14="http://schemas.microsoft.com/office/powerpoint/2010/main" xmlns:a14="http://schemas.microsoft.com/office/drawing/2010/main" w="9525">
+                <a14:hiddenLine xmlns:a14="http://schemas.microsoft.com/office/drawing/2010/main" xmlns:p14="http://schemas.microsoft.com/office/powerpoint/2010/main" xmlns:a16="http://schemas.microsoft.com/office/drawing/2014/main" xmlns="" w="9525">
                   <a:solidFill>
                     <a:srgbClr val="000000"/>
                   </a:solidFill>
@@ -18253,7 +18253,7 @@
             </a:ln>
             <a:extLst>
               <a:ext uri="{91240B29-F687-4f45-9708-019B960494DF}">
-                <a14:hiddenLine xmlns="" xmlns:a16="http://schemas.microsoft.com/office/drawing/2014/main" xmlns:p14="http://schemas.microsoft.com/office/powerpoint/2010/main" xmlns:a14="http://schemas.microsoft.com/office/drawing/2010/main" w="9525">
+                <a14:hiddenLine xmlns:a14="http://schemas.microsoft.com/office/drawing/2010/main" xmlns:p14="http://schemas.microsoft.com/office/powerpoint/2010/main" xmlns:a16="http://schemas.microsoft.com/office/drawing/2014/main" xmlns="" w="9525">
                   <a:solidFill>
                     <a:srgbClr val="000000"/>
                   </a:solidFill>
@@ -18333,7 +18333,7 @@
             </a:ln>
             <a:extLst>
               <a:ext uri="{91240B29-F687-4f45-9708-019B960494DF}">
-                <a14:hiddenLine xmlns="" xmlns:a16="http://schemas.microsoft.com/office/drawing/2014/main" xmlns:p14="http://schemas.microsoft.com/office/powerpoint/2010/main" xmlns:a14="http://schemas.microsoft.com/office/drawing/2010/main" w="9525">
+                <a14:hiddenLine xmlns:a14="http://schemas.microsoft.com/office/drawing/2010/main" xmlns:p14="http://schemas.microsoft.com/office/powerpoint/2010/main" xmlns:a16="http://schemas.microsoft.com/office/drawing/2014/main" xmlns="" w="9525">
                   <a:solidFill>
                     <a:srgbClr val="000000"/>
                   </a:solidFill>
@@ -18410,7 +18410,7 @@
             </a:ln>
             <a:extLst>
               <a:ext uri="{91240B29-F687-4f45-9708-019B960494DF}">
-                <a14:hiddenLine xmlns="" xmlns:a16="http://schemas.microsoft.com/office/drawing/2014/main" xmlns:p14="http://schemas.microsoft.com/office/powerpoint/2010/main" xmlns:a14="http://schemas.microsoft.com/office/drawing/2010/main" w="9525">
+                <a14:hiddenLine xmlns:a14="http://schemas.microsoft.com/office/drawing/2010/main" xmlns:p14="http://schemas.microsoft.com/office/powerpoint/2010/main" xmlns:a16="http://schemas.microsoft.com/office/drawing/2014/main" xmlns="" w="9525">
                   <a:solidFill>
                     <a:srgbClr val="000000"/>
                   </a:solidFill>
@@ -18515,7 +18515,7 @@
             </a:ln>
             <a:extLst>
               <a:ext uri="{91240B29-F687-4f45-9708-019B960494DF}">
-                <a14:hiddenLine xmlns="" xmlns:a16="http://schemas.microsoft.com/office/drawing/2014/main" xmlns:p14="http://schemas.microsoft.com/office/powerpoint/2010/main" xmlns:a14="http://schemas.microsoft.com/office/drawing/2010/main" w="9525">
+                <a14:hiddenLine xmlns:a14="http://schemas.microsoft.com/office/drawing/2010/main" xmlns:p14="http://schemas.microsoft.com/office/powerpoint/2010/main" xmlns:a16="http://schemas.microsoft.com/office/drawing/2014/main" xmlns="" w="9525">
                   <a:solidFill>
                     <a:srgbClr val="000000"/>
                   </a:solidFill>
@@ -18620,7 +18620,7 @@
             </a:ln>
             <a:extLst>
               <a:ext uri="{91240B29-F687-4f45-9708-019B960494DF}">
-                <a14:hiddenLine xmlns="" xmlns:a16="http://schemas.microsoft.com/office/drawing/2014/main" xmlns:p14="http://schemas.microsoft.com/office/powerpoint/2010/main" xmlns:a14="http://schemas.microsoft.com/office/drawing/2010/main" w="9525">
+                <a14:hiddenLine xmlns:a14="http://schemas.microsoft.com/office/drawing/2010/main" xmlns:p14="http://schemas.microsoft.com/office/powerpoint/2010/main" xmlns:a16="http://schemas.microsoft.com/office/drawing/2014/main" xmlns="" w="9525">
                   <a:solidFill>
                     <a:srgbClr val="000000"/>
                   </a:solidFill>
@@ -18700,7 +18700,7 @@
             </a:ln>
             <a:extLst>
               <a:ext uri="{91240B29-F687-4f45-9708-019B960494DF}">
-                <a14:hiddenLine xmlns="" xmlns:a16="http://schemas.microsoft.com/office/drawing/2014/main" xmlns:p14="http://schemas.microsoft.com/office/powerpoint/2010/main" xmlns:a14="http://schemas.microsoft.com/office/drawing/2010/main" w="9525">
+                <a14:hiddenLine xmlns:a14="http://schemas.microsoft.com/office/drawing/2010/main" xmlns:p14="http://schemas.microsoft.com/office/powerpoint/2010/main" xmlns:a16="http://schemas.microsoft.com/office/drawing/2014/main" xmlns="" w="9525">
                   <a:solidFill>
                     <a:srgbClr val="000000"/>
                   </a:solidFill>
@@ -18835,7 +18835,7 @@
             </a:ln>
             <a:extLst>
               <a:ext uri="{91240B29-F687-4f45-9708-019B960494DF}">
-                <a14:hiddenLine xmlns="" xmlns:a16="http://schemas.microsoft.com/office/drawing/2014/main" xmlns:p14="http://schemas.microsoft.com/office/powerpoint/2010/main" xmlns:a14="http://schemas.microsoft.com/office/drawing/2010/main" w="9525">
+                <a14:hiddenLine xmlns:a14="http://schemas.microsoft.com/office/drawing/2010/main" xmlns:p14="http://schemas.microsoft.com/office/powerpoint/2010/main" xmlns:a16="http://schemas.microsoft.com/office/drawing/2014/main" xmlns="" w="9525">
                   <a:solidFill>
                     <a:srgbClr val="000000"/>
                   </a:solidFill>
@@ -19710,7 +19710,7 @@
           </a:prstGeom>
           <a:extLst>
             <a:ext uri="{909E8E84-426E-40dd-AFC4-6F175D3DCCD1}">
-              <a14:hiddenFill xmlns="" xmlns:a16="http://schemas.microsoft.com/office/drawing/2014/main" xmlns:p14="http://schemas.microsoft.com/office/powerpoint/2010/main" xmlns:a14="http://schemas.microsoft.com/office/drawing/2010/main">
+              <a14:hiddenFill xmlns:a14="http://schemas.microsoft.com/office/drawing/2010/main" xmlns:p14="http://schemas.microsoft.com/office/powerpoint/2010/main" xmlns:a16="http://schemas.microsoft.com/office/drawing/2014/main" xmlns="">
                 <a:solidFill>
                   <a:srgbClr val="FFFFFF"/>
                 </a:solidFill>
@@ -19834,7 +19834,7 @@
           <a:noFill/>
           <a:extLst>
             <a:ext uri="{909E8E84-426E-40dd-AFC4-6F175D3DCCD1}">
-              <a14:hiddenFill xmlns="" xmlns:a16="http://schemas.microsoft.com/office/drawing/2014/main" xmlns:p14="http://schemas.microsoft.com/office/powerpoint/2010/main" xmlns:a14="http://schemas.microsoft.com/office/drawing/2010/main">
+              <a14:hiddenFill xmlns:a14="http://schemas.microsoft.com/office/drawing/2010/main" xmlns:p14="http://schemas.microsoft.com/office/powerpoint/2010/main" xmlns:a16="http://schemas.microsoft.com/office/drawing/2014/main" xmlns="">
                 <a:solidFill>
                   <a:srgbClr val="FFFFFF"/>
                 </a:solidFill>
@@ -20001,7 +20001,7 @@
             </a:ln>
             <a:extLst>
               <a:ext uri="{91240B29-F687-4f45-9708-019B960494DF}">
-                <a14:hiddenLine xmlns="" xmlns:a16="http://schemas.microsoft.com/office/drawing/2014/main" xmlns:p14="http://schemas.microsoft.com/office/powerpoint/2010/main" xmlns:a14="http://schemas.microsoft.com/office/drawing/2010/main" w="9525">
+                <a14:hiddenLine xmlns:a14="http://schemas.microsoft.com/office/drawing/2010/main" xmlns:p14="http://schemas.microsoft.com/office/powerpoint/2010/main" xmlns:a16="http://schemas.microsoft.com/office/drawing/2014/main" xmlns="" w="9525">
                   <a:solidFill>
                     <a:srgbClr val="000000"/>
                   </a:solidFill>
@@ -20106,7 +20106,7 @@
             </a:ln>
             <a:extLst>
               <a:ext uri="{91240B29-F687-4f45-9708-019B960494DF}">
-                <a14:hiddenLine xmlns="" xmlns:a16="http://schemas.microsoft.com/office/drawing/2014/main" xmlns:p14="http://schemas.microsoft.com/office/powerpoint/2010/main" xmlns:a14="http://schemas.microsoft.com/office/drawing/2010/main" w="9525">
+                <a14:hiddenLine xmlns:a14="http://schemas.microsoft.com/office/drawing/2010/main" xmlns:p14="http://schemas.microsoft.com/office/powerpoint/2010/main" xmlns:a16="http://schemas.microsoft.com/office/drawing/2014/main" xmlns="" w="9525">
                   <a:solidFill>
                     <a:srgbClr val="000000"/>
                   </a:solidFill>
@@ -20211,7 +20211,7 @@
             </a:ln>
             <a:extLst>
               <a:ext uri="{91240B29-F687-4f45-9708-019B960494DF}">
-                <a14:hiddenLine xmlns="" xmlns:a16="http://schemas.microsoft.com/office/drawing/2014/main" xmlns:p14="http://schemas.microsoft.com/office/powerpoint/2010/main" xmlns:a14="http://schemas.microsoft.com/office/drawing/2010/main" w="9525">
+                <a14:hiddenLine xmlns:a14="http://schemas.microsoft.com/office/drawing/2010/main" xmlns:p14="http://schemas.microsoft.com/office/powerpoint/2010/main" xmlns:a16="http://schemas.microsoft.com/office/drawing/2014/main" xmlns="" w="9525">
                   <a:solidFill>
                     <a:srgbClr val="000000"/>
                   </a:solidFill>
@@ -20288,7 +20288,7 @@
             </a:ln>
             <a:extLst>
               <a:ext uri="{91240B29-F687-4f45-9708-019B960494DF}">
-                <a14:hiddenLine xmlns="" xmlns:a16="http://schemas.microsoft.com/office/drawing/2014/main" xmlns:p14="http://schemas.microsoft.com/office/powerpoint/2010/main" xmlns:a14="http://schemas.microsoft.com/office/drawing/2010/main" w="9525">
+                <a14:hiddenLine xmlns:a14="http://schemas.microsoft.com/office/drawing/2010/main" xmlns:p14="http://schemas.microsoft.com/office/powerpoint/2010/main" xmlns:a16="http://schemas.microsoft.com/office/drawing/2014/main" xmlns="" w="9525">
                   <a:solidFill>
                     <a:srgbClr val="000000"/>
                   </a:solidFill>
@@ -20393,7 +20393,7 @@
             </a:ln>
             <a:extLst>
               <a:ext uri="{91240B29-F687-4f45-9708-019B960494DF}">
-                <a14:hiddenLine xmlns="" xmlns:a16="http://schemas.microsoft.com/office/drawing/2014/main" xmlns:p14="http://schemas.microsoft.com/office/powerpoint/2010/main" xmlns:a14="http://schemas.microsoft.com/office/drawing/2010/main" w="9525">
+                <a14:hiddenLine xmlns:a14="http://schemas.microsoft.com/office/drawing/2010/main" xmlns:p14="http://schemas.microsoft.com/office/powerpoint/2010/main" xmlns:a16="http://schemas.microsoft.com/office/drawing/2014/main" xmlns="" w="9525">
                   <a:solidFill>
                     <a:srgbClr val="000000"/>
                   </a:solidFill>
@@ -20470,7 +20470,7 @@
             </a:ln>
             <a:extLst>
               <a:ext uri="{91240B29-F687-4f45-9708-019B960494DF}">
-                <a14:hiddenLine xmlns="" xmlns:a16="http://schemas.microsoft.com/office/drawing/2014/main" xmlns:p14="http://schemas.microsoft.com/office/powerpoint/2010/main" xmlns:a14="http://schemas.microsoft.com/office/drawing/2010/main" w="9525">
+                <a14:hiddenLine xmlns:a14="http://schemas.microsoft.com/office/drawing/2010/main" xmlns:p14="http://schemas.microsoft.com/office/powerpoint/2010/main" xmlns:a16="http://schemas.microsoft.com/office/drawing/2014/main" xmlns="" w="9525">
                   <a:solidFill>
                     <a:srgbClr val="000000"/>
                   </a:solidFill>
@@ -20547,7 +20547,7 @@
             </a:ln>
             <a:extLst>
               <a:ext uri="{91240B29-F687-4f45-9708-019B960494DF}">
-                <a14:hiddenLine xmlns="" xmlns:a16="http://schemas.microsoft.com/office/drawing/2014/main" xmlns:p14="http://schemas.microsoft.com/office/powerpoint/2010/main" xmlns:a14="http://schemas.microsoft.com/office/drawing/2010/main" w="9525">
+                <a14:hiddenLine xmlns:a14="http://schemas.microsoft.com/office/drawing/2010/main" xmlns:p14="http://schemas.microsoft.com/office/powerpoint/2010/main" xmlns:a16="http://schemas.microsoft.com/office/drawing/2014/main" xmlns="" w="9525">
                   <a:solidFill>
                     <a:srgbClr val="000000"/>
                   </a:solidFill>
@@ -20652,7 +20652,7 @@
             </a:ln>
             <a:extLst>
               <a:ext uri="{91240B29-F687-4f45-9708-019B960494DF}">
-                <a14:hiddenLine xmlns="" xmlns:a16="http://schemas.microsoft.com/office/drawing/2014/main" xmlns:p14="http://schemas.microsoft.com/office/powerpoint/2010/main" xmlns:a14="http://schemas.microsoft.com/office/drawing/2010/main" w="9525">
+                <a14:hiddenLine xmlns:a14="http://schemas.microsoft.com/office/drawing/2010/main" xmlns:p14="http://schemas.microsoft.com/office/powerpoint/2010/main" xmlns:a16="http://schemas.microsoft.com/office/drawing/2014/main" xmlns="" w="9525">
                   <a:solidFill>
                     <a:srgbClr val="000000"/>
                   </a:solidFill>
@@ -20757,7 +20757,7 @@
             </a:ln>
             <a:extLst>
               <a:ext uri="{91240B29-F687-4f45-9708-019B960494DF}">
-                <a14:hiddenLine xmlns="" xmlns:a16="http://schemas.microsoft.com/office/drawing/2014/main" xmlns:p14="http://schemas.microsoft.com/office/powerpoint/2010/main" xmlns:a14="http://schemas.microsoft.com/office/drawing/2010/main" w="9525">
+                <a14:hiddenLine xmlns:a14="http://schemas.microsoft.com/office/drawing/2010/main" xmlns:p14="http://schemas.microsoft.com/office/powerpoint/2010/main" xmlns:a16="http://schemas.microsoft.com/office/drawing/2014/main" xmlns="" w="9525">
                   <a:solidFill>
                     <a:srgbClr val="000000"/>
                   </a:solidFill>
@@ -20834,7 +20834,7 @@
             </a:ln>
             <a:extLst>
               <a:ext uri="{91240B29-F687-4f45-9708-019B960494DF}">
-                <a14:hiddenLine xmlns="" xmlns:a16="http://schemas.microsoft.com/office/drawing/2014/main" xmlns:p14="http://schemas.microsoft.com/office/powerpoint/2010/main" xmlns:a14="http://schemas.microsoft.com/office/drawing/2010/main" w="9525">
+                <a14:hiddenLine xmlns:a14="http://schemas.microsoft.com/office/drawing/2010/main" xmlns:p14="http://schemas.microsoft.com/office/powerpoint/2010/main" xmlns:a16="http://schemas.microsoft.com/office/drawing/2014/main" xmlns="" w="9525">
                   <a:solidFill>
                     <a:srgbClr val="000000"/>
                   </a:solidFill>
@@ -20959,7 +20959,7 @@
             </a:ln>
             <a:extLst>
               <a:ext uri="{91240B29-F687-4f45-9708-019B960494DF}">
-                <a14:hiddenLine xmlns="" xmlns:a16="http://schemas.microsoft.com/office/drawing/2014/main" xmlns:p14="http://schemas.microsoft.com/office/powerpoint/2010/main" xmlns:a14="http://schemas.microsoft.com/office/drawing/2010/main" w="9525">
+                <a14:hiddenLine xmlns:a14="http://schemas.microsoft.com/office/drawing/2010/main" xmlns:p14="http://schemas.microsoft.com/office/powerpoint/2010/main" xmlns:a16="http://schemas.microsoft.com/office/drawing/2014/main" xmlns="" w="9525">
                   <a:solidFill>
                     <a:srgbClr val="000000"/>
                   </a:solidFill>
@@ -21073,7 +21073,7 @@
             </a:ln>
             <a:extLst>
               <a:ext uri="{91240B29-F687-4f45-9708-019B960494DF}">
-                <a14:hiddenLine xmlns="" xmlns:a16="http://schemas.microsoft.com/office/drawing/2014/main" xmlns:p14="http://schemas.microsoft.com/office/powerpoint/2010/main" xmlns:a14="http://schemas.microsoft.com/office/drawing/2010/main" w="9525">
+                <a14:hiddenLine xmlns:a14="http://schemas.microsoft.com/office/drawing/2010/main" xmlns:p14="http://schemas.microsoft.com/office/powerpoint/2010/main" xmlns:a16="http://schemas.microsoft.com/office/drawing/2014/main" xmlns="" w="9525">
                   <a:solidFill>
                     <a:srgbClr val="000000"/>
                   </a:solidFill>
@@ -21150,7 +21150,7 @@
             </a:ln>
             <a:extLst>
               <a:ext uri="{91240B29-F687-4f45-9708-019B960494DF}">
-                <a14:hiddenLine xmlns="" xmlns:a16="http://schemas.microsoft.com/office/drawing/2014/main" xmlns:p14="http://schemas.microsoft.com/office/powerpoint/2010/main" xmlns:a14="http://schemas.microsoft.com/office/drawing/2010/main" w="9525">
+                <a14:hiddenLine xmlns:a14="http://schemas.microsoft.com/office/drawing/2010/main" xmlns:p14="http://schemas.microsoft.com/office/powerpoint/2010/main" xmlns:a16="http://schemas.microsoft.com/office/drawing/2014/main" xmlns="" w="9525">
                   <a:solidFill>
                     <a:srgbClr val="000000"/>
                   </a:solidFill>
@@ -21227,7 +21227,7 @@
             </a:ln>
             <a:extLst>
               <a:ext uri="{91240B29-F687-4f45-9708-019B960494DF}">
-                <a14:hiddenLine xmlns="" xmlns:a16="http://schemas.microsoft.com/office/drawing/2014/main" xmlns:p14="http://schemas.microsoft.com/office/powerpoint/2010/main" xmlns:a14="http://schemas.microsoft.com/office/drawing/2010/main" w="9525">
+                <a14:hiddenLine xmlns:a14="http://schemas.microsoft.com/office/drawing/2010/main" xmlns:p14="http://schemas.microsoft.com/office/powerpoint/2010/main" xmlns:a16="http://schemas.microsoft.com/office/drawing/2014/main" xmlns="" w="9525">
                   <a:solidFill>
                     <a:srgbClr val="000000"/>
                   </a:solidFill>
@@ -21332,7 +21332,7 @@
             </a:ln>
             <a:extLst>
               <a:ext uri="{91240B29-F687-4f45-9708-019B960494DF}">
-                <a14:hiddenLine xmlns="" xmlns:a16="http://schemas.microsoft.com/office/drawing/2014/main" xmlns:p14="http://schemas.microsoft.com/office/powerpoint/2010/main" xmlns:a14="http://schemas.microsoft.com/office/drawing/2010/main" w="9525">
+                <a14:hiddenLine xmlns:a14="http://schemas.microsoft.com/office/drawing/2010/main" xmlns:p14="http://schemas.microsoft.com/office/powerpoint/2010/main" xmlns:a16="http://schemas.microsoft.com/office/drawing/2014/main" xmlns="" w="9525">
                   <a:solidFill>
                     <a:srgbClr val="000000"/>
                   </a:solidFill>
@@ -21381,7 +21381,7 @@
             </a:ln>
             <a:extLst>
               <a:ext uri="{91240B29-F687-4f45-9708-019B960494DF}">
-                <a14:hiddenLine xmlns="" xmlns:a16="http://schemas.microsoft.com/office/drawing/2014/main" xmlns:p14="http://schemas.microsoft.com/office/powerpoint/2010/main" xmlns:a14="http://schemas.microsoft.com/office/drawing/2010/main" w="9525">
+                <a14:hiddenLine xmlns:a14="http://schemas.microsoft.com/office/drawing/2010/main" xmlns:p14="http://schemas.microsoft.com/office/powerpoint/2010/main" xmlns:a16="http://schemas.microsoft.com/office/drawing/2014/main" xmlns="" w="9525">
                   <a:solidFill>
                     <a:srgbClr val="000000"/>
                   </a:solidFill>
@@ -21461,7 +21461,7 @@
             </a:ln>
             <a:extLst>
               <a:ext uri="{91240B29-F687-4f45-9708-019B960494DF}">
-                <a14:hiddenLine xmlns="" xmlns:a16="http://schemas.microsoft.com/office/drawing/2014/main" xmlns:p14="http://schemas.microsoft.com/office/powerpoint/2010/main" xmlns:a14="http://schemas.microsoft.com/office/drawing/2010/main" w="9525">
+                <a14:hiddenLine xmlns:a14="http://schemas.microsoft.com/office/drawing/2010/main" xmlns:p14="http://schemas.microsoft.com/office/powerpoint/2010/main" xmlns:a16="http://schemas.microsoft.com/office/drawing/2014/main" xmlns="" w="9525">
                   <a:solidFill>
                     <a:srgbClr val="000000"/>
                   </a:solidFill>
@@ -21566,7 +21566,7 @@
             </a:ln>
             <a:extLst>
               <a:ext uri="{91240B29-F687-4f45-9708-019B960494DF}">
-                <a14:hiddenLine xmlns="" xmlns:a16="http://schemas.microsoft.com/office/drawing/2014/main" xmlns:p14="http://schemas.microsoft.com/office/powerpoint/2010/main" xmlns:a14="http://schemas.microsoft.com/office/drawing/2010/main" w="9525">
+                <a14:hiddenLine xmlns:a14="http://schemas.microsoft.com/office/drawing/2010/main" xmlns:p14="http://schemas.microsoft.com/office/powerpoint/2010/main" xmlns:a16="http://schemas.microsoft.com/office/drawing/2014/main" xmlns="" w="9525">
                   <a:solidFill>
                     <a:srgbClr val="000000"/>
                   </a:solidFill>
@@ -21643,7 +21643,7 @@
             </a:ln>
             <a:extLst>
               <a:ext uri="{91240B29-F687-4f45-9708-019B960494DF}">
-                <a14:hiddenLine xmlns="" xmlns:a16="http://schemas.microsoft.com/office/drawing/2014/main" xmlns:p14="http://schemas.microsoft.com/office/powerpoint/2010/main" xmlns:a14="http://schemas.microsoft.com/office/drawing/2010/main" w="9525">
+                <a14:hiddenLine xmlns:a14="http://schemas.microsoft.com/office/drawing/2010/main" xmlns:p14="http://schemas.microsoft.com/office/powerpoint/2010/main" xmlns:a16="http://schemas.microsoft.com/office/drawing/2014/main" xmlns="" w="9525">
                   <a:solidFill>
                     <a:srgbClr val="000000"/>
                   </a:solidFill>
@@ -21748,7 +21748,7 @@
             </a:ln>
             <a:extLst>
               <a:ext uri="{91240B29-F687-4f45-9708-019B960494DF}">
-                <a14:hiddenLine xmlns="" xmlns:a16="http://schemas.microsoft.com/office/drawing/2014/main" xmlns:p14="http://schemas.microsoft.com/office/powerpoint/2010/main" xmlns:a14="http://schemas.microsoft.com/office/drawing/2010/main" w="9525">
+                <a14:hiddenLine xmlns:a14="http://schemas.microsoft.com/office/drawing/2010/main" xmlns:p14="http://schemas.microsoft.com/office/powerpoint/2010/main" xmlns:a16="http://schemas.microsoft.com/office/drawing/2014/main" xmlns="" w="9525">
                   <a:solidFill>
                     <a:srgbClr val="000000"/>
                   </a:solidFill>
@@ -21828,7 +21828,7 @@
             </a:ln>
             <a:extLst>
               <a:ext uri="{91240B29-F687-4f45-9708-019B960494DF}">
-                <a14:hiddenLine xmlns="" xmlns:a16="http://schemas.microsoft.com/office/drawing/2014/main" xmlns:p14="http://schemas.microsoft.com/office/powerpoint/2010/main" xmlns:a14="http://schemas.microsoft.com/office/drawing/2010/main" w="9525">
+                <a14:hiddenLine xmlns:a14="http://schemas.microsoft.com/office/drawing/2010/main" xmlns:p14="http://schemas.microsoft.com/office/powerpoint/2010/main" xmlns:a16="http://schemas.microsoft.com/office/drawing/2014/main" xmlns="" w="9525">
                   <a:solidFill>
                     <a:srgbClr val="000000"/>
                   </a:solidFill>
@@ -21905,7 +21905,7 @@
             </a:ln>
             <a:extLst>
               <a:ext uri="{91240B29-F687-4f45-9708-019B960494DF}">
-                <a14:hiddenLine xmlns="" xmlns:a16="http://schemas.microsoft.com/office/drawing/2014/main" xmlns:p14="http://schemas.microsoft.com/office/powerpoint/2010/main" xmlns:a14="http://schemas.microsoft.com/office/drawing/2010/main" w="9525">
+                <a14:hiddenLine xmlns:a14="http://schemas.microsoft.com/office/drawing/2010/main" xmlns:p14="http://schemas.microsoft.com/office/powerpoint/2010/main" xmlns:a16="http://schemas.microsoft.com/office/drawing/2014/main" xmlns="" w="9525">
                   <a:solidFill>
                     <a:srgbClr val="000000"/>
                   </a:solidFill>
@@ -22010,7 +22010,7 @@
             </a:ln>
             <a:extLst>
               <a:ext uri="{91240B29-F687-4f45-9708-019B960494DF}">
-                <a14:hiddenLine xmlns="" xmlns:a16="http://schemas.microsoft.com/office/drawing/2014/main" xmlns:p14="http://schemas.microsoft.com/office/powerpoint/2010/main" xmlns:a14="http://schemas.microsoft.com/office/drawing/2010/main" w="9525">
+                <a14:hiddenLine xmlns:a14="http://schemas.microsoft.com/office/drawing/2010/main" xmlns:p14="http://schemas.microsoft.com/office/powerpoint/2010/main" xmlns:a16="http://schemas.microsoft.com/office/drawing/2014/main" xmlns="" w="9525">
                   <a:solidFill>
                     <a:srgbClr val="000000"/>
                   </a:solidFill>
@@ -22115,7 +22115,7 @@
             </a:ln>
             <a:extLst>
               <a:ext uri="{91240B29-F687-4f45-9708-019B960494DF}">
-                <a14:hiddenLine xmlns="" xmlns:a16="http://schemas.microsoft.com/office/drawing/2014/main" xmlns:p14="http://schemas.microsoft.com/office/powerpoint/2010/main" xmlns:a14="http://schemas.microsoft.com/office/drawing/2010/main" w="9525">
+                <a14:hiddenLine xmlns:a14="http://schemas.microsoft.com/office/drawing/2010/main" xmlns:p14="http://schemas.microsoft.com/office/powerpoint/2010/main" xmlns:a16="http://schemas.microsoft.com/office/drawing/2014/main" xmlns="" w="9525">
                   <a:solidFill>
                     <a:srgbClr val="000000"/>
                   </a:solidFill>
@@ -22195,7 +22195,7 @@
             </a:ln>
             <a:extLst>
               <a:ext uri="{91240B29-F687-4f45-9708-019B960494DF}">
-                <a14:hiddenLine xmlns="" xmlns:a16="http://schemas.microsoft.com/office/drawing/2014/main" xmlns:p14="http://schemas.microsoft.com/office/powerpoint/2010/main" xmlns:a14="http://schemas.microsoft.com/office/drawing/2010/main" w="9525">
+                <a14:hiddenLine xmlns:a14="http://schemas.microsoft.com/office/drawing/2010/main" xmlns:p14="http://schemas.microsoft.com/office/powerpoint/2010/main" xmlns:a16="http://schemas.microsoft.com/office/drawing/2014/main" xmlns="" w="9525">
                   <a:solidFill>
                     <a:srgbClr val="000000"/>
                   </a:solidFill>
@@ -22330,7 +22330,7 @@
             </a:ln>
             <a:extLst>
               <a:ext uri="{91240B29-F687-4f45-9708-019B960494DF}">
-                <a14:hiddenLine xmlns="" xmlns:a16="http://schemas.microsoft.com/office/drawing/2014/main" xmlns:p14="http://schemas.microsoft.com/office/powerpoint/2010/main" xmlns:a14="http://schemas.microsoft.com/office/drawing/2010/main" w="9525">
+                <a14:hiddenLine xmlns:a14="http://schemas.microsoft.com/office/drawing/2010/main" xmlns:p14="http://schemas.microsoft.com/office/powerpoint/2010/main" xmlns:a16="http://schemas.microsoft.com/office/drawing/2014/main" xmlns="" w="9525">
                   <a:solidFill>
                     <a:srgbClr val="000000"/>
                   </a:solidFill>
@@ -22477,6 +22477,12 @@
             <a:r>
               <a:rPr lang="en-US" dirty="0"/>
               <a:t>The variables were the x values while the price was the y value</a:t>
+            </a:r>
+          </a:p>
+          <a:p>
+            <a:r>
+              <a:rPr lang="en-US" dirty="0"/>
+              <a:t>There are 5000 observations and 7 variables</a:t>
             </a:r>
           </a:p>
         </p:txBody>

--- a/USA Housing Price Prediction.pptx
+++ b/USA Housing Price Prediction.pptx
@@ -130,7 +130,7 @@
 <file path=ppt/revisionInfo.xml><?xml version="1.0" encoding="utf-8"?>
 <p1510:revInfo xmlns:a="http://schemas.openxmlformats.org/drawingml/2006/main" xmlns:r="http://schemas.openxmlformats.org/officeDocument/2006/relationships" xmlns:p1510="http://schemas.microsoft.com/office/powerpoint/2015/10/main">
   <p1510:revLst>
-    <p1510:client id="{DD06BFFE-EF92-42D8-8938-17D2CE8C3C45}" v="30" dt="2021-12-08T03:12:02.270"/>
+    <p1510:client id="{DD06BFFE-EF92-42D8-8938-17D2CE8C3C45}" v="31" dt="2021-12-09T23:45:14.262"/>
   </p1510:revLst>
 </p1510:revInfo>
 </file>
@@ -140,7 +140,7 @@
   <pc:docChgLst>
     <pc:chgData name="Moshe Gamerberg" userId="228a2debde6e8a43" providerId="LiveId" clId="{DD06BFFE-EF92-42D8-8938-17D2CE8C3C45}"/>
     <pc:docChg chg="custSel addSld delSld modSld">
-      <pc:chgData name="Moshe Gamerberg" userId="228a2debde6e8a43" providerId="LiveId" clId="{DD06BFFE-EF92-42D8-8938-17D2CE8C3C45}" dt="2021-12-09T23:11:26.065" v="6050" actId="20577"/>
+      <pc:chgData name="Moshe Gamerberg" userId="228a2debde6e8a43" providerId="LiveId" clId="{DD06BFFE-EF92-42D8-8938-17D2CE8C3C45}" dt="2021-12-09T23:45:40.312" v="6151" actId="20577"/>
       <pc:docMkLst>
         <pc:docMk/>
       </pc:docMkLst>
@@ -307,7 +307,7 @@
         </pc:picChg>
       </pc:sldChg>
       <pc:sldChg chg="addSp delSp modSp mod">
-        <pc:chgData name="Moshe Gamerberg" userId="228a2debde6e8a43" providerId="LiveId" clId="{DD06BFFE-EF92-42D8-8938-17D2CE8C3C45}" dt="2021-12-08T03:07:07.546" v="5633" actId="478"/>
+        <pc:chgData name="Moshe Gamerberg" userId="228a2debde6e8a43" providerId="LiveId" clId="{DD06BFFE-EF92-42D8-8938-17D2CE8C3C45}" dt="2021-12-09T23:45:40.312" v="6151" actId="20577"/>
         <pc:sldMkLst>
           <pc:docMk/>
           <pc:sldMk cId="335814010" sldId="264"/>
@@ -321,7 +321,7 @@
           </ac:spMkLst>
         </pc:spChg>
         <pc:spChg chg="mod">
-          <ac:chgData name="Moshe Gamerberg" userId="228a2debde6e8a43" providerId="LiveId" clId="{DD06BFFE-EF92-42D8-8938-17D2CE8C3C45}" dt="2021-12-08T03:07:04.792" v="5631" actId="27636"/>
+          <ac:chgData name="Moshe Gamerberg" userId="228a2debde6e8a43" providerId="LiveId" clId="{DD06BFFE-EF92-42D8-8938-17D2CE8C3C45}" dt="2021-12-09T23:45:40.312" v="6151" actId="20577"/>
           <ac:spMkLst>
             <pc:docMk/>
             <pc:sldMk cId="335814010" sldId="264"/>
@@ -656,7 +656,7 @@
           <a:noFill/>
           <a:extLst>
             <a:ext uri="{909E8E84-426E-40dd-AFC4-6F175D3DCCD1}">
-              <a14:hiddenFill xmlns:a14="http://schemas.microsoft.com/office/drawing/2010/main" xmlns="">
+              <a14:hiddenFill xmlns="" xmlns:a14="http://schemas.microsoft.com/office/drawing/2010/main">
                 <a:solidFill>
                   <a:srgbClr val="FFFFFF"/>
                 </a:solidFill>
@@ -716,7 +716,7 @@
             </a:ln>
             <a:extLst>
               <a:ext uri="{91240B29-F687-4f45-9708-019B960494DF}">
-                <a14:hiddenLine xmlns:a14="http://schemas.microsoft.com/office/drawing/2010/main" xmlns="" w="9525">
+                <a14:hiddenLine xmlns="" xmlns:a14="http://schemas.microsoft.com/office/drawing/2010/main" w="9525">
                   <a:solidFill>
                     <a:srgbClr val="000000"/>
                   </a:solidFill>
@@ -806,7 +806,7 @@
             </a:ln>
             <a:extLst>
               <a:ext uri="{91240B29-F687-4f45-9708-019B960494DF}">
-                <a14:hiddenLine xmlns:a14="http://schemas.microsoft.com/office/drawing/2010/main" xmlns="" w="9525">
+                <a14:hiddenLine xmlns="" xmlns:a14="http://schemas.microsoft.com/office/drawing/2010/main" w="9525">
                   <a:solidFill>
                     <a:srgbClr val="000000"/>
                   </a:solidFill>
@@ -896,7 +896,7 @@
             </a:ln>
             <a:extLst>
               <a:ext uri="{91240B29-F687-4f45-9708-019B960494DF}">
-                <a14:hiddenLine xmlns:a14="http://schemas.microsoft.com/office/drawing/2010/main" xmlns="" w="9525">
+                <a14:hiddenLine xmlns="" xmlns:a14="http://schemas.microsoft.com/office/drawing/2010/main" w="9525">
                   <a:solidFill>
                     <a:srgbClr val="000000"/>
                   </a:solidFill>
@@ -930,7 +930,7 @@
             </a:ln>
             <a:extLst>
               <a:ext uri="{91240B29-F687-4f45-9708-019B960494DF}">
-                <a14:hiddenLine xmlns:a14="http://schemas.microsoft.com/office/drawing/2010/main" xmlns="" w="9525">
+                <a14:hiddenLine xmlns="" xmlns:a14="http://schemas.microsoft.com/office/drawing/2010/main" w="9525">
                   <a:solidFill>
                     <a:srgbClr val="000000"/>
                   </a:solidFill>
@@ -1020,7 +1020,7 @@
             </a:ln>
             <a:extLst>
               <a:ext uri="{91240B29-F687-4f45-9708-019B960494DF}">
-                <a14:hiddenLine xmlns:a14="http://schemas.microsoft.com/office/drawing/2010/main" xmlns="" w="9525">
+                <a14:hiddenLine xmlns="" xmlns:a14="http://schemas.microsoft.com/office/drawing/2010/main" w="9525">
                   <a:solidFill>
                     <a:srgbClr val="000000"/>
                   </a:solidFill>
@@ -1082,7 +1082,7 @@
             </a:ln>
             <a:extLst>
               <a:ext uri="{91240B29-F687-4f45-9708-019B960494DF}">
-                <a14:hiddenLine xmlns:a14="http://schemas.microsoft.com/office/drawing/2010/main" xmlns="" w="9525">
+                <a14:hiddenLine xmlns="" xmlns:a14="http://schemas.microsoft.com/office/drawing/2010/main" w="9525">
                   <a:solidFill>
                     <a:srgbClr val="000000"/>
                   </a:solidFill>
@@ -1144,7 +1144,7 @@
             </a:ln>
             <a:extLst>
               <a:ext uri="{91240B29-F687-4f45-9708-019B960494DF}">
-                <a14:hiddenLine xmlns:a14="http://schemas.microsoft.com/office/drawing/2010/main" xmlns="" w="9525">
+                <a14:hiddenLine xmlns="" xmlns:a14="http://schemas.microsoft.com/office/drawing/2010/main" w="9525">
                   <a:solidFill>
                     <a:srgbClr val="000000"/>
                   </a:solidFill>
@@ -1234,7 +1234,7 @@
             </a:ln>
             <a:extLst>
               <a:ext uri="{91240B29-F687-4f45-9708-019B960494DF}">
-                <a14:hiddenLine xmlns:a14="http://schemas.microsoft.com/office/drawing/2010/main" xmlns="" w="9525">
+                <a14:hiddenLine xmlns="" xmlns:a14="http://schemas.microsoft.com/office/drawing/2010/main" w="9525">
                   <a:solidFill>
                     <a:srgbClr val="000000"/>
                   </a:solidFill>
@@ -1296,7 +1296,7 @@
             </a:ln>
             <a:extLst>
               <a:ext uri="{91240B29-F687-4f45-9708-019B960494DF}">
-                <a14:hiddenLine xmlns:a14="http://schemas.microsoft.com/office/drawing/2010/main" xmlns="" w="9525">
+                <a14:hiddenLine xmlns="" xmlns:a14="http://schemas.microsoft.com/office/drawing/2010/main" w="9525">
                   <a:solidFill>
                     <a:srgbClr val="000000"/>
                   </a:solidFill>
@@ -1358,7 +1358,7 @@
             </a:ln>
             <a:extLst>
               <a:ext uri="{91240B29-F687-4f45-9708-019B960494DF}">
-                <a14:hiddenLine xmlns:a14="http://schemas.microsoft.com/office/drawing/2010/main" xmlns="" w="9525">
+                <a14:hiddenLine xmlns="" xmlns:a14="http://schemas.microsoft.com/office/drawing/2010/main" w="9525">
                   <a:solidFill>
                     <a:srgbClr val="000000"/>
                   </a:solidFill>
@@ -1448,7 +1448,7 @@
             </a:ln>
             <a:extLst>
               <a:ext uri="{91240B29-F687-4f45-9708-019B960494DF}">
-                <a14:hiddenLine xmlns:a14="http://schemas.microsoft.com/office/drawing/2010/main" xmlns="" w="9525">
+                <a14:hiddenLine xmlns="" xmlns:a14="http://schemas.microsoft.com/office/drawing/2010/main" w="9525">
                   <a:solidFill>
                     <a:srgbClr val="000000"/>
                   </a:solidFill>
@@ -1538,7 +1538,7 @@
             </a:ln>
             <a:extLst>
               <a:ext uri="{91240B29-F687-4f45-9708-019B960494DF}">
-                <a14:hiddenLine xmlns:a14="http://schemas.microsoft.com/office/drawing/2010/main" xmlns="" w="9525">
+                <a14:hiddenLine xmlns="" xmlns:a14="http://schemas.microsoft.com/office/drawing/2010/main" w="9525">
                   <a:solidFill>
                     <a:srgbClr val="000000"/>
                   </a:solidFill>
@@ -1600,7 +1600,7 @@
             </a:ln>
             <a:extLst>
               <a:ext uri="{91240B29-F687-4f45-9708-019B960494DF}">
-                <a14:hiddenLine xmlns:a14="http://schemas.microsoft.com/office/drawing/2010/main" xmlns="" w="9525">
+                <a14:hiddenLine xmlns="" xmlns:a14="http://schemas.microsoft.com/office/drawing/2010/main" w="9525">
                   <a:solidFill>
                     <a:srgbClr val="000000"/>
                   </a:solidFill>
@@ -1710,7 +1710,7 @@
             </a:ln>
             <a:extLst>
               <a:ext uri="{91240B29-F687-4f45-9708-019B960494DF}">
-                <a14:hiddenLine xmlns:a14="http://schemas.microsoft.com/office/drawing/2010/main" xmlns="" w="9525">
+                <a14:hiddenLine xmlns="" xmlns:a14="http://schemas.microsoft.com/office/drawing/2010/main" w="9525">
                   <a:solidFill>
                     <a:srgbClr val="000000"/>
                   </a:solidFill>
@@ -1772,7 +1772,7 @@
             </a:ln>
             <a:extLst>
               <a:ext uri="{91240B29-F687-4f45-9708-019B960494DF}">
-                <a14:hiddenLine xmlns:a14="http://schemas.microsoft.com/office/drawing/2010/main" xmlns="" w="9525">
+                <a14:hiddenLine xmlns="" xmlns:a14="http://schemas.microsoft.com/office/drawing/2010/main" w="9525">
                   <a:solidFill>
                     <a:srgbClr val="000000"/>
                   </a:solidFill>
@@ -1862,7 +1862,7 @@
             </a:ln>
             <a:extLst>
               <a:ext uri="{91240B29-F687-4f45-9708-019B960494DF}">
-                <a14:hiddenLine xmlns:a14="http://schemas.microsoft.com/office/drawing/2010/main" xmlns="" w="9525">
+                <a14:hiddenLine xmlns="" xmlns:a14="http://schemas.microsoft.com/office/drawing/2010/main" w="9525">
                   <a:solidFill>
                     <a:srgbClr val="000000"/>
                   </a:solidFill>
@@ -1952,7 +1952,7 @@
             </a:ln>
             <a:extLst>
               <a:ext uri="{91240B29-F687-4f45-9708-019B960494DF}">
-                <a14:hiddenLine xmlns:a14="http://schemas.microsoft.com/office/drawing/2010/main" xmlns="" w="9525">
+                <a14:hiddenLine xmlns="" xmlns:a14="http://schemas.microsoft.com/office/drawing/2010/main" w="9525">
                   <a:solidFill>
                     <a:srgbClr val="000000"/>
                   </a:solidFill>
@@ -2014,7 +2014,7 @@
             </a:ln>
             <a:extLst>
               <a:ext uri="{91240B29-F687-4f45-9708-019B960494DF}">
-                <a14:hiddenLine xmlns:a14="http://schemas.microsoft.com/office/drawing/2010/main" xmlns="" w="9525">
+                <a14:hiddenLine xmlns="" xmlns:a14="http://schemas.microsoft.com/office/drawing/2010/main" w="9525">
                   <a:solidFill>
                     <a:srgbClr val="000000"/>
                   </a:solidFill>
@@ -2104,7 +2104,7 @@
             </a:ln>
             <a:extLst>
               <a:ext uri="{91240B29-F687-4f45-9708-019B960494DF}">
-                <a14:hiddenLine xmlns:a14="http://schemas.microsoft.com/office/drawing/2010/main" xmlns="" w="9525">
+                <a14:hiddenLine xmlns="" xmlns:a14="http://schemas.microsoft.com/office/drawing/2010/main" w="9525">
                   <a:solidFill>
                     <a:srgbClr val="000000"/>
                   </a:solidFill>
@@ -2194,7 +2194,7 @@
             </a:ln>
             <a:extLst>
               <a:ext uri="{91240B29-F687-4f45-9708-019B960494DF}">
-                <a14:hiddenLine xmlns:a14="http://schemas.microsoft.com/office/drawing/2010/main" xmlns="" w="9525">
+                <a14:hiddenLine xmlns="" xmlns:a14="http://schemas.microsoft.com/office/drawing/2010/main" w="9525">
                   <a:solidFill>
                     <a:srgbClr val="000000"/>
                   </a:solidFill>
@@ -2250,7 +2250,7 @@
             </a:ln>
             <a:extLst>
               <a:ext uri="{91240B29-F687-4f45-9708-019B960494DF}">
-                <a14:hiddenLine xmlns:a14="http://schemas.microsoft.com/office/drawing/2010/main" xmlns="" w="9525">
+                <a14:hiddenLine xmlns="" xmlns:a14="http://schemas.microsoft.com/office/drawing/2010/main" w="9525">
                   <a:solidFill>
                     <a:srgbClr val="000000"/>
                   </a:solidFill>
@@ -2340,7 +2340,7 @@
             </a:ln>
             <a:extLst>
               <a:ext uri="{91240B29-F687-4f45-9708-019B960494DF}">
-                <a14:hiddenLine xmlns:a14="http://schemas.microsoft.com/office/drawing/2010/main" xmlns="" w="9525">
+                <a14:hiddenLine xmlns="" xmlns:a14="http://schemas.microsoft.com/office/drawing/2010/main" w="9525">
                   <a:solidFill>
                     <a:srgbClr val="000000"/>
                   </a:solidFill>
@@ -2396,7 +2396,7 @@
             </a:ln>
             <a:extLst>
               <a:ext uri="{91240B29-F687-4f45-9708-019B960494DF}">
-                <a14:hiddenLine xmlns:a14="http://schemas.microsoft.com/office/drawing/2010/main" xmlns="" w="9525">
+                <a14:hiddenLine xmlns="" xmlns:a14="http://schemas.microsoft.com/office/drawing/2010/main" w="9525">
                   <a:solidFill>
                     <a:srgbClr val="000000"/>
                   </a:solidFill>
@@ -2486,7 +2486,7 @@
             </a:ln>
             <a:extLst>
               <a:ext uri="{91240B29-F687-4f45-9708-019B960494DF}">
-                <a14:hiddenLine xmlns:a14="http://schemas.microsoft.com/office/drawing/2010/main" xmlns="" w="9525">
+                <a14:hiddenLine xmlns="" xmlns:a14="http://schemas.microsoft.com/office/drawing/2010/main" w="9525">
                   <a:solidFill>
                     <a:srgbClr val="000000"/>
                   </a:solidFill>
@@ -2554,7 +2554,7 @@
             </a:ln>
             <a:extLst>
               <a:ext uri="{91240B29-F687-4f45-9708-019B960494DF}">
-                <a14:hiddenLine xmlns:a14="http://schemas.microsoft.com/office/drawing/2010/main" xmlns="" w="9525">
+                <a14:hiddenLine xmlns="" xmlns:a14="http://schemas.microsoft.com/office/drawing/2010/main" w="9525">
                   <a:solidFill>
                     <a:srgbClr val="000000"/>
                   </a:solidFill>
@@ -2644,7 +2644,7 @@
             </a:ln>
             <a:extLst>
               <a:ext uri="{91240B29-F687-4f45-9708-019B960494DF}">
-                <a14:hiddenLine xmlns:a14="http://schemas.microsoft.com/office/drawing/2010/main" xmlns="" w="9525">
+                <a14:hiddenLine xmlns="" xmlns:a14="http://schemas.microsoft.com/office/drawing/2010/main" w="9525">
                   <a:solidFill>
                     <a:srgbClr val="000000"/>
                   </a:solidFill>
@@ -2712,7 +2712,7 @@
             </a:ln>
             <a:extLst>
               <a:ext uri="{91240B29-F687-4f45-9708-019B960494DF}">
-                <a14:hiddenLine xmlns:a14="http://schemas.microsoft.com/office/drawing/2010/main" xmlns="" w="9525">
+                <a14:hiddenLine xmlns="" xmlns:a14="http://schemas.microsoft.com/office/drawing/2010/main" w="9525">
                   <a:solidFill>
                     <a:srgbClr val="000000"/>
                   </a:solidFill>
@@ -2802,7 +2802,7 @@
             </a:ln>
             <a:extLst>
               <a:ext uri="{91240B29-F687-4f45-9708-019B960494DF}">
-                <a14:hiddenLine xmlns:a14="http://schemas.microsoft.com/office/drawing/2010/main" xmlns="" w="9525">
+                <a14:hiddenLine xmlns="" xmlns:a14="http://schemas.microsoft.com/office/drawing/2010/main" w="9525">
                   <a:solidFill>
                     <a:srgbClr val="000000"/>
                   </a:solidFill>
@@ -2836,7 +2836,7 @@
             </a:ln>
             <a:extLst>
               <a:ext uri="{91240B29-F687-4f45-9708-019B960494DF}">
-                <a14:hiddenLine xmlns:a14="http://schemas.microsoft.com/office/drawing/2010/main" xmlns="" w="9525">
+                <a14:hiddenLine xmlns="" xmlns:a14="http://schemas.microsoft.com/office/drawing/2010/main" w="9525">
                   <a:solidFill>
                     <a:srgbClr val="000000"/>
                   </a:solidFill>
@@ -2926,7 +2926,7 @@
             </a:ln>
             <a:extLst>
               <a:ext uri="{91240B29-F687-4f45-9708-019B960494DF}">
-                <a14:hiddenLine xmlns:a14="http://schemas.microsoft.com/office/drawing/2010/main" xmlns="" w="9525">
+                <a14:hiddenLine xmlns="" xmlns:a14="http://schemas.microsoft.com/office/drawing/2010/main" w="9525">
                   <a:solidFill>
                     <a:srgbClr val="000000"/>
                   </a:solidFill>
@@ -2988,7 +2988,7 @@
             </a:ln>
             <a:extLst>
               <a:ext uri="{91240B29-F687-4f45-9708-019B960494DF}">
-                <a14:hiddenLine xmlns:a14="http://schemas.microsoft.com/office/drawing/2010/main" xmlns="" w="9525">
+                <a14:hiddenLine xmlns="" xmlns:a14="http://schemas.microsoft.com/office/drawing/2010/main" w="9525">
                   <a:solidFill>
                     <a:srgbClr val="000000"/>
                   </a:solidFill>
@@ -3050,7 +3050,7 @@
             </a:ln>
             <a:extLst>
               <a:ext uri="{91240B29-F687-4f45-9708-019B960494DF}">
-                <a14:hiddenLine xmlns:a14="http://schemas.microsoft.com/office/drawing/2010/main" xmlns="" w="9525">
+                <a14:hiddenLine xmlns="" xmlns:a14="http://schemas.microsoft.com/office/drawing/2010/main" w="9525">
                   <a:solidFill>
                     <a:srgbClr val="000000"/>
                   </a:solidFill>
@@ -3140,7 +3140,7 @@
             </a:ln>
             <a:extLst>
               <a:ext uri="{91240B29-F687-4f45-9708-019B960494DF}">
-                <a14:hiddenLine xmlns:a14="http://schemas.microsoft.com/office/drawing/2010/main" xmlns="" w="9525">
+                <a14:hiddenLine xmlns="" xmlns:a14="http://schemas.microsoft.com/office/drawing/2010/main" w="9525">
                   <a:solidFill>
                     <a:srgbClr val="000000"/>
                   </a:solidFill>
@@ -3208,7 +3208,7 @@
             </a:ln>
             <a:extLst>
               <a:ext uri="{91240B29-F687-4f45-9708-019B960494DF}">
-                <a14:hiddenLine xmlns:a14="http://schemas.microsoft.com/office/drawing/2010/main" xmlns="" w="9525">
+                <a14:hiddenLine xmlns="" xmlns:a14="http://schemas.microsoft.com/office/drawing/2010/main" w="9525">
                   <a:solidFill>
                     <a:srgbClr val="000000"/>
                   </a:solidFill>
@@ -3270,7 +3270,7 @@
             </a:ln>
             <a:extLst>
               <a:ext uri="{91240B29-F687-4f45-9708-019B960494DF}">
-                <a14:hiddenLine xmlns:a14="http://schemas.microsoft.com/office/drawing/2010/main" xmlns="" w="9525">
+                <a14:hiddenLine xmlns="" xmlns:a14="http://schemas.microsoft.com/office/drawing/2010/main" w="9525">
                   <a:solidFill>
                     <a:srgbClr val="000000"/>
                   </a:solidFill>
@@ -3360,7 +3360,7 @@
             </a:ln>
             <a:extLst>
               <a:ext uri="{91240B29-F687-4f45-9708-019B960494DF}">
-                <a14:hiddenLine xmlns:a14="http://schemas.microsoft.com/office/drawing/2010/main" xmlns="" w="9525">
+                <a14:hiddenLine xmlns="" xmlns:a14="http://schemas.microsoft.com/office/drawing/2010/main" w="9525">
                   <a:solidFill>
                     <a:srgbClr val="000000"/>
                   </a:solidFill>
@@ -3422,7 +3422,7 @@
             </a:ln>
             <a:extLst>
               <a:ext uri="{91240B29-F687-4f45-9708-019B960494DF}">
-                <a14:hiddenLine xmlns:a14="http://schemas.microsoft.com/office/drawing/2010/main" xmlns="" w="9525">
+                <a14:hiddenLine xmlns="" xmlns:a14="http://schemas.microsoft.com/office/drawing/2010/main" w="9525">
                   <a:solidFill>
                     <a:srgbClr val="000000"/>
                   </a:solidFill>
@@ -3512,7 +3512,7 @@
             </a:ln>
             <a:extLst>
               <a:ext uri="{91240B29-F687-4f45-9708-019B960494DF}">
-                <a14:hiddenLine xmlns:a14="http://schemas.microsoft.com/office/drawing/2010/main" xmlns="" w="9525">
+                <a14:hiddenLine xmlns="" xmlns:a14="http://schemas.microsoft.com/office/drawing/2010/main" w="9525">
                   <a:solidFill>
                     <a:srgbClr val="000000"/>
                   </a:solidFill>
@@ -3574,7 +3574,7 @@
             </a:ln>
             <a:extLst>
               <a:ext uri="{91240B29-F687-4f45-9708-019B960494DF}">
-                <a14:hiddenLine xmlns:a14="http://schemas.microsoft.com/office/drawing/2010/main" xmlns="" w="9525">
+                <a14:hiddenLine xmlns="" xmlns:a14="http://schemas.microsoft.com/office/drawing/2010/main" w="9525">
                   <a:solidFill>
                     <a:srgbClr val="000000"/>
                   </a:solidFill>
@@ -3664,7 +3664,7 @@
             </a:ln>
             <a:extLst>
               <a:ext uri="{91240B29-F687-4f45-9708-019B960494DF}">
-                <a14:hiddenLine xmlns:a14="http://schemas.microsoft.com/office/drawing/2010/main" xmlns="" w="9525">
+                <a14:hiddenLine xmlns="" xmlns:a14="http://schemas.microsoft.com/office/drawing/2010/main" w="9525">
                   <a:solidFill>
                     <a:srgbClr val="000000"/>
                   </a:solidFill>
@@ -3698,7 +3698,7 @@
             </a:ln>
             <a:extLst>
               <a:ext uri="{91240B29-F687-4f45-9708-019B960494DF}">
-                <a14:hiddenLine xmlns:a14="http://schemas.microsoft.com/office/drawing/2010/main" xmlns="" w="9525">
+                <a14:hiddenLine xmlns="" xmlns:a14="http://schemas.microsoft.com/office/drawing/2010/main" w="9525">
                   <a:solidFill>
                     <a:srgbClr val="000000"/>
                   </a:solidFill>
@@ -3763,7 +3763,7 @@
             </a:ln>
             <a:extLst>
               <a:ext uri="{91240B29-F687-4f45-9708-019B960494DF}">
-                <a14:hiddenLine xmlns:a14="http://schemas.microsoft.com/office/drawing/2010/main" xmlns="" w="9525">
+                <a14:hiddenLine xmlns="" xmlns:a14="http://schemas.microsoft.com/office/drawing/2010/main" w="9525">
                   <a:solidFill>
                     <a:srgbClr val="000000"/>
                   </a:solidFill>
@@ -3853,7 +3853,7 @@
             </a:ln>
             <a:extLst>
               <a:ext uri="{91240B29-F687-4f45-9708-019B960494DF}">
-                <a14:hiddenLine xmlns:a14="http://schemas.microsoft.com/office/drawing/2010/main" xmlns="" w="9525">
+                <a14:hiddenLine xmlns="" xmlns:a14="http://schemas.microsoft.com/office/drawing/2010/main" w="9525">
                   <a:solidFill>
                     <a:srgbClr val="000000"/>
                   </a:solidFill>
@@ -3915,7 +3915,7 @@
             </a:ln>
             <a:extLst>
               <a:ext uri="{91240B29-F687-4f45-9708-019B960494DF}">
-                <a14:hiddenLine xmlns:a14="http://schemas.microsoft.com/office/drawing/2010/main" xmlns="" w="9525">
+                <a14:hiddenLine xmlns="" xmlns:a14="http://schemas.microsoft.com/office/drawing/2010/main" w="9525">
                   <a:solidFill>
                     <a:srgbClr val="000000"/>
                   </a:solidFill>
@@ -4005,7 +4005,7 @@
             </a:ln>
             <a:extLst>
               <a:ext uri="{91240B29-F687-4f45-9708-019B960494DF}">
-                <a14:hiddenLine xmlns:a14="http://schemas.microsoft.com/office/drawing/2010/main" xmlns="" w="9525">
+                <a14:hiddenLine xmlns="" xmlns:a14="http://schemas.microsoft.com/office/drawing/2010/main" w="9525">
                   <a:solidFill>
                     <a:srgbClr val="000000"/>
                   </a:solidFill>
@@ -4095,7 +4095,7 @@
             </a:ln>
             <a:extLst>
               <a:ext uri="{91240B29-F687-4f45-9708-019B960494DF}">
-                <a14:hiddenLine xmlns:a14="http://schemas.microsoft.com/office/drawing/2010/main" xmlns="" w="9525">
+                <a14:hiddenLine xmlns="" xmlns:a14="http://schemas.microsoft.com/office/drawing/2010/main" w="9525">
                   <a:solidFill>
                     <a:srgbClr val="000000"/>
                   </a:solidFill>
@@ -4160,7 +4160,7 @@
             </a:ln>
             <a:extLst>
               <a:ext uri="{91240B29-F687-4f45-9708-019B960494DF}">
-                <a14:hiddenLine xmlns:a14="http://schemas.microsoft.com/office/drawing/2010/main" xmlns="" w="9525">
+                <a14:hiddenLine xmlns="" xmlns:a14="http://schemas.microsoft.com/office/drawing/2010/main" w="9525">
                   <a:solidFill>
                     <a:srgbClr val="000000"/>
                   </a:solidFill>
@@ -4222,7 +4222,7 @@
             </a:ln>
             <a:extLst>
               <a:ext uri="{91240B29-F687-4f45-9708-019B960494DF}">
-                <a14:hiddenLine xmlns:a14="http://schemas.microsoft.com/office/drawing/2010/main" xmlns="" w="9525">
+                <a14:hiddenLine xmlns="" xmlns:a14="http://schemas.microsoft.com/office/drawing/2010/main" w="9525">
                   <a:solidFill>
                     <a:srgbClr val="000000"/>
                   </a:solidFill>
@@ -4312,7 +4312,7 @@
             </a:ln>
             <a:extLst>
               <a:ext uri="{91240B29-F687-4f45-9708-019B960494DF}">
-                <a14:hiddenLine xmlns:a14="http://schemas.microsoft.com/office/drawing/2010/main" xmlns="" w="9525">
+                <a14:hiddenLine xmlns="" xmlns:a14="http://schemas.microsoft.com/office/drawing/2010/main" w="9525">
                   <a:solidFill>
                     <a:srgbClr val="000000"/>
                   </a:solidFill>
@@ -4402,7 +4402,7 @@
             </a:ln>
             <a:extLst>
               <a:ext uri="{91240B29-F687-4f45-9708-019B960494DF}">
-                <a14:hiddenLine xmlns:a14="http://schemas.microsoft.com/office/drawing/2010/main" xmlns="" w="9525">
+                <a14:hiddenLine xmlns="" xmlns:a14="http://schemas.microsoft.com/office/drawing/2010/main" w="9525">
                   <a:solidFill>
                     <a:srgbClr val="000000"/>
                   </a:solidFill>
@@ -4464,7 +4464,7 @@
             </a:ln>
             <a:extLst>
               <a:ext uri="{91240B29-F687-4f45-9708-019B960494DF}">
-                <a14:hiddenLine xmlns:a14="http://schemas.microsoft.com/office/drawing/2010/main" xmlns="" w="9525">
+                <a14:hiddenLine xmlns="" xmlns:a14="http://schemas.microsoft.com/office/drawing/2010/main" w="9525">
                   <a:solidFill>
                     <a:srgbClr val="000000"/>
                   </a:solidFill>
@@ -4584,7 +4584,7 @@
             </a:ln>
             <a:extLst>
               <a:ext uri="{91240B29-F687-4f45-9708-019B960494DF}">
-                <a14:hiddenLine xmlns:a14="http://schemas.microsoft.com/office/drawing/2010/main" xmlns="" w="9525">
+                <a14:hiddenLine xmlns="" xmlns:a14="http://schemas.microsoft.com/office/drawing/2010/main" w="9525">
                   <a:solidFill>
                     <a:srgbClr val="000000"/>
                   </a:solidFill>
@@ -4652,7 +4652,7 @@
             </a:ln>
             <a:extLst>
               <a:ext uri="{91240B29-F687-4f45-9708-019B960494DF}">
-                <a14:hiddenLine xmlns:a14="http://schemas.microsoft.com/office/drawing/2010/main" xmlns="" w="9525">
+                <a14:hiddenLine xmlns="" xmlns:a14="http://schemas.microsoft.com/office/drawing/2010/main" w="9525">
                   <a:solidFill>
                     <a:srgbClr val="000000"/>
                   </a:solidFill>
@@ -4742,7 +4742,7 @@
             </a:ln>
             <a:extLst>
               <a:ext uri="{91240B29-F687-4f45-9708-019B960494DF}">
-                <a14:hiddenLine xmlns:a14="http://schemas.microsoft.com/office/drawing/2010/main" xmlns="" w="9525">
+                <a14:hiddenLine xmlns="" xmlns:a14="http://schemas.microsoft.com/office/drawing/2010/main" w="9525">
                   <a:solidFill>
                     <a:srgbClr val="000000"/>
                   </a:solidFill>
@@ -9464,7 +9464,7 @@
           <a:noFill/>
           <a:extLst>
             <a:ext uri="{909E8E84-426E-40dd-AFC4-6F175D3DCCD1}">
-              <a14:hiddenFill xmlns:a14="http://schemas.microsoft.com/office/drawing/2010/main" xmlns="">
+              <a14:hiddenFill xmlns="" xmlns:a14="http://schemas.microsoft.com/office/drawing/2010/main">
                 <a:solidFill>
                   <a:srgbClr val="FFFFFF"/>
                 </a:solidFill>
@@ -9538,7 +9538,7 @@
               </a:ln>
               <a:extLst>
                 <a:ext uri="{91240B29-F687-4f45-9708-019B960494DF}">
-                  <a14:hiddenLine xmlns:a14="http://schemas.microsoft.com/office/drawing/2010/main" xmlns="" w="9525">
+                  <a14:hiddenLine xmlns="" xmlns:a14="http://schemas.microsoft.com/office/drawing/2010/main" w="9525">
                     <a:solidFill>
                       <a:srgbClr val="000000"/>
                     </a:solidFill>
@@ -9628,7 +9628,7 @@
               </a:ln>
               <a:extLst>
                 <a:ext uri="{91240B29-F687-4f45-9708-019B960494DF}">
-                  <a14:hiddenLine xmlns:a14="http://schemas.microsoft.com/office/drawing/2010/main" xmlns="" w="9525">
+                  <a14:hiddenLine xmlns="" xmlns:a14="http://schemas.microsoft.com/office/drawing/2010/main" w="9525">
                     <a:solidFill>
                       <a:srgbClr val="000000"/>
                     </a:solidFill>
@@ -9718,7 +9718,7 @@
               </a:ln>
               <a:extLst>
                 <a:ext uri="{91240B29-F687-4f45-9708-019B960494DF}">
-                  <a14:hiddenLine xmlns:a14="http://schemas.microsoft.com/office/drawing/2010/main" xmlns="" w="9525">
+                  <a14:hiddenLine xmlns="" xmlns:a14="http://schemas.microsoft.com/office/drawing/2010/main" w="9525">
                     <a:solidFill>
                       <a:srgbClr val="000000"/>
                     </a:solidFill>
@@ -9780,7 +9780,7 @@
               </a:ln>
               <a:extLst>
                 <a:ext uri="{91240B29-F687-4f45-9708-019B960494DF}">
-                  <a14:hiddenLine xmlns:a14="http://schemas.microsoft.com/office/drawing/2010/main" xmlns="" w="9525">
+                  <a14:hiddenLine xmlns="" xmlns:a14="http://schemas.microsoft.com/office/drawing/2010/main" w="9525">
                     <a:solidFill>
                       <a:srgbClr val="000000"/>
                     </a:solidFill>
@@ -9870,7 +9870,7 @@
               </a:ln>
               <a:extLst>
                 <a:ext uri="{91240B29-F687-4f45-9708-019B960494DF}">
-                  <a14:hiddenLine xmlns:a14="http://schemas.microsoft.com/office/drawing/2010/main" xmlns="" w="9525">
+                  <a14:hiddenLine xmlns="" xmlns:a14="http://schemas.microsoft.com/office/drawing/2010/main" w="9525">
                     <a:solidFill>
                       <a:srgbClr val="000000"/>
                     </a:solidFill>
@@ -9932,7 +9932,7 @@
               </a:ln>
               <a:extLst>
                 <a:ext uri="{91240B29-F687-4f45-9708-019B960494DF}">
-                  <a14:hiddenLine xmlns:a14="http://schemas.microsoft.com/office/drawing/2010/main" xmlns="" w="9525">
+                  <a14:hiddenLine xmlns="" xmlns:a14="http://schemas.microsoft.com/office/drawing/2010/main" w="9525">
                     <a:solidFill>
                       <a:srgbClr val="000000"/>
                     </a:solidFill>
@@ -9994,7 +9994,7 @@
               </a:ln>
               <a:extLst>
                 <a:ext uri="{91240B29-F687-4f45-9708-019B960494DF}">
-                  <a14:hiddenLine xmlns:a14="http://schemas.microsoft.com/office/drawing/2010/main" xmlns="" w="9525">
+                  <a14:hiddenLine xmlns="" xmlns:a14="http://schemas.microsoft.com/office/drawing/2010/main" w="9525">
                     <a:solidFill>
                       <a:srgbClr val="000000"/>
                     </a:solidFill>
@@ -10084,7 +10084,7 @@
               </a:ln>
               <a:extLst>
                 <a:ext uri="{91240B29-F687-4f45-9708-019B960494DF}">
-                  <a14:hiddenLine xmlns:a14="http://schemas.microsoft.com/office/drawing/2010/main" xmlns="" w="9525">
+                  <a14:hiddenLine xmlns="" xmlns:a14="http://schemas.microsoft.com/office/drawing/2010/main" w="9525">
                     <a:solidFill>
                       <a:srgbClr val="000000"/>
                     </a:solidFill>
@@ -10174,7 +10174,7 @@
               </a:ln>
               <a:extLst>
                 <a:ext uri="{91240B29-F687-4f45-9708-019B960494DF}">
-                  <a14:hiddenLine xmlns:a14="http://schemas.microsoft.com/office/drawing/2010/main" xmlns="" w="9525">
+                  <a14:hiddenLine xmlns="" xmlns:a14="http://schemas.microsoft.com/office/drawing/2010/main" w="9525">
                     <a:solidFill>
                       <a:srgbClr val="000000"/>
                     </a:solidFill>
@@ -10236,7 +10236,7 @@
               </a:ln>
               <a:extLst>
                 <a:ext uri="{91240B29-F687-4f45-9708-019B960494DF}">
-                  <a14:hiddenLine xmlns:a14="http://schemas.microsoft.com/office/drawing/2010/main" xmlns="" w="9525">
+                  <a14:hiddenLine xmlns="" xmlns:a14="http://schemas.microsoft.com/office/drawing/2010/main" w="9525">
                     <a:solidFill>
                       <a:srgbClr val="000000"/>
                     </a:solidFill>
@@ -10346,7 +10346,7 @@
               </a:ln>
               <a:extLst>
                 <a:ext uri="{91240B29-F687-4f45-9708-019B960494DF}">
-                  <a14:hiddenLine xmlns:a14="http://schemas.microsoft.com/office/drawing/2010/main" xmlns="" w="9525">
+                  <a14:hiddenLine xmlns="" xmlns:a14="http://schemas.microsoft.com/office/drawing/2010/main" w="9525">
                     <a:solidFill>
                       <a:srgbClr val="000000"/>
                     </a:solidFill>
@@ -10430,7 +10430,7 @@
               </a:ln>
               <a:extLst>
                 <a:ext uri="{91240B29-F687-4f45-9708-019B960494DF}">
-                  <a14:hiddenLine xmlns:a14="http://schemas.microsoft.com/office/drawing/2010/main" xmlns="" w="9525">
+                  <a14:hiddenLine xmlns="" xmlns:a14="http://schemas.microsoft.com/office/drawing/2010/main" w="9525">
                     <a:solidFill>
                       <a:srgbClr val="000000"/>
                     </a:solidFill>
@@ -10492,7 +10492,7 @@
               </a:ln>
               <a:extLst>
                 <a:ext uri="{91240B29-F687-4f45-9708-019B960494DF}">
-                  <a14:hiddenLine xmlns:a14="http://schemas.microsoft.com/office/drawing/2010/main" xmlns="" w="9525">
+                  <a14:hiddenLine xmlns="" xmlns:a14="http://schemas.microsoft.com/office/drawing/2010/main" w="9525">
                     <a:solidFill>
                       <a:srgbClr val="000000"/>
                     </a:solidFill>
@@ -10554,7 +10554,7 @@
               </a:ln>
               <a:extLst>
                 <a:ext uri="{91240B29-F687-4f45-9708-019B960494DF}">
-                  <a14:hiddenLine xmlns:a14="http://schemas.microsoft.com/office/drawing/2010/main" xmlns="" w="9525">
+                  <a14:hiddenLine xmlns="" xmlns:a14="http://schemas.microsoft.com/office/drawing/2010/main" w="9525">
                     <a:solidFill>
                       <a:srgbClr val="000000"/>
                     </a:solidFill>
@@ -10644,7 +10644,7 @@
               </a:ln>
               <a:extLst>
                 <a:ext uri="{91240B29-F687-4f45-9708-019B960494DF}">
-                  <a14:hiddenLine xmlns:a14="http://schemas.microsoft.com/office/drawing/2010/main" xmlns="" w="9525">
+                  <a14:hiddenLine xmlns="" xmlns:a14="http://schemas.microsoft.com/office/drawing/2010/main" w="9525">
                     <a:solidFill>
                       <a:srgbClr val="000000"/>
                     </a:solidFill>
@@ -10678,7 +10678,7 @@
               </a:ln>
               <a:extLst>
                 <a:ext uri="{91240B29-F687-4f45-9708-019B960494DF}">
-                  <a14:hiddenLine xmlns:a14="http://schemas.microsoft.com/office/drawing/2010/main" xmlns="" w="9525">
+                  <a14:hiddenLine xmlns="" xmlns:a14="http://schemas.microsoft.com/office/drawing/2010/main" w="9525">
                     <a:solidFill>
                       <a:srgbClr val="000000"/>
                     </a:solidFill>
@@ -10743,7 +10743,7 @@
               </a:ln>
               <a:extLst>
                 <a:ext uri="{91240B29-F687-4f45-9708-019B960494DF}">
-                  <a14:hiddenLine xmlns:a14="http://schemas.microsoft.com/office/drawing/2010/main" xmlns="" w="9525">
+                  <a14:hiddenLine xmlns="" xmlns:a14="http://schemas.microsoft.com/office/drawing/2010/main" w="9525">
                     <a:solidFill>
                       <a:srgbClr val="000000"/>
                     </a:solidFill>
@@ -10833,7 +10833,7 @@
               </a:ln>
               <a:extLst>
                 <a:ext uri="{91240B29-F687-4f45-9708-019B960494DF}">
-                  <a14:hiddenLine xmlns:a14="http://schemas.microsoft.com/office/drawing/2010/main" xmlns="" w="9525">
+                  <a14:hiddenLine xmlns="" xmlns:a14="http://schemas.microsoft.com/office/drawing/2010/main" w="9525">
                     <a:solidFill>
                       <a:srgbClr val="000000"/>
                     </a:solidFill>
@@ -10895,7 +10895,7 @@
               </a:ln>
               <a:extLst>
                 <a:ext uri="{91240B29-F687-4f45-9708-019B960494DF}">
-                  <a14:hiddenLine xmlns:a14="http://schemas.microsoft.com/office/drawing/2010/main" xmlns="" w="9525">
+                  <a14:hiddenLine xmlns="" xmlns:a14="http://schemas.microsoft.com/office/drawing/2010/main" w="9525">
                     <a:solidFill>
                       <a:srgbClr val="000000"/>
                     </a:solidFill>
@@ -10985,7 +10985,7 @@
               </a:ln>
               <a:extLst>
                 <a:ext uri="{91240B29-F687-4f45-9708-019B960494DF}">
-                  <a14:hiddenLine xmlns:a14="http://schemas.microsoft.com/office/drawing/2010/main" xmlns="" w="9525">
+                  <a14:hiddenLine xmlns="" xmlns:a14="http://schemas.microsoft.com/office/drawing/2010/main" w="9525">
                     <a:solidFill>
                       <a:srgbClr val="000000"/>
                     </a:solidFill>
@@ -11050,7 +11050,7 @@
               </a:ln>
               <a:extLst>
                 <a:ext uri="{91240B29-F687-4f45-9708-019B960494DF}">
-                  <a14:hiddenLine xmlns:a14="http://schemas.microsoft.com/office/drawing/2010/main" xmlns="" w="9525">
+                  <a14:hiddenLine xmlns="" xmlns:a14="http://schemas.microsoft.com/office/drawing/2010/main" w="9525">
                     <a:solidFill>
                       <a:srgbClr val="000000"/>
                     </a:solidFill>
@@ -11112,7 +11112,7 @@
               </a:ln>
               <a:extLst>
                 <a:ext uri="{91240B29-F687-4f45-9708-019B960494DF}">
-                  <a14:hiddenLine xmlns:a14="http://schemas.microsoft.com/office/drawing/2010/main" xmlns="" w="9525">
+                  <a14:hiddenLine xmlns="" xmlns:a14="http://schemas.microsoft.com/office/drawing/2010/main" w="9525">
                     <a:solidFill>
                       <a:srgbClr val="000000"/>
                     </a:solidFill>
@@ -11202,7 +11202,7 @@
               </a:ln>
               <a:extLst>
                 <a:ext uri="{91240B29-F687-4f45-9708-019B960494DF}">
-                  <a14:hiddenLine xmlns:a14="http://schemas.microsoft.com/office/drawing/2010/main" xmlns="" w="9525">
+                  <a14:hiddenLine xmlns="" xmlns:a14="http://schemas.microsoft.com/office/drawing/2010/main" w="9525">
                     <a:solidFill>
                       <a:srgbClr val="000000"/>
                     </a:solidFill>
@@ -11292,7 +11292,7 @@
               </a:ln>
               <a:extLst>
                 <a:ext uri="{91240B29-F687-4f45-9708-019B960494DF}">
-                  <a14:hiddenLine xmlns:a14="http://schemas.microsoft.com/office/drawing/2010/main" xmlns="" w="9525">
+                  <a14:hiddenLine xmlns="" xmlns:a14="http://schemas.microsoft.com/office/drawing/2010/main" w="9525">
                     <a:solidFill>
                       <a:srgbClr val="000000"/>
                     </a:solidFill>
@@ -11357,7 +11357,7 @@
               </a:ln>
               <a:extLst>
                 <a:ext uri="{91240B29-F687-4f45-9708-019B960494DF}">
-                  <a14:hiddenLine xmlns:a14="http://schemas.microsoft.com/office/drawing/2010/main" xmlns="" w="9525">
+                  <a14:hiddenLine xmlns="" xmlns:a14="http://schemas.microsoft.com/office/drawing/2010/main" w="9525">
                     <a:solidFill>
                       <a:srgbClr val="000000"/>
                     </a:solidFill>
@@ -11477,7 +11477,7 @@
               </a:ln>
               <a:extLst>
                 <a:ext uri="{91240B29-F687-4f45-9708-019B960494DF}">
-                  <a14:hiddenLine xmlns:a14="http://schemas.microsoft.com/office/drawing/2010/main" xmlns="" w="9525">
+                  <a14:hiddenLine xmlns="" xmlns:a14="http://schemas.microsoft.com/office/drawing/2010/main" w="9525">
                     <a:solidFill>
                       <a:srgbClr val="000000"/>
                     </a:solidFill>
@@ -11575,7 +11575,7 @@
               </a:ln>
               <a:extLst>
                 <a:ext uri="{91240B29-F687-4f45-9708-019B960494DF}">
-                  <a14:hiddenLine xmlns:a14="http://schemas.microsoft.com/office/drawing/2010/main" xmlns="" w="9525">
+                  <a14:hiddenLine xmlns="" xmlns:a14="http://schemas.microsoft.com/office/drawing/2010/main" w="9525">
                     <a:solidFill>
                       <a:srgbClr val="000000"/>
                     </a:solidFill>
@@ -11690,7 +11690,7 @@
               </a:ln>
               <a:extLst>
                 <a:ext uri="{91240B29-F687-4f45-9708-019B960494DF}">
-                  <a14:hiddenLine xmlns:a14="http://schemas.microsoft.com/office/drawing/2010/main" xmlns="" w="9525">
+                  <a14:hiddenLine xmlns="" xmlns:a14="http://schemas.microsoft.com/office/drawing/2010/main" w="9525">
                     <a:solidFill>
                       <a:srgbClr val="000000"/>
                     </a:solidFill>
@@ -11780,7 +11780,7 @@
               </a:ln>
               <a:extLst>
                 <a:ext uri="{91240B29-F687-4f45-9708-019B960494DF}">
-                  <a14:hiddenLine xmlns:a14="http://schemas.microsoft.com/office/drawing/2010/main" xmlns="" w="9525">
+                  <a14:hiddenLine xmlns="" xmlns:a14="http://schemas.microsoft.com/office/drawing/2010/main" w="9525">
                     <a:solidFill>
                       <a:srgbClr val="000000"/>
                     </a:solidFill>
@@ -11845,7 +11845,7 @@
               </a:ln>
               <a:extLst>
                 <a:ext uri="{91240B29-F687-4f45-9708-019B960494DF}">
-                  <a14:hiddenLine xmlns:a14="http://schemas.microsoft.com/office/drawing/2010/main" xmlns="" w="9525">
+                  <a14:hiddenLine xmlns="" xmlns:a14="http://schemas.microsoft.com/office/drawing/2010/main" w="9525">
                     <a:solidFill>
                       <a:srgbClr val="000000"/>
                     </a:solidFill>
@@ -11935,7 +11935,7 @@
               </a:ln>
               <a:extLst>
                 <a:ext uri="{91240B29-F687-4f45-9708-019B960494DF}">
-                  <a14:hiddenLine xmlns:a14="http://schemas.microsoft.com/office/drawing/2010/main" xmlns="" w="9525">
+                  <a14:hiddenLine xmlns="" xmlns:a14="http://schemas.microsoft.com/office/drawing/2010/main" w="9525">
                     <a:solidFill>
                       <a:srgbClr val="000000"/>
                     </a:solidFill>
@@ -12003,7 +12003,7 @@
               </a:ln>
               <a:extLst>
                 <a:ext uri="{91240B29-F687-4f45-9708-019B960494DF}">
-                  <a14:hiddenLine xmlns:a14="http://schemas.microsoft.com/office/drawing/2010/main" xmlns="" w="9525">
+                  <a14:hiddenLine xmlns="" xmlns:a14="http://schemas.microsoft.com/office/drawing/2010/main" w="9525">
                     <a:solidFill>
                       <a:srgbClr val="000000"/>
                     </a:solidFill>
@@ -12093,7 +12093,7 @@
               </a:ln>
               <a:extLst>
                 <a:ext uri="{91240B29-F687-4f45-9708-019B960494DF}">
-                  <a14:hiddenLine xmlns:a14="http://schemas.microsoft.com/office/drawing/2010/main" xmlns="" w="9525">
+                  <a14:hiddenLine xmlns="" xmlns:a14="http://schemas.microsoft.com/office/drawing/2010/main" w="9525">
                     <a:solidFill>
                       <a:srgbClr val="000000"/>
                     </a:solidFill>
@@ -12161,7 +12161,7 @@
               </a:ln>
               <a:extLst>
                 <a:ext uri="{91240B29-F687-4f45-9708-019B960494DF}">
-                  <a14:hiddenLine xmlns:a14="http://schemas.microsoft.com/office/drawing/2010/main" xmlns="" w="9525">
+                  <a14:hiddenLine xmlns="" xmlns:a14="http://schemas.microsoft.com/office/drawing/2010/main" w="9525">
                     <a:solidFill>
                       <a:srgbClr val="000000"/>
                     </a:solidFill>
@@ -12251,7 +12251,7 @@
               </a:ln>
               <a:extLst>
                 <a:ext uri="{91240B29-F687-4f45-9708-019B960494DF}">
-                  <a14:hiddenLine xmlns:a14="http://schemas.microsoft.com/office/drawing/2010/main" xmlns="" w="9525">
+                  <a14:hiddenLine xmlns="" xmlns:a14="http://schemas.microsoft.com/office/drawing/2010/main" w="9525">
                     <a:solidFill>
                       <a:srgbClr val="000000"/>
                     </a:solidFill>
@@ -12285,7 +12285,7 @@
               </a:ln>
               <a:extLst>
                 <a:ext uri="{91240B29-F687-4f45-9708-019B960494DF}">
-                  <a14:hiddenLine xmlns:a14="http://schemas.microsoft.com/office/drawing/2010/main" xmlns="" w="9525">
+                  <a14:hiddenLine xmlns="" xmlns:a14="http://schemas.microsoft.com/office/drawing/2010/main" w="9525">
                     <a:solidFill>
                       <a:srgbClr val="000000"/>
                     </a:solidFill>
@@ -13222,10 +13222,15 @@
             <p:ph idx="1"/>
           </p:nvPr>
         </p:nvSpPr>
-        <p:spPr/>
+        <p:spPr>
+          <a:xfrm>
+            <a:off x="1141412" y="2249486"/>
+            <a:ext cx="9905999" cy="4042045"/>
+          </a:xfrm>
+        </p:spPr>
         <p:txBody>
           <a:bodyPr>
-            <a:normAutofit/>
+            <a:normAutofit lnSpcReduction="10000"/>
           </a:bodyPr>
           <a:lstStyle/>
           <a:p>
@@ -13233,6 +13238,26 @@
               <a:rPr lang="en-US" dirty="0"/>
               <a:t>The centrality of the location in the US has proven to affect the US Housing Price value. Homes in cities, for example, tend to be placed at a higher price than homes in the suburbs. When comparing these addresses, it has been shown that homes in cities were the most expensive compared to the other types of homes. </a:t>
             </a:r>
+          </a:p>
+          <a:p>
+            <a:r>
+              <a:rPr lang="en-US" dirty="0">
+                <a:hlinkClick r:id="rId2"/>
+              </a:rPr>
+              <a:t>https://www.visualcapitalist.com/20-years-of-home-price-changes-in-every-u-s-city/</a:t>
+            </a:r>
+            <a:endParaRPr lang="en-US" dirty="0"/>
+          </a:p>
+          <a:p>
+            <a:r>
+              <a:rPr lang="en-US" dirty="0"/>
+              <a:t>This website has the comparison of US Housing Price between </a:t>
+            </a:r>
+            <a:r>
+              <a:rPr lang="en-US"/>
+              <a:t>cities throughout 20 years</a:t>
+            </a:r>
+            <a:endParaRPr lang="en-US" dirty="0"/>
           </a:p>
         </p:txBody>
       </p:sp>
@@ -13398,7 +13423,7 @@
           <a:noFill/>
           <a:extLst>
             <a:ext uri="{909E8E84-426E-40dd-AFC4-6F175D3DCCD1}">
-              <a14:hiddenFill xmlns:a14="http://schemas.microsoft.com/office/drawing/2010/main" xmlns:p14="http://schemas.microsoft.com/office/powerpoint/2010/main" xmlns:a16="http://schemas.microsoft.com/office/drawing/2014/main" xmlns="">
+              <a14:hiddenFill xmlns="" xmlns:a16="http://schemas.microsoft.com/office/drawing/2014/main" xmlns:p14="http://schemas.microsoft.com/office/powerpoint/2010/main" xmlns:a14="http://schemas.microsoft.com/office/drawing/2010/main">
                 <a:solidFill>
                   <a:srgbClr val="FFFFFF"/>
                 </a:solidFill>
@@ -13576,7 +13601,7 @@
             </a:ln>
             <a:extLst>
               <a:ext uri="{91240B29-F687-4f45-9708-019B960494DF}">
-                <a14:hiddenLine xmlns:a14="http://schemas.microsoft.com/office/drawing/2010/main" xmlns:p14="http://schemas.microsoft.com/office/powerpoint/2010/main" xmlns:a16="http://schemas.microsoft.com/office/drawing/2014/main" xmlns="" w="9525">
+                <a14:hiddenLine xmlns="" xmlns:a16="http://schemas.microsoft.com/office/drawing/2014/main" xmlns:p14="http://schemas.microsoft.com/office/powerpoint/2010/main" xmlns:a14="http://schemas.microsoft.com/office/drawing/2010/main" w="9525">
                   <a:solidFill>
                     <a:srgbClr val="000000"/>
                   </a:solidFill>
@@ -13681,7 +13706,7 @@
             </a:ln>
             <a:extLst>
               <a:ext uri="{91240B29-F687-4f45-9708-019B960494DF}">
-                <a14:hiddenLine xmlns:a14="http://schemas.microsoft.com/office/drawing/2010/main" xmlns:p14="http://schemas.microsoft.com/office/powerpoint/2010/main" xmlns:a16="http://schemas.microsoft.com/office/drawing/2014/main" xmlns="" w="9525">
+                <a14:hiddenLine xmlns="" xmlns:a16="http://schemas.microsoft.com/office/drawing/2014/main" xmlns:p14="http://schemas.microsoft.com/office/powerpoint/2010/main" xmlns:a14="http://schemas.microsoft.com/office/drawing/2010/main" w="9525">
                   <a:solidFill>
                     <a:srgbClr val="000000"/>
                   </a:solidFill>
@@ -13786,7 +13811,7 @@
             </a:ln>
             <a:extLst>
               <a:ext uri="{91240B29-F687-4f45-9708-019B960494DF}">
-                <a14:hiddenLine xmlns:a14="http://schemas.microsoft.com/office/drawing/2010/main" xmlns:p14="http://schemas.microsoft.com/office/powerpoint/2010/main" xmlns:a16="http://schemas.microsoft.com/office/drawing/2014/main" xmlns="" w="9525">
+                <a14:hiddenLine xmlns="" xmlns:a16="http://schemas.microsoft.com/office/drawing/2014/main" xmlns:p14="http://schemas.microsoft.com/office/powerpoint/2010/main" xmlns:a14="http://schemas.microsoft.com/office/drawing/2010/main" w="9525">
                   <a:solidFill>
                     <a:srgbClr val="000000"/>
                   </a:solidFill>
@@ -13863,7 +13888,7 @@
             </a:ln>
             <a:extLst>
               <a:ext uri="{91240B29-F687-4f45-9708-019B960494DF}">
-                <a14:hiddenLine xmlns:a14="http://schemas.microsoft.com/office/drawing/2010/main" xmlns:p14="http://schemas.microsoft.com/office/powerpoint/2010/main" xmlns:a16="http://schemas.microsoft.com/office/drawing/2014/main" xmlns="" w="9525">
+                <a14:hiddenLine xmlns="" xmlns:a16="http://schemas.microsoft.com/office/drawing/2014/main" xmlns:p14="http://schemas.microsoft.com/office/powerpoint/2010/main" xmlns:a14="http://schemas.microsoft.com/office/drawing/2010/main" w="9525">
                   <a:solidFill>
                     <a:srgbClr val="000000"/>
                   </a:solidFill>
@@ -13968,7 +13993,7 @@
             </a:ln>
             <a:extLst>
               <a:ext uri="{91240B29-F687-4f45-9708-019B960494DF}">
-                <a14:hiddenLine xmlns:a14="http://schemas.microsoft.com/office/drawing/2010/main" xmlns:p14="http://schemas.microsoft.com/office/powerpoint/2010/main" xmlns:a16="http://schemas.microsoft.com/office/drawing/2014/main" xmlns="" w="9525">
+                <a14:hiddenLine xmlns="" xmlns:a16="http://schemas.microsoft.com/office/drawing/2014/main" xmlns:p14="http://schemas.microsoft.com/office/powerpoint/2010/main" xmlns:a14="http://schemas.microsoft.com/office/drawing/2010/main" w="9525">
                   <a:solidFill>
                     <a:srgbClr val="000000"/>
                   </a:solidFill>
@@ -14045,7 +14070,7 @@
             </a:ln>
             <a:extLst>
               <a:ext uri="{91240B29-F687-4f45-9708-019B960494DF}">
-                <a14:hiddenLine xmlns:a14="http://schemas.microsoft.com/office/drawing/2010/main" xmlns:p14="http://schemas.microsoft.com/office/powerpoint/2010/main" xmlns:a16="http://schemas.microsoft.com/office/drawing/2014/main" xmlns="" w="9525">
+                <a14:hiddenLine xmlns="" xmlns:a16="http://schemas.microsoft.com/office/drawing/2014/main" xmlns:p14="http://schemas.microsoft.com/office/powerpoint/2010/main" xmlns:a14="http://schemas.microsoft.com/office/drawing/2010/main" w="9525">
                   <a:solidFill>
                     <a:srgbClr val="000000"/>
                   </a:solidFill>
@@ -14122,7 +14147,7 @@
             </a:ln>
             <a:extLst>
               <a:ext uri="{91240B29-F687-4f45-9708-019B960494DF}">
-                <a14:hiddenLine xmlns:a14="http://schemas.microsoft.com/office/drawing/2010/main" xmlns:p14="http://schemas.microsoft.com/office/powerpoint/2010/main" xmlns:a16="http://schemas.microsoft.com/office/drawing/2014/main" xmlns="" w="9525">
+                <a14:hiddenLine xmlns="" xmlns:a16="http://schemas.microsoft.com/office/drawing/2014/main" xmlns:p14="http://schemas.microsoft.com/office/powerpoint/2010/main" xmlns:a14="http://schemas.microsoft.com/office/drawing/2010/main" w="9525">
                   <a:solidFill>
                     <a:srgbClr val="000000"/>
                   </a:solidFill>
@@ -14227,7 +14252,7 @@
             </a:ln>
             <a:extLst>
               <a:ext uri="{91240B29-F687-4f45-9708-019B960494DF}">
-                <a14:hiddenLine xmlns:a14="http://schemas.microsoft.com/office/drawing/2010/main" xmlns:p14="http://schemas.microsoft.com/office/powerpoint/2010/main" xmlns:a16="http://schemas.microsoft.com/office/drawing/2014/main" xmlns="" w="9525">
+                <a14:hiddenLine xmlns="" xmlns:a16="http://schemas.microsoft.com/office/drawing/2014/main" xmlns:p14="http://schemas.microsoft.com/office/powerpoint/2010/main" xmlns:a14="http://schemas.microsoft.com/office/drawing/2010/main" w="9525">
                   <a:solidFill>
                     <a:srgbClr val="000000"/>
                   </a:solidFill>
@@ -14332,7 +14357,7 @@
             </a:ln>
             <a:extLst>
               <a:ext uri="{91240B29-F687-4f45-9708-019B960494DF}">
-                <a14:hiddenLine xmlns:a14="http://schemas.microsoft.com/office/drawing/2010/main" xmlns:p14="http://schemas.microsoft.com/office/powerpoint/2010/main" xmlns:a16="http://schemas.microsoft.com/office/drawing/2014/main" xmlns="" w="9525">
+                <a14:hiddenLine xmlns="" xmlns:a16="http://schemas.microsoft.com/office/drawing/2014/main" xmlns:p14="http://schemas.microsoft.com/office/powerpoint/2010/main" xmlns:a14="http://schemas.microsoft.com/office/drawing/2010/main" w="9525">
                   <a:solidFill>
                     <a:srgbClr val="000000"/>
                   </a:solidFill>
@@ -14409,7 +14434,7 @@
             </a:ln>
             <a:extLst>
               <a:ext uri="{91240B29-F687-4f45-9708-019B960494DF}">
-                <a14:hiddenLine xmlns:a14="http://schemas.microsoft.com/office/drawing/2010/main" xmlns:p14="http://schemas.microsoft.com/office/powerpoint/2010/main" xmlns:a16="http://schemas.microsoft.com/office/drawing/2014/main" xmlns="" w="9525">
+                <a14:hiddenLine xmlns="" xmlns:a16="http://schemas.microsoft.com/office/drawing/2014/main" xmlns:p14="http://schemas.microsoft.com/office/powerpoint/2010/main" xmlns:a14="http://schemas.microsoft.com/office/drawing/2010/main" w="9525">
                   <a:solidFill>
                     <a:srgbClr val="000000"/>
                   </a:solidFill>
@@ -14534,7 +14559,7 @@
             </a:ln>
             <a:extLst>
               <a:ext uri="{91240B29-F687-4f45-9708-019B960494DF}">
-                <a14:hiddenLine xmlns:a14="http://schemas.microsoft.com/office/drawing/2010/main" xmlns:p14="http://schemas.microsoft.com/office/powerpoint/2010/main" xmlns:a16="http://schemas.microsoft.com/office/drawing/2014/main" xmlns="" w="9525">
+                <a14:hiddenLine xmlns="" xmlns:a16="http://schemas.microsoft.com/office/drawing/2014/main" xmlns:p14="http://schemas.microsoft.com/office/powerpoint/2010/main" xmlns:a14="http://schemas.microsoft.com/office/drawing/2010/main" w="9525">
                   <a:solidFill>
                     <a:srgbClr val="000000"/>
                   </a:solidFill>
@@ -14648,7 +14673,7 @@
             </a:ln>
             <a:extLst>
               <a:ext uri="{91240B29-F687-4f45-9708-019B960494DF}">
-                <a14:hiddenLine xmlns:a14="http://schemas.microsoft.com/office/drawing/2010/main" xmlns:p14="http://schemas.microsoft.com/office/powerpoint/2010/main" xmlns:a16="http://schemas.microsoft.com/office/drawing/2014/main" xmlns="" w="9525">
+                <a14:hiddenLine xmlns="" xmlns:a16="http://schemas.microsoft.com/office/drawing/2014/main" xmlns:p14="http://schemas.microsoft.com/office/powerpoint/2010/main" xmlns:a14="http://schemas.microsoft.com/office/drawing/2010/main" w="9525">
                   <a:solidFill>
                     <a:srgbClr val="000000"/>
                   </a:solidFill>
@@ -14725,7 +14750,7 @@
             </a:ln>
             <a:extLst>
               <a:ext uri="{91240B29-F687-4f45-9708-019B960494DF}">
-                <a14:hiddenLine xmlns:a14="http://schemas.microsoft.com/office/drawing/2010/main" xmlns:p14="http://schemas.microsoft.com/office/powerpoint/2010/main" xmlns:a16="http://schemas.microsoft.com/office/drawing/2014/main" xmlns="" w="9525">
+                <a14:hiddenLine xmlns="" xmlns:a16="http://schemas.microsoft.com/office/drawing/2014/main" xmlns:p14="http://schemas.microsoft.com/office/powerpoint/2010/main" xmlns:a14="http://schemas.microsoft.com/office/drawing/2010/main" w="9525">
                   <a:solidFill>
                     <a:srgbClr val="000000"/>
                   </a:solidFill>
@@ -14802,7 +14827,7 @@
             </a:ln>
             <a:extLst>
               <a:ext uri="{91240B29-F687-4f45-9708-019B960494DF}">
-                <a14:hiddenLine xmlns:a14="http://schemas.microsoft.com/office/drawing/2010/main" xmlns:p14="http://schemas.microsoft.com/office/powerpoint/2010/main" xmlns:a16="http://schemas.microsoft.com/office/drawing/2014/main" xmlns="" w="9525">
+                <a14:hiddenLine xmlns="" xmlns:a16="http://schemas.microsoft.com/office/drawing/2014/main" xmlns:p14="http://schemas.microsoft.com/office/powerpoint/2010/main" xmlns:a14="http://schemas.microsoft.com/office/drawing/2010/main" w="9525">
                   <a:solidFill>
                     <a:srgbClr val="000000"/>
                   </a:solidFill>
@@ -14907,7 +14932,7 @@
             </a:ln>
             <a:extLst>
               <a:ext uri="{91240B29-F687-4f45-9708-019B960494DF}">
-                <a14:hiddenLine xmlns:a14="http://schemas.microsoft.com/office/drawing/2010/main" xmlns:p14="http://schemas.microsoft.com/office/powerpoint/2010/main" xmlns:a16="http://schemas.microsoft.com/office/drawing/2014/main" xmlns="" w="9525">
+                <a14:hiddenLine xmlns="" xmlns:a16="http://schemas.microsoft.com/office/drawing/2014/main" xmlns:p14="http://schemas.microsoft.com/office/powerpoint/2010/main" xmlns:a14="http://schemas.microsoft.com/office/drawing/2010/main" w="9525">
                   <a:solidFill>
                     <a:srgbClr val="000000"/>
                   </a:solidFill>
@@ -14956,7 +14981,7 @@
             </a:ln>
             <a:extLst>
               <a:ext uri="{91240B29-F687-4f45-9708-019B960494DF}">
-                <a14:hiddenLine xmlns:a14="http://schemas.microsoft.com/office/drawing/2010/main" xmlns:p14="http://schemas.microsoft.com/office/powerpoint/2010/main" xmlns:a16="http://schemas.microsoft.com/office/drawing/2014/main" xmlns="" w="9525">
+                <a14:hiddenLine xmlns="" xmlns:a16="http://schemas.microsoft.com/office/drawing/2014/main" xmlns:p14="http://schemas.microsoft.com/office/powerpoint/2010/main" xmlns:a14="http://schemas.microsoft.com/office/drawing/2010/main" w="9525">
                   <a:solidFill>
                     <a:srgbClr val="000000"/>
                   </a:solidFill>
@@ -15036,7 +15061,7 @@
             </a:ln>
             <a:extLst>
               <a:ext uri="{91240B29-F687-4f45-9708-019B960494DF}">
-                <a14:hiddenLine xmlns:a14="http://schemas.microsoft.com/office/drawing/2010/main" xmlns:p14="http://schemas.microsoft.com/office/powerpoint/2010/main" xmlns:a16="http://schemas.microsoft.com/office/drawing/2014/main" xmlns="" w="9525">
+                <a14:hiddenLine xmlns="" xmlns:a16="http://schemas.microsoft.com/office/drawing/2014/main" xmlns:p14="http://schemas.microsoft.com/office/powerpoint/2010/main" xmlns:a14="http://schemas.microsoft.com/office/drawing/2010/main" w="9525">
                   <a:solidFill>
                     <a:srgbClr val="000000"/>
                   </a:solidFill>
@@ -15141,7 +15166,7 @@
             </a:ln>
             <a:extLst>
               <a:ext uri="{91240B29-F687-4f45-9708-019B960494DF}">
-                <a14:hiddenLine xmlns:a14="http://schemas.microsoft.com/office/drawing/2010/main" xmlns:p14="http://schemas.microsoft.com/office/powerpoint/2010/main" xmlns:a16="http://schemas.microsoft.com/office/drawing/2014/main" xmlns="" w="9525">
+                <a14:hiddenLine xmlns="" xmlns:a16="http://schemas.microsoft.com/office/drawing/2014/main" xmlns:p14="http://schemas.microsoft.com/office/powerpoint/2010/main" xmlns:a14="http://schemas.microsoft.com/office/drawing/2010/main" w="9525">
                   <a:solidFill>
                     <a:srgbClr val="000000"/>
                   </a:solidFill>
@@ -15218,7 +15243,7 @@
             </a:ln>
             <a:extLst>
               <a:ext uri="{91240B29-F687-4f45-9708-019B960494DF}">
-                <a14:hiddenLine xmlns:a14="http://schemas.microsoft.com/office/drawing/2010/main" xmlns:p14="http://schemas.microsoft.com/office/powerpoint/2010/main" xmlns:a16="http://schemas.microsoft.com/office/drawing/2014/main" xmlns="" w="9525">
+                <a14:hiddenLine xmlns="" xmlns:a16="http://schemas.microsoft.com/office/drawing/2014/main" xmlns:p14="http://schemas.microsoft.com/office/powerpoint/2010/main" xmlns:a14="http://schemas.microsoft.com/office/drawing/2010/main" w="9525">
                   <a:solidFill>
                     <a:srgbClr val="000000"/>
                   </a:solidFill>
@@ -15323,7 +15348,7 @@
             </a:ln>
             <a:extLst>
               <a:ext uri="{91240B29-F687-4f45-9708-019B960494DF}">
-                <a14:hiddenLine xmlns:a14="http://schemas.microsoft.com/office/drawing/2010/main" xmlns:p14="http://schemas.microsoft.com/office/powerpoint/2010/main" xmlns:a16="http://schemas.microsoft.com/office/drawing/2014/main" xmlns="" w="9525">
+                <a14:hiddenLine xmlns="" xmlns:a16="http://schemas.microsoft.com/office/drawing/2014/main" xmlns:p14="http://schemas.microsoft.com/office/powerpoint/2010/main" xmlns:a14="http://schemas.microsoft.com/office/drawing/2010/main" w="9525">
                   <a:solidFill>
                     <a:srgbClr val="000000"/>
                   </a:solidFill>
@@ -15403,7 +15428,7 @@
             </a:ln>
             <a:extLst>
               <a:ext uri="{91240B29-F687-4f45-9708-019B960494DF}">
-                <a14:hiddenLine xmlns:a14="http://schemas.microsoft.com/office/drawing/2010/main" xmlns:p14="http://schemas.microsoft.com/office/powerpoint/2010/main" xmlns:a16="http://schemas.microsoft.com/office/drawing/2014/main" xmlns="" w="9525">
+                <a14:hiddenLine xmlns="" xmlns:a16="http://schemas.microsoft.com/office/drawing/2014/main" xmlns:p14="http://schemas.microsoft.com/office/powerpoint/2010/main" xmlns:a14="http://schemas.microsoft.com/office/drawing/2010/main" w="9525">
                   <a:solidFill>
                     <a:srgbClr val="000000"/>
                   </a:solidFill>
@@ -15480,7 +15505,7 @@
             </a:ln>
             <a:extLst>
               <a:ext uri="{91240B29-F687-4f45-9708-019B960494DF}">
-                <a14:hiddenLine xmlns:a14="http://schemas.microsoft.com/office/drawing/2010/main" xmlns:p14="http://schemas.microsoft.com/office/powerpoint/2010/main" xmlns:a16="http://schemas.microsoft.com/office/drawing/2014/main" xmlns="" w="9525">
+                <a14:hiddenLine xmlns="" xmlns:a16="http://schemas.microsoft.com/office/drawing/2014/main" xmlns:p14="http://schemas.microsoft.com/office/powerpoint/2010/main" xmlns:a14="http://schemas.microsoft.com/office/drawing/2010/main" w="9525">
                   <a:solidFill>
                     <a:srgbClr val="000000"/>
                   </a:solidFill>
@@ -15585,7 +15610,7 @@
             </a:ln>
             <a:extLst>
               <a:ext uri="{91240B29-F687-4f45-9708-019B960494DF}">
-                <a14:hiddenLine xmlns:a14="http://schemas.microsoft.com/office/drawing/2010/main" xmlns:p14="http://schemas.microsoft.com/office/powerpoint/2010/main" xmlns:a16="http://schemas.microsoft.com/office/drawing/2014/main" xmlns="" w="9525">
+                <a14:hiddenLine xmlns="" xmlns:a16="http://schemas.microsoft.com/office/drawing/2014/main" xmlns:p14="http://schemas.microsoft.com/office/powerpoint/2010/main" xmlns:a14="http://schemas.microsoft.com/office/drawing/2010/main" w="9525">
                   <a:solidFill>
                     <a:srgbClr val="000000"/>
                   </a:solidFill>
@@ -15690,7 +15715,7 @@
             </a:ln>
             <a:extLst>
               <a:ext uri="{91240B29-F687-4f45-9708-019B960494DF}">
-                <a14:hiddenLine xmlns:a14="http://schemas.microsoft.com/office/drawing/2010/main" xmlns:p14="http://schemas.microsoft.com/office/powerpoint/2010/main" xmlns:a16="http://schemas.microsoft.com/office/drawing/2014/main" xmlns="" w="9525">
+                <a14:hiddenLine xmlns="" xmlns:a16="http://schemas.microsoft.com/office/drawing/2014/main" xmlns:p14="http://schemas.microsoft.com/office/powerpoint/2010/main" xmlns:a14="http://schemas.microsoft.com/office/drawing/2010/main" w="9525">
                   <a:solidFill>
                     <a:srgbClr val="000000"/>
                   </a:solidFill>
@@ -15770,7 +15795,7 @@
             </a:ln>
             <a:extLst>
               <a:ext uri="{91240B29-F687-4f45-9708-019B960494DF}">
-                <a14:hiddenLine xmlns:a14="http://schemas.microsoft.com/office/drawing/2010/main" xmlns:p14="http://schemas.microsoft.com/office/powerpoint/2010/main" xmlns:a16="http://schemas.microsoft.com/office/drawing/2014/main" xmlns="" w="9525">
+                <a14:hiddenLine xmlns="" xmlns:a16="http://schemas.microsoft.com/office/drawing/2014/main" xmlns:p14="http://schemas.microsoft.com/office/powerpoint/2010/main" xmlns:a14="http://schemas.microsoft.com/office/drawing/2010/main" w="9525">
                   <a:solidFill>
                     <a:srgbClr val="000000"/>
                   </a:solidFill>
@@ -15905,7 +15930,7 @@
             </a:ln>
             <a:extLst>
               <a:ext uri="{91240B29-F687-4f45-9708-019B960494DF}">
-                <a14:hiddenLine xmlns:a14="http://schemas.microsoft.com/office/drawing/2010/main" xmlns:p14="http://schemas.microsoft.com/office/powerpoint/2010/main" xmlns:a16="http://schemas.microsoft.com/office/drawing/2014/main" xmlns="" w="9525">
+                <a14:hiddenLine xmlns="" xmlns:a16="http://schemas.microsoft.com/office/drawing/2014/main" xmlns:p14="http://schemas.microsoft.com/office/powerpoint/2010/main" xmlns:a14="http://schemas.microsoft.com/office/drawing/2010/main" w="9525">
                   <a:solidFill>
                     <a:srgbClr val="000000"/>
                   </a:solidFill>
@@ -16328,7 +16353,7 @@
           <a:noFill/>
           <a:extLst>
             <a:ext uri="{909E8E84-426E-40dd-AFC4-6F175D3DCCD1}">
-              <a14:hiddenFill xmlns:a14="http://schemas.microsoft.com/office/drawing/2010/main" xmlns:p14="http://schemas.microsoft.com/office/powerpoint/2010/main" xmlns:a16="http://schemas.microsoft.com/office/drawing/2014/main" xmlns="">
+              <a14:hiddenFill xmlns="" xmlns:a16="http://schemas.microsoft.com/office/drawing/2014/main" xmlns:p14="http://schemas.microsoft.com/office/powerpoint/2010/main" xmlns:a14="http://schemas.microsoft.com/office/drawing/2010/main">
                 <a:solidFill>
                   <a:srgbClr val="FFFFFF"/>
                 </a:solidFill>
@@ -16506,7 +16531,7 @@
             </a:ln>
             <a:extLst>
               <a:ext uri="{91240B29-F687-4f45-9708-019B960494DF}">
-                <a14:hiddenLine xmlns:a14="http://schemas.microsoft.com/office/drawing/2010/main" xmlns:p14="http://schemas.microsoft.com/office/powerpoint/2010/main" xmlns:a16="http://schemas.microsoft.com/office/drawing/2014/main" xmlns="" w="9525">
+                <a14:hiddenLine xmlns="" xmlns:a16="http://schemas.microsoft.com/office/drawing/2014/main" xmlns:p14="http://schemas.microsoft.com/office/powerpoint/2010/main" xmlns:a14="http://schemas.microsoft.com/office/drawing/2010/main" w="9525">
                   <a:solidFill>
                     <a:srgbClr val="000000"/>
                   </a:solidFill>
@@ -16611,7 +16636,7 @@
             </a:ln>
             <a:extLst>
               <a:ext uri="{91240B29-F687-4f45-9708-019B960494DF}">
-                <a14:hiddenLine xmlns:a14="http://schemas.microsoft.com/office/drawing/2010/main" xmlns:p14="http://schemas.microsoft.com/office/powerpoint/2010/main" xmlns:a16="http://schemas.microsoft.com/office/drawing/2014/main" xmlns="" w="9525">
+                <a14:hiddenLine xmlns="" xmlns:a16="http://schemas.microsoft.com/office/drawing/2014/main" xmlns:p14="http://schemas.microsoft.com/office/powerpoint/2010/main" xmlns:a14="http://schemas.microsoft.com/office/drawing/2010/main" w="9525">
                   <a:solidFill>
                     <a:srgbClr val="000000"/>
                   </a:solidFill>
@@ -16716,7 +16741,7 @@
             </a:ln>
             <a:extLst>
               <a:ext uri="{91240B29-F687-4f45-9708-019B960494DF}">
-                <a14:hiddenLine xmlns:a14="http://schemas.microsoft.com/office/drawing/2010/main" xmlns:p14="http://schemas.microsoft.com/office/powerpoint/2010/main" xmlns:a16="http://schemas.microsoft.com/office/drawing/2014/main" xmlns="" w="9525">
+                <a14:hiddenLine xmlns="" xmlns:a16="http://schemas.microsoft.com/office/drawing/2014/main" xmlns:p14="http://schemas.microsoft.com/office/powerpoint/2010/main" xmlns:a14="http://schemas.microsoft.com/office/drawing/2010/main" w="9525">
                   <a:solidFill>
                     <a:srgbClr val="000000"/>
                   </a:solidFill>
@@ -16793,7 +16818,7 @@
             </a:ln>
             <a:extLst>
               <a:ext uri="{91240B29-F687-4f45-9708-019B960494DF}">
-                <a14:hiddenLine xmlns:a14="http://schemas.microsoft.com/office/drawing/2010/main" xmlns:p14="http://schemas.microsoft.com/office/powerpoint/2010/main" xmlns:a16="http://schemas.microsoft.com/office/drawing/2014/main" xmlns="" w="9525">
+                <a14:hiddenLine xmlns="" xmlns:a16="http://schemas.microsoft.com/office/drawing/2014/main" xmlns:p14="http://schemas.microsoft.com/office/powerpoint/2010/main" xmlns:a14="http://schemas.microsoft.com/office/drawing/2010/main" w="9525">
                   <a:solidFill>
                     <a:srgbClr val="000000"/>
                   </a:solidFill>
@@ -16898,7 +16923,7 @@
             </a:ln>
             <a:extLst>
               <a:ext uri="{91240B29-F687-4f45-9708-019B960494DF}">
-                <a14:hiddenLine xmlns:a14="http://schemas.microsoft.com/office/drawing/2010/main" xmlns:p14="http://schemas.microsoft.com/office/powerpoint/2010/main" xmlns:a16="http://schemas.microsoft.com/office/drawing/2014/main" xmlns="" w="9525">
+                <a14:hiddenLine xmlns="" xmlns:a16="http://schemas.microsoft.com/office/drawing/2014/main" xmlns:p14="http://schemas.microsoft.com/office/powerpoint/2010/main" xmlns:a14="http://schemas.microsoft.com/office/drawing/2010/main" w="9525">
                   <a:solidFill>
                     <a:srgbClr val="000000"/>
                   </a:solidFill>
@@ -16975,7 +17000,7 @@
             </a:ln>
             <a:extLst>
               <a:ext uri="{91240B29-F687-4f45-9708-019B960494DF}">
-                <a14:hiddenLine xmlns:a14="http://schemas.microsoft.com/office/drawing/2010/main" xmlns:p14="http://schemas.microsoft.com/office/powerpoint/2010/main" xmlns:a16="http://schemas.microsoft.com/office/drawing/2014/main" xmlns="" w="9525">
+                <a14:hiddenLine xmlns="" xmlns:a16="http://schemas.microsoft.com/office/drawing/2014/main" xmlns:p14="http://schemas.microsoft.com/office/powerpoint/2010/main" xmlns:a14="http://schemas.microsoft.com/office/drawing/2010/main" w="9525">
                   <a:solidFill>
                     <a:srgbClr val="000000"/>
                   </a:solidFill>
@@ -17052,7 +17077,7 @@
             </a:ln>
             <a:extLst>
               <a:ext uri="{91240B29-F687-4f45-9708-019B960494DF}">
-                <a14:hiddenLine xmlns:a14="http://schemas.microsoft.com/office/drawing/2010/main" xmlns:p14="http://schemas.microsoft.com/office/powerpoint/2010/main" xmlns:a16="http://schemas.microsoft.com/office/drawing/2014/main" xmlns="" w="9525">
+                <a14:hiddenLine xmlns="" xmlns:a16="http://schemas.microsoft.com/office/drawing/2014/main" xmlns:p14="http://schemas.microsoft.com/office/powerpoint/2010/main" xmlns:a14="http://schemas.microsoft.com/office/drawing/2010/main" w="9525">
                   <a:solidFill>
                     <a:srgbClr val="000000"/>
                   </a:solidFill>
@@ -17157,7 +17182,7 @@
             </a:ln>
             <a:extLst>
               <a:ext uri="{91240B29-F687-4f45-9708-019B960494DF}">
-                <a14:hiddenLine xmlns:a14="http://schemas.microsoft.com/office/drawing/2010/main" xmlns:p14="http://schemas.microsoft.com/office/powerpoint/2010/main" xmlns:a16="http://schemas.microsoft.com/office/drawing/2014/main" xmlns="" w="9525">
+                <a14:hiddenLine xmlns="" xmlns:a16="http://schemas.microsoft.com/office/drawing/2014/main" xmlns:p14="http://schemas.microsoft.com/office/powerpoint/2010/main" xmlns:a14="http://schemas.microsoft.com/office/drawing/2010/main" w="9525">
                   <a:solidFill>
                     <a:srgbClr val="000000"/>
                   </a:solidFill>
@@ -17262,7 +17287,7 @@
             </a:ln>
             <a:extLst>
               <a:ext uri="{91240B29-F687-4f45-9708-019B960494DF}">
-                <a14:hiddenLine xmlns:a14="http://schemas.microsoft.com/office/drawing/2010/main" xmlns:p14="http://schemas.microsoft.com/office/powerpoint/2010/main" xmlns:a16="http://schemas.microsoft.com/office/drawing/2014/main" xmlns="" w="9525">
+                <a14:hiddenLine xmlns="" xmlns:a16="http://schemas.microsoft.com/office/drawing/2014/main" xmlns:p14="http://schemas.microsoft.com/office/powerpoint/2010/main" xmlns:a14="http://schemas.microsoft.com/office/drawing/2010/main" w="9525">
                   <a:solidFill>
                     <a:srgbClr val="000000"/>
                   </a:solidFill>
@@ -17339,7 +17364,7 @@
             </a:ln>
             <a:extLst>
               <a:ext uri="{91240B29-F687-4f45-9708-019B960494DF}">
-                <a14:hiddenLine xmlns:a14="http://schemas.microsoft.com/office/drawing/2010/main" xmlns:p14="http://schemas.microsoft.com/office/powerpoint/2010/main" xmlns:a16="http://schemas.microsoft.com/office/drawing/2014/main" xmlns="" w="9525">
+                <a14:hiddenLine xmlns="" xmlns:a16="http://schemas.microsoft.com/office/drawing/2014/main" xmlns:p14="http://schemas.microsoft.com/office/powerpoint/2010/main" xmlns:a14="http://schemas.microsoft.com/office/drawing/2010/main" w="9525">
                   <a:solidFill>
                     <a:srgbClr val="000000"/>
                   </a:solidFill>
@@ -17464,7 +17489,7 @@
             </a:ln>
             <a:extLst>
               <a:ext uri="{91240B29-F687-4f45-9708-019B960494DF}">
-                <a14:hiddenLine xmlns:a14="http://schemas.microsoft.com/office/drawing/2010/main" xmlns:p14="http://schemas.microsoft.com/office/powerpoint/2010/main" xmlns:a16="http://schemas.microsoft.com/office/drawing/2014/main" xmlns="" w="9525">
+                <a14:hiddenLine xmlns="" xmlns:a16="http://schemas.microsoft.com/office/drawing/2014/main" xmlns:p14="http://schemas.microsoft.com/office/powerpoint/2010/main" xmlns:a14="http://schemas.microsoft.com/office/drawing/2010/main" w="9525">
                   <a:solidFill>
                     <a:srgbClr val="000000"/>
                   </a:solidFill>
@@ -17578,7 +17603,7 @@
             </a:ln>
             <a:extLst>
               <a:ext uri="{91240B29-F687-4f45-9708-019B960494DF}">
-                <a14:hiddenLine xmlns:a14="http://schemas.microsoft.com/office/drawing/2010/main" xmlns:p14="http://schemas.microsoft.com/office/powerpoint/2010/main" xmlns:a16="http://schemas.microsoft.com/office/drawing/2014/main" xmlns="" w="9525">
+                <a14:hiddenLine xmlns="" xmlns:a16="http://schemas.microsoft.com/office/drawing/2014/main" xmlns:p14="http://schemas.microsoft.com/office/powerpoint/2010/main" xmlns:a14="http://schemas.microsoft.com/office/drawing/2010/main" w="9525">
                   <a:solidFill>
                     <a:srgbClr val="000000"/>
                   </a:solidFill>
@@ -17655,7 +17680,7 @@
             </a:ln>
             <a:extLst>
               <a:ext uri="{91240B29-F687-4f45-9708-019B960494DF}">
-                <a14:hiddenLine xmlns:a14="http://schemas.microsoft.com/office/drawing/2010/main" xmlns:p14="http://schemas.microsoft.com/office/powerpoint/2010/main" xmlns:a16="http://schemas.microsoft.com/office/drawing/2014/main" xmlns="" w="9525">
+                <a14:hiddenLine xmlns="" xmlns:a16="http://schemas.microsoft.com/office/drawing/2014/main" xmlns:p14="http://schemas.microsoft.com/office/powerpoint/2010/main" xmlns:a14="http://schemas.microsoft.com/office/drawing/2010/main" w="9525">
                   <a:solidFill>
                     <a:srgbClr val="000000"/>
                   </a:solidFill>
@@ -17732,7 +17757,7 @@
             </a:ln>
             <a:extLst>
               <a:ext uri="{91240B29-F687-4f45-9708-019B960494DF}">
-                <a14:hiddenLine xmlns:a14="http://schemas.microsoft.com/office/drawing/2010/main" xmlns:p14="http://schemas.microsoft.com/office/powerpoint/2010/main" xmlns:a16="http://schemas.microsoft.com/office/drawing/2014/main" xmlns="" w="9525">
+                <a14:hiddenLine xmlns="" xmlns:a16="http://schemas.microsoft.com/office/drawing/2014/main" xmlns:p14="http://schemas.microsoft.com/office/powerpoint/2010/main" xmlns:a14="http://schemas.microsoft.com/office/drawing/2010/main" w="9525">
                   <a:solidFill>
                     <a:srgbClr val="000000"/>
                   </a:solidFill>
@@ -17837,7 +17862,7 @@
             </a:ln>
             <a:extLst>
               <a:ext uri="{91240B29-F687-4f45-9708-019B960494DF}">
-                <a14:hiddenLine xmlns:a14="http://schemas.microsoft.com/office/drawing/2010/main" xmlns:p14="http://schemas.microsoft.com/office/powerpoint/2010/main" xmlns:a16="http://schemas.microsoft.com/office/drawing/2014/main" xmlns="" w="9525">
+                <a14:hiddenLine xmlns="" xmlns:a16="http://schemas.microsoft.com/office/drawing/2014/main" xmlns:p14="http://schemas.microsoft.com/office/powerpoint/2010/main" xmlns:a14="http://schemas.microsoft.com/office/drawing/2010/main" w="9525">
                   <a:solidFill>
                     <a:srgbClr val="000000"/>
                   </a:solidFill>
@@ -17886,7 +17911,7 @@
             </a:ln>
             <a:extLst>
               <a:ext uri="{91240B29-F687-4f45-9708-019B960494DF}">
-                <a14:hiddenLine xmlns:a14="http://schemas.microsoft.com/office/drawing/2010/main" xmlns:p14="http://schemas.microsoft.com/office/powerpoint/2010/main" xmlns:a16="http://schemas.microsoft.com/office/drawing/2014/main" xmlns="" w="9525">
+                <a14:hiddenLine xmlns="" xmlns:a16="http://schemas.microsoft.com/office/drawing/2014/main" xmlns:p14="http://schemas.microsoft.com/office/powerpoint/2010/main" xmlns:a14="http://schemas.microsoft.com/office/drawing/2010/main" w="9525">
                   <a:solidFill>
                     <a:srgbClr val="000000"/>
                   </a:solidFill>
@@ -17966,7 +17991,7 @@
             </a:ln>
             <a:extLst>
               <a:ext uri="{91240B29-F687-4f45-9708-019B960494DF}">
-                <a14:hiddenLine xmlns:a14="http://schemas.microsoft.com/office/drawing/2010/main" xmlns:p14="http://schemas.microsoft.com/office/powerpoint/2010/main" xmlns:a16="http://schemas.microsoft.com/office/drawing/2014/main" xmlns="" w="9525">
+                <a14:hiddenLine xmlns="" xmlns:a16="http://schemas.microsoft.com/office/drawing/2014/main" xmlns:p14="http://schemas.microsoft.com/office/powerpoint/2010/main" xmlns:a14="http://schemas.microsoft.com/office/drawing/2010/main" w="9525">
                   <a:solidFill>
                     <a:srgbClr val="000000"/>
                   </a:solidFill>
@@ -18071,7 +18096,7 @@
             </a:ln>
             <a:extLst>
               <a:ext uri="{91240B29-F687-4f45-9708-019B960494DF}">
-                <a14:hiddenLine xmlns:a14="http://schemas.microsoft.com/office/drawing/2010/main" xmlns:p14="http://schemas.microsoft.com/office/powerpoint/2010/main" xmlns:a16="http://schemas.microsoft.com/office/drawing/2014/main" xmlns="" w="9525">
+                <a14:hiddenLine xmlns="" xmlns:a16="http://schemas.microsoft.com/office/drawing/2014/main" xmlns:p14="http://schemas.microsoft.com/office/powerpoint/2010/main" xmlns:a14="http://schemas.microsoft.com/office/drawing/2010/main" w="9525">
                   <a:solidFill>
                     <a:srgbClr val="000000"/>
                   </a:solidFill>
@@ -18148,7 +18173,7 @@
             </a:ln>
             <a:extLst>
               <a:ext uri="{91240B29-F687-4f45-9708-019B960494DF}">
-                <a14:hiddenLine xmlns:a14="http://schemas.microsoft.com/office/drawing/2010/main" xmlns:p14="http://schemas.microsoft.com/office/powerpoint/2010/main" xmlns:a16="http://schemas.microsoft.com/office/drawing/2014/main" xmlns="" w="9525">
+                <a14:hiddenLine xmlns="" xmlns:a16="http://schemas.microsoft.com/office/drawing/2014/main" xmlns:p14="http://schemas.microsoft.com/office/powerpoint/2010/main" xmlns:a14="http://schemas.microsoft.com/office/drawing/2010/main" w="9525">
                   <a:solidFill>
                     <a:srgbClr val="000000"/>
                   </a:solidFill>
@@ -18253,7 +18278,7 @@
             </a:ln>
             <a:extLst>
               <a:ext uri="{91240B29-F687-4f45-9708-019B960494DF}">
-                <a14:hiddenLine xmlns:a14="http://schemas.microsoft.com/office/drawing/2010/main" xmlns:p14="http://schemas.microsoft.com/office/powerpoint/2010/main" xmlns:a16="http://schemas.microsoft.com/office/drawing/2014/main" xmlns="" w="9525">
+                <a14:hiddenLine xmlns="" xmlns:a16="http://schemas.microsoft.com/office/drawing/2014/main" xmlns:p14="http://schemas.microsoft.com/office/powerpoint/2010/main" xmlns:a14="http://schemas.microsoft.com/office/drawing/2010/main" w="9525">
                   <a:solidFill>
                     <a:srgbClr val="000000"/>
                   </a:solidFill>
@@ -18333,7 +18358,7 @@
             </a:ln>
             <a:extLst>
               <a:ext uri="{91240B29-F687-4f45-9708-019B960494DF}">
-                <a14:hiddenLine xmlns:a14="http://schemas.microsoft.com/office/drawing/2010/main" xmlns:p14="http://schemas.microsoft.com/office/powerpoint/2010/main" xmlns:a16="http://schemas.microsoft.com/office/drawing/2014/main" xmlns="" w="9525">
+                <a14:hiddenLine xmlns="" xmlns:a16="http://schemas.microsoft.com/office/drawing/2014/main" xmlns:p14="http://schemas.microsoft.com/office/powerpoint/2010/main" xmlns:a14="http://schemas.microsoft.com/office/drawing/2010/main" w="9525">
                   <a:solidFill>
                     <a:srgbClr val="000000"/>
                   </a:solidFill>
@@ -18410,7 +18435,7 @@
             </a:ln>
             <a:extLst>
               <a:ext uri="{91240B29-F687-4f45-9708-019B960494DF}">
-                <a14:hiddenLine xmlns:a14="http://schemas.microsoft.com/office/drawing/2010/main" xmlns:p14="http://schemas.microsoft.com/office/powerpoint/2010/main" xmlns:a16="http://schemas.microsoft.com/office/drawing/2014/main" xmlns="" w="9525">
+                <a14:hiddenLine xmlns="" xmlns:a16="http://schemas.microsoft.com/office/drawing/2014/main" xmlns:p14="http://schemas.microsoft.com/office/powerpoint/2010/main" xmlns:a14="http://schemas.microsoft.com/office/drawing/2010/main" w="9525">
                   <a:solidFill>
                     <a:srgbClr val="000000"/>
                   </a:solidFill>
@@ -18515,7 +18540,7 @@
             </a:ln>
             <a:extLst>
               <a:ext uri="{91240B29-F687-4f45-9708-019B960494DF}">
-                <a14:hiddenLine xmlns:a14="http://schemas.microsoft.com/office/drawing/2010/main" xmlns:p14="http://schemas.microsoft.com/office/powerpoint/2010/main" xmlns:a16="http://schemas.microsoft.com/office/drawing/2014/main" xmlns="" w="9525">
+                <a14:hiddenLine xmlns="" xmlns:a16="http://schemas.microsoft.com/office/drawing/2014/main" xmlns:p14="http://schemas.microsoft.com/office/powerpoint/2010/main" xmlns:a14="http://schemas.microsoft.com/office/drawing/2010/main" w="9525">
                   <a:solidFill>
                     <a:srgbClr val="000000"/>
                   </a:solidFill>
@@ -18620,7 +18645,7 @@
             </a:ln>
             <a:extLst>
               <a:ext uri="{91240B29-F687-4f45-9708-019B960494DF}">
-                <a14:hiddenLine xmlns:a14="http://schemas.microsoft.com/office/drawing/2010/main" xmlns:p14="http://schemas.microsoft.com/office/powerpoint/2010/main" xmlns:a16="http://schemas.microsoft.com/office/drawing/2014/main" xmlns="" w="9525">
+                <a14:hiddenLine xmlns="" xmlns:a16="http://schemas.microsoft.com/office/drawing/2014/main" xmlns:p14="http://schemas.microsoft.com/office/powerpoint/2010/main" xmlns:a14="http://schemas.microsoft.com/office/drawing/2010/main" w="9525">
                   <a:solidFill>
                     <a:srgbClr val="000000"/>
                   </a:solidFill>
@@ -18700,7 +18725,7 @@
             </a:ln>
             <a:extLst>
               <a:ext uri="{91240B29-F687-4f45-9708-019B960494DF}">
-                <a14:hiddenLine xmlns:a14="http://schemas.microsoft.com/office/drawing/2010/main" xmlns:p14="http://schemas.microsoft.com/office/powerpoint/2010/main" xmlns:a16="http://schemas.microsoft.com/office/drawing/2014/main" xmlns="" w="9525">
+                <a14:hiddenLine xmlns="" xmlns:a16="http://schemas.microsoft.com/office/drawing/2014/main" xmlns:p14="http://schemas.microsoft.com/office/powerpoint/2010/main" xmlns:a14="http://schemas.microsoft.com/office/drawing/2010/main" w="9525">
                   <a:solidFill>
                     <a:srgbClr val="000000"/>
                   </a:solidFill>
@@ -18835,7 +18860,7 @@
             </a:ln>
             <a:extLst>
               <a:ext uri="{91240B29-F687-4f45-9708-019B960494DF}">
-                <a14:hiddenLine xmlns:a14="http://schemas.microsoft.com/office/drawing/2010/main" xmlns:p14="http://schemas.microsoft.com/office/powerpoint/2010/main" xmlns:a16="http://schemas.microsoft.com/office/drawing/2014/main" xmlns="" w="9525">
+                <a14:hiddenLine xmlns="" xmlns:a16="http://schemas.microsoft.com/office/drawing/2014/main" xmlns:p14="http://schemas.microsoft.com/office/powerpoint/2010/main" xmlns:a14="http://schemas.microsoft.com/office/drawing/2010/main" w="9525">
                   <a:solidFill>
                     <a:srgbClr val="000000"/>
                   </a:solidFill>
@@ -19710,7 +19735,7 @@
           </a:prstGeom>
           <a:extLst>
             <a:ext uri="{909E8E84-426E-40dd-AFC4-6F175D3DCCD1}">
-              <a14:hiddenFill xmlns:a14="http://schemas.microsoft.com/office/drawing/2010/main" xmlns:p14="http://schemas.microsoft.com/office/powerpoint/2010/main" xmlns:a16="http://schemas.microsoft.com/office/drawing/2014/main" xmlns="">
+              <a14:hiddenFill xmlns="" xmlns:a16="http://schemas.microsoft.com/office/drawing/2014/main" xmlns:p14="http://schemas.microsoft.com/office/powerpoint/2010/main" xmlns:a14="http://schemas.microsoft.com/office/drawing/2010/main">
                 <a:solidFill>
                   <a:srgbClr val="FFFFFF"/>
                 </a:solidFill>
@@ -19834,7 +19859,7 @@
           <a:noFill/>
           <a:extLst>
             <a:ext uri="{909E8E84-426E-40dd-AFC4-6F175D3DCCD1}">
-              <a14:hiddenFill xmlns:a14="http://schemas.microsoft.com/office/drawing/2010/main" xmlns:p14="http://schemas.microsoft.com/office/powerpoint/2010/main" xmlns:a16="http://schemas.microsoft.com/office/drawing/2014/main" xmlns="">
+              <a14:hiddenFill xmlns="" xmlns:a16="http://schemas.microsoft.com/office/drawing/2014/main" xmlns:p14="http://schemas.microsoft.com/office/powerpoint/2010/main" xmlns:a14="http://schemas.microsoft.com/office/drawing/2010/main">
                 <a:solidFill>
                   <a:srgbClr val="FFFFFF"/>
                 </a:solidFill>
@@ -20001,7 +20026,7 @@
             </a:ln>
             <a:extLst>
               <a:ext uri="{91240B29-F687-4f45-9708-019B960494DF}">
-                <a14:hiddenLine xmlns:a14="http://schemas.microsoft.com/office/drawing/2010/main" xmlns:p14="http://schemas.microsoft.com/office/powerpoint/2010/main" xmlns:a16="http://schemas.microsoft.com/office/drawing/2014/main" xmlns="" w="9525">
+                <a14:hiddenLine xmlns="" xmlns:a16="http://schemas.microsoft.com/office/drawing/2014/main" xmlns:p14="http://schemas.microsoft.com/office/powerpoint/2010/main" xmlns:a14="http://schemas.microsoft.com/office/drawing/2010/main" w="9525">
                   <a:solidFill>
                     <a:srgbClr val="000000"/>
                   </a:solidFill>
@@ -20106,7 +20131,7 @@
             </a:ln>
             <a:extLst>
               <a:ext uri="{91240B29-F687-4f45-9708-019B960494DF}">
-                <a14:hiddenLine xmlns:a14="http://schemas.microsoft.com/office/drawing/2010/main" xmlns:p14="http://schemas.microsoft.com/office/powerpoint/2010/main" xmlns:a16="http://schemas.microsoft.com/office/drawing/2014/main" xmlns="" w="9525">
+                <a14:hiddenLine xmlns="" xmlns:a16="http://schemas.microsoft.com/office/drawing/2014/main" xmlns:p14="http://schemas.microsoft.com/office/powerpoint/2010/main" xmlns:a14="http://schemas.microsoft.com/office/drawing/2010/main" w="9525">
                   <a:solidFill>
                     <a:srgbClr val="000000"/>
                   </a:solidFill>
@@ -20211,7 +20236,7 @@
             </a:ln>
             <a:extLst>
               <a:ext uri="{91240B29-F687-4f45-9708-019B960494DF}">
-                <a14:hiddenLine xmlns:a14="http://schemas.microsoft.com/office/drawing/2010/main" xmlns:p14="http://schemas.microsoft.com/office/powerpoint/2010/main" xmlns:a16="http://schemas.microsoft.com/office/drawing/2014/main" xmlns="" w="9525">
+                <a14:hiddenLine xmlns="" xmlns:a16="http://schemas.microsoft.com/office/drawing/2014/main" xmlns:p14="http://schemas.microsoft.com/office/powerpoint/2010/main" xmlns:a14="http://schemas.microsoft.com/office/drawing/2010/main" w="9525">
                   <a:solidFill>
                     <a:srgbClr val="000000"/>
                   </a:solidFill>
@@ -20288,7 +20313,7 @@
             </a:ln>
             <a:extLst>
               <a:ext uri="{91240B29-F687-4f45-9708-019B960494DF}">
-                <a14:hiddenLine xmlns:a14="http://schemas.microsoft.com/office/drawing/2010/main" xmlns:p14="http://schemas.microsoft.com/office/powerpoint/2010/main" xmlns:a16="http://schemas.microsoft.com/office/drawing/2014/main" xmlns="" w="9525">
+                <a14:hiddenLine xmlns="" xmlns:a16="http://schemas.microsoft.com/office/drawing/2014/main" xmlns:p14="http://schemas.microsoft.com/office/powerpoint/2010/main" xmlns:a14="http://schemas.microsoft.com/office/drawing/2010/main" w="9525">
                   <a:solidFill>
                     <a:srgbClr val="000000"/>
                   </a:solidFill>
@@ -20393,7 +20418,7 @@
             </a:ln>
             <a:extLst>
               <a:ext uri="{91240B29-F687-4f45-9708-019B960494DF}">
-                <a14:hiddenLine xmlns:a14="http://schemas.microsoft.com/office/drawing/2010/main" xmlns:p14="http://schemas.microsoft.com/office/powerpoint/2010/main" xmlns:a16="http://schemas.microsoft.com/office/drawing/2014/main" xmlns="" w="9525">
+                <a14:hiddenLine xmlns="" xmlns:a16="http://schemas.microsoft.com/office/drawing/2014/main" xmlns:p14="http://schemas.microsoft.com/office/powerpoint/2010/main" xmlns:a14="http://schemas.microsoft.com/office/drawing/2010/main" w="9525">
                   <a:solidFill>
                     <a:srgbClr val="000000"/>
                   </a:solidFill>
@@ -20470,7 +20495,7 @@
             </a:ln>
             <a:extLst>
               <a:ext uri="{91240B29-F687-4f45-9708-019B960494DF}">
-                <a14:hiddenLine xmlns:a14="http://schemas.microsoft.com/office/drawing/2010/main" xmlns:p14="http://schemas.microsoft.com/office/powerpoint/2010/main" xmlns:a16="http://schemas.microsoft.com/office/drawing/2014/main" xmlns="" w="9525">
+                <a14:hiddenLine xmlns="" xmlns:a16="http://schemas.microsoft.com/office/drawing/2014/main" xmlns:p14="http://schemas.microsoft.com/office/powerpoint/2010/main" xmlns:a14="http://schemas.microsoft.com/office/drawing/2010/main" w="9525">
                   <a:solidFill>
                     <a:srgbClr val="000000"/>
                   </a:solidFill>
@@ -20547,7 +20572,7 @@
             </a:ln>
             <a:extLst>
               <a:ext uri="{91240B29-F687-4f45-9708-019B960494DF}">
-                <a14:hiddenLine xmlns:a14="http://schemas.microsoft.com/office/drawing/2010/main" xmlns:p14="http://schemas.microsoft.com/office/powerpoint/2010/main" xmlns:a16="http://schemas.microsoft.com/office/drawing/2014/main" xmlns="" w="9525">
+                <a14:hiddenLine xmlns="" xmlns:a16="http://schemas.microsoft.com/office/drawing/2014/main" xmlns:p14="http://schemas.microsoft.com/office/powerpoint/2010/main" xmlns:a14="http://schemas.microsoft.com/office/drawing/2010/main" w="9525">
                   <a:solidFill>
                     <a:srgbClr val="000000"/>
                   </a:solidFill>
@@ -20652,7 +20677,7 @@
             </a:ln>
             <a:extLst>
               <a:ext uri="{91240B29-F687-4f45-9708-019B960494DF}">
-                <a14:hiddenLine xmlns:a14="http://schemas.microsoft.com/office/drawing/2010/main" xmlns:p14="http://schemas.microsoft.com/office/powerpoint/2010/main" xmlns:a16="http://schemas.microsoft.com/office/drawing/2014/main" xmlns="" w="9525">
+                <a14:hiddenLine xmlns="" xmlns:a16="http://schemas.microsoft.com/office/drawing/2014/main" xmlns:p14="http://schemas.microsoft.com/office/powerpoint/2010/main" xmlns:a14="http://schemas.microsoft.com/office/drawing/2010/main" w="9525">
                   <a:solidFill>
                     <a:srgbClr val="000000"/>
                   </a:solidFill>
@@ -20757,7 +20782,7 @@
             </a:ln>
             <a:extLst>
               <a:ext uri="{91240B29-F687-4f45-9708-019B960494DF}">
-                <a14:hiddenLine xmlns:a14="http://schemas.microsoft.com/office/drawing/2010/main" xmlns:p14="http://schemas.microsoft.com/office/powerpoint/2010/main" xmlns:a16="http://schemas.microsoft.com/office/drawing/2014/main" xmlns="" w="9525">
+                <a14:hiddenLine xmlns="" xmlns:a16="http://schemas.microsoft.com/office/drawing/2014/main" xmlns:p14="http://schemas.microsoft.com/office/powerpoint/2010/main" xmlns:a14="http://schemas.microsoft.com/office/drawing/2010/main" w="9525">
                   <a:solidFill>
                     <a:srgbClr val="000000"/>
                   </a:solidFill>
@@ -20834,7 +20859,7 @@
             </a:ln>
             <a:extLst>
               <a:ext uri="{91240B29-F687-4f45-9708-019B960494DF}">
-                <a14:hiddenLine xmlns:a14="http://schemas.microsoft.com/office/drawing/2010/main" xmlns:p14="http://schemas.microsoft.com/office/powerpoint/2010/main" xmlns:a16="http://schemas.microsoft.com/office/drawing/2014/main" xmlns="" w="9525">
+                <a14:hiddenLine xmlns="" xmlns:a16="http://schemas.microsoft.com/office/drawing/2014/main" xmlns:p14="http://schemas.microsoft.com/office/powerpoint/2010/main" xmlns:a14="http://schemas.microsoft.com/office/drawing/2010/main" w="9525">
                   <a:solidFill>
                     <a:srgbClr val="000000"/>
                   </a:solidFill>
@@ -20959,7 +20984,7 @@
             </a:ln>
             <a:extLst>
               <a:ext uri="{91240B29-F687-4f45-9708-019B960494DF}">
-                <a14:hiddenLine xmlns:a14="http://schemas.microsoft.com/office/drawing/2010/main" xmlns:p14="http://schemas.microsoft.com/office/powerpoint/2010/main" xmlns:a16="http://schemas.microsoft.com/office/drawing/2014/main" xmlns="" w="9525">
+                <a14:hiddenLine xmlns="" xmlns:a16="http://schemas.microsoft.com/office/drawing/2014/main" xmlns:p14="http://schemas.microsoft.com/office/powerpoint/2010/main" xmlns:a14="http://schemas.microsoft.com/office/drawing/2010/main" w="9525">
                   <a:solidFill>
                     <a:srgbClr val="000000"/>
                   </a:solidFill>
@@ -21073,7 +21098,7 @@
             </a:ln>
             <a:extLst>
               <a:ext uri="{91240B29-F687-4f45-9708-019B960494DF}">
-                <a14:hiddenLine xmlns:a14="http://schemas.microsoft.com/office/drawing/2010/main" xmlns:p14="http://schemas.microsoft.com/office/powerpoint/2010/main" xmlns:a16="http://schemas.microsoft.com/office/drawing/2014/main" xmlns="" w="9525">
+                <a14:hiddenLine xmlns="" xmlns:a16="http://schemas.microsoft.com/office/drawing/2014/main" xmlns:p14="http://schemas.microsoft.com/office/powerpoint/2010/main" xmlns:a14="http://schemas.microsoft.com/office/drawing/2010/main" w="9525">
                   <a:solidFill>
                     <a:srgbClr val="000000"/>
                   </a:solidFill>
@@ -21150,7 +21175,7 @@
             </a:ln>
             <a:extLst>
               <a:ext uri="{91240B29-F687-4f45-9708-019B960494DF}">
-                <a14:hiddenLine xmlns:a14="http://schemas.microsoft.com/office/drawing/2010/main" xmlns:p14="http://schemas.microsoft.com/office/powerpoint/2010/main" xmlns:a16="http://schemas.microsoft.com/office/drawing/2014/main" xmlns="" w="9525">
+                <a14:hiddenLine xmlns="" xmlns:a16="http://schemas.microsoft.com/office/drawing/2014/main" xmlns:p14="http://schemas.microsoft.com/office/powerpoint/2010/main" xmlns:a14="http://schemas.microsoft.com/office/drawing/2010/main" w="9525">
                   <a:solidFill>
                     <a:srgbClr val="000000"/>
                   </a:solidFill>
@@ -21227,7 +21252,7 @@
             </a:ln>
             <a:extLst>
               <a:ext uri="{91240B29-F687-4f45-9708-019B960494DF}">
-                <a14:hiddenLine xmlns:a14="http://schemas.microsoft.com/office/drawing/2010/main" xmlns:p14="http://schemas.microsoft.com/office/powerpoint/2010/main" xmlns:a16="http://schemas.microsoft.com/office/drawing/2014/main" xmlns="" w="9525">
+                <a14:hiddenLine xmlns="" xmlns:a16="http://schemas.microsoft.com/office/drawing/2014/main" xmlns:p14="http://schemas.microsoft.com/office/powerpoint/2010/main" xmlns:a14="http://schemas.microsoft.com/office/drawing/2010/main" w="9525">
                   <a:solidFill>
                     <a:srgbClr val="000000"/>
                   </a:solidFill>
@@ -21332,7 +21357,7 @@
             </a:ln>
             <a:extLst>
               <a:ext uri="{91240B29-F687-4f45-9708-019B960494DF}">
-                <a14:hiddenLine xmlns:a14="http://schemas.microsoft.com/office/drawing/2010/main" xmlns:p14="http://schemas.microsoft.com/office/powerpoint/2010/main" xmlns:a16="http://schemas.microsoft.com/office/drawing/2014/main" xmlns="" w="9525">
+                <a14:hiddenLine xmlns="" xmlns:a16="http://schemas.microsoft.com/office/drawing/2014/main" xmlns:p14="http://schemas.microsoft.com/office/powerpoint/2010/main" xmlns:a14="http://schemas.microsoft.com/office/drawing/2010/main" w="9525">
                   <a:solidFill>
                     <a:srgbClr val="000000"/>
                   </a:solidFill>
@@ -21381,7 +21406,7 @@
             </a:ln>
             <a:extLst>
               <a:ext uri="{91240B29-F687-4f45-9708-019B960494DF}">
-                <a14:hiddenLine xmlns:a14="http://schemas.microsoft.com/office/drawing/2010/main" xmlns:p14="http://schemas.microsoft.com/office/powerpoint/2010/main" xmlns:a16="http://schemas.microsoft.com/office/drawing/2014/main" xmlns="" w="9525">
+                <a14:hiddenLine xmlns="" xmlns:a16="http://schemas.microsoft.com/office/drawing/2014/main" xmlns:p14="http://schemas.microsoft.com/office/powerpoint/2010/main" xmlns:a14="http://schemas.microsoft.com/office/drawing/2010/main" w="9525">
                   <a:solidFill>
                     <a:srgbClr val="000000"/>
                   </a:solidFill>
@@ -21461,7 +21486,7 @@
             </a:ln>
             <a:extLst>
               <a:ext uri="{91240B29-F687-4f45-9708-019B960494DF}">
-                <a14:hiddenLine xmlns:a14="http://schemas.microsoft.com/office/drawing/2010/main" xmlns:p14="http://schemas.microsoft.com/office/powerpoint/2010/main" xmlns:a16="http://schemas.microsoft.com/office/drawing/2014/main" xmlns="" w="9525">
+                <a14:hiddenLine xmlns="" xmlns:a16="http://schemas.microsoft.com/office/drawing/2014/main" xmlns:p14="http://schemas.microsoft.com/office/powerpoint/2010/main" xmlns:a14="http://schemas.microsoft.com/office/drawing/2010/main" w="9525">
                   <a:solidFill>
                     <a:srgbClr val="000000"/>
                   </a:solidFill>
@@ -21566,7 +21591,7 @@
             </a:ln>
             <a:extLst>
               <a:ext uri="{91240B29-F687-4f45-9708-019B960494DF}">
-                <a14:hiddenLine xmlns:a14="http://schemas.microsoft.com/office/drawing/2010/main" xmlns:p14="http://schemas.microsoft.com/office/powerpoint/2010/main" xmlns:a16="http://schemas.microsoft.com/office/drawing/2014/main" xmlns="" w="9525">
+                <a14:hiddenLine xmlns="" xmlns:a16="http://schemas.microsoft.com/office/drawing/2014/main" xmlns:p14="http://schemas.microsoft.com/office/powerpoint/2010/main" xmlns:a14="http://schemas.microsoft.com/office/drawing/2010/main" w="9525">
                   <a:solidFill>
                     <a:srgbClr val="000000"/>
                   </a:solidFill>
@@ -21643,7 +21668,7 @@
             </a:ln>
             <a:extLst>
               <a:ext uri="{91240B29-F687-4f45-9708-019B960494DF}">
-                <a14:hiddenLine xmlns:a14="http://schemas.microsoft.com/office/drawing/2010/main" xmlns:p14="http://schemas.microsoft.com/office/powerpoint/2010/main" xmlns:a16="http://schemas.microsoft.com/office/drawing/2014/main" xmlns="" w="9525">
+                <a14:hiddenLine xmlns="" xmlns:a16="http://schemas.microsoft.com/office/drawing/2014/main" xmlns:p14="http://schemas.microsoft.com/office/powerpoint/2010/main" xmlns:a14="http://schemas.microsoft.com/office/drawing/2010/main" w="9525">
                   <a:solidFill>
                     <a:srgbClr val="000000"/>
                   </a:solidFill>
@@ -21748,7 +21773,7 @@
             </a:ln>
             <a:extLst>
               <a:ext uri="{91240B29-F687-4f45-9708-019B960494DF}">
-                <a14:hiddenLine xmlns:a14="http://schemas.microsoft.com/office/drawing/2010/main" xmlns:p14="http://schemas.microsoft.com/office/powerpoint/2010/main" xmlns:a16="http://schemas.microsoft.com/office/drawing/2014/main" xmlns="" w="9525">
+                <a14:hiddenLine xmlns="" xmlns:a16="http://schemas.microsoft.com/office/drawing/2014/main" xmlns:p14="http://schemas.microsoft.com/office/powerpoint/2010/main" xmlns:a14="http://schemas.microsoft.com/office/drawing/2010/main" w="9525">
                   <a:solidFill>
                     <a:srgbClr val="000000"/>
                   </a:solidFill>
@@ -21828,7 +21853,7 @@
             </a:ln>
             <a:extLst>
               <a:ext uri="{91240B29-F687-4f45-9708-019B960494DF}">
-                <a14:hiddenLine xmlns:a14="http://schemas.microsoft.com/office/drawing/2010/main" xmlns:p14="http://schemas.microsoft.com/office/powerpoint/2010/main" xmlns:a16="http://schemas.microsoft.com/office/drawing/2014/main" xmlns="" w="9525">
+                <a14:hiddenLine xmlns="" xmlns:a16="http://schemas.microsoft.com/office/drawing/2014/main" xmlns:p14="http://schemas.microsoft.com/office/powerpoint/2010/main" xmlns:a14="http://schemas.microsoft.com/office/drawing/2010/main" w="9525">
                   <a:solidFill>
                     <a:srgbClr val="000000"/>
                   </a:solidFill>
@@ -21905,7 +21930,7 @@
             </a:ln>
             <a:extLst>
               <a:ext uri="{91240B29-F687-4f45-9708-019B960494DF}">
-                <a14:hiddenLine xmlns:a14="http://schemas.microsoft.com/office/drawing/2010/main" xmlns:p14="http://schemas.microsoft.com/office/powerpoint/2010/main" xmlns:a16="http://schemas.microsoft.com/office/drawing/2014/main" xmlns="" w="9525">
+                <a14:hiddenLine xmlns="" xmlns:a16="http://schemas.microsoft.com/office/drawing/2014/main" xmlns:p14="http://schemas.microsoft.com/office/powerpoint/2010/main" xmlns:a14="http://schemas.microsoft.com/office/drawing/2010/main" w="9525">
                   <a:solidFill>
                     <a:srgbClr val="000000"/>
                   </a:solidFill>
@@ -22010,7 +22035,7 @@
             </a:ln>
             <a:extLst>
               <a:ext uri="{91240B29-F687-4f45-9708-019B960494DF}">
-                <a14:hiddenLine xmlns:a14="http://schemas.microsoft.com/office/drawing/2010/main" xmlns:p14="http://schemas.microsoft.com/office/powerpoint/2010/main" xmlns:a16="http://schemas.microsoft.com/office/drawing/2014/main" xmlns="" w="9525">
+                <a14:hiddenLine xmlns="" xmlns:a16="http://schemas.microsoft.com/office/drawing/2014/main" xmlns:p14="http://schemas.microsoft.com/office/powerpoint/2010/main" xmlns:a14="http://schemas.microsoft.com/office/drawing/2010/main" w="9525">
                   <a:solidFill>
                     <a:srgbClr val="000000"/>
                   </a:solidFill>
@@ -22115,7 +22140,7 @@
             </a:ln>
             <a:extLst>
               <a:ext uri="{91240B29-F687-4f45-9708-019B960494DF}">
-                <a14:hiddenLine xmlns:a14="http://schemas.microsoft.com/office/drawing/2010/main" xmlns:p14="http://schemas.microsoft.com/office/powerpoint/2010/main" xmlns:a16="http://schemas.microsoft.com/office/drawing/2014/main" xmlns="" w="9525">
+                <a14:hiddenLine xmlns="" xmlns:a16="http://schemas.microsoft.com/office/drawing/2014/main" xmlns:p14="http://schemas.microsoft.com/office/powerpoint/2010/main" xmlns:a14="http://schemas.microsoft.com/office/drawing/2010/main" w="9525">
                   <a:solidFill>
                     <a:srgbClr val="000000"/>
                   </a:solidFill>
@@ -22195,7 +22220,7 @@
             </a:ln>
             <a:extLst>
               <a:ext uri="{91240B29-F687-4f45-9708-019B960494DF}">
-                <a14:hiddenLine xmlns:a14="http://schemas.microsoft.com/office/drawing/2010/main" xmlns:p14="http://schemas.microsoft.com/office/powerpoint/2010/main" xmlns:a16="http://schemas.microsoft.com/office/drawing/2014/main" xmlns="" w="9525">
+                <a14:hiddenLine xmlns="" xmlns:a16="http://schemas.microsoft.com/office/drawing/2014/main" xmlns:p14="http://schemas.microsoft.com/office/powerpoint/2010/main" xmlns:a14="http://schemas.microsoft.com/office/drawing/2010/main" w="9525">
                   <a:solidFill>
                     <a:srgbClr val="000000"/>
                   </a:solidFill>
@@ -22330,7 +22355,7 @@
             </a:ln>
             <a:extLst>
               <a:ext uri="{91240B29-F687-4f45-9708-019B960494DF}">
-                <a14:hiddenLine xmlns:a14="http://schemas.microsoft.com/office/drawing/2010/main" xmlns:p14="http://schemas.microsoft.com/office/powerpoint/2010/main" xmlns:a16="http://schemas.microsoft.com/office/drawing/2014/main" xmlns="" w="9525">
+                <a14:hiddenLine xmlns="" xmlns:a16="http://schemas.microsoft.com/office/drawing/2014/main" xmlns:p14="http://schemas.microsoft.com/office/powerpoint/2010/main" xmlns:a14="http://schemas.microsoft.com/office/drawing/2010/main" w="9525">
                   <a:solidFill>
                     <a:srgbClr val="000000"/>
                   </a:solidFill>
